--- a/lessons/Feb10/Class3C_document_classification.pptx
+++ b/lessons/Feb10/Class3C_document_classification.pptx
@@ -5,7 +5,7 @@
     <p:sldMasterId id="2147483660" r:id="rId1"/>
   </p:sldMasterIdLst>
   <p:notesMasterIdLst>
-    <p:notesMasterId r:id="rId21"/>
+    <p:notesMasterId r:id="rId28"/>
   </p:notesMasterIdLst>
   <p:sldIdLst>
     <p:sldId id="593" r:id="rId2"/>
@@ -27,6 +27,13 @@
     <p:sldId id="836" r:id="rId18"/>
     <p:sldId id="835" r:id="rId19"/>
     <p:sldId id="827" r:id="rId20"/>
+    <p:sldId id="838" r:id="rId21"/>
+    <p:sldId id="839" r:id="rId22"/>
+    <p:sldId id="841" r:id="rId23"/>
+    <p:sldId id="842" r:id="rId24"/>
+    <p:sldId id="843" r:id="rId25"/>
+    <p:sldId id="844" r:id="rId26"/>
+    <p:sldId id="845" r:id="rId27"/>
   </p:sldIdLst>
   <p:sldSz cx="9144000" cy="6858000" type="screen4x3"/>
   <p:notesSz cx="6858000" cy="9144000"/>
@@ -12567,62 +12574,6 @@
           </a:fontRef>
         </p:style>
       </p:cxnSp>
-      <p:sp>
-        <p:nvSpPr>
-          <p:cNvPr id="7" name="Rectangle 6">
-            <a:extLst>
-              <a:ext uri="{FF2B5EF4-FFF2-40B4-BE49-F238E27FC236}">
-                <a16:creationId xmlns:a16="http://schemas.microsoft.com/office/drawing/2014/main" id="{3BA11A09-CFAF-4E87-0689-6B2D94975CC8}"/>
-              </a:ext>
-            </a:extLst>
-          </p:cNvPr>
-          <p:cNvSpPr/>
-          <p:nvPr/>
-        </p:nvSpPr>
-        <p:spPr>
-          <a:xfrm>
-            <a:off x="365258" y="5561799"/>
-            <a:ext cx="8253145" cy="588935"/>
-          </a:xfrm>
-          <a:prstGeom prst="rect">
-            <a:avLst/>
-          </a:prstGeom>
-          <a:solidFill>
-            <a:schemeClr val="accent2"/>
-          </a:solidFill>
-        </p:spPr>
-        <p:style>
-          <a:lnRef idx="2">
-            <a:schemeClr val="accent1">
-              <a:shade val="50000"/>
-            </a:schemeClr>
-          </a:lnRef>
-          <a:fillRef idx="1">
-            <a:schemeClr val="accent1"/>
-          </a:fillRef>
-          <a:effectRef idx="0">
-            <a:schemeClr val="accent1"/>
-          </a:effectRef>
-          <a:fontRef idx="minor">
-            <a:schemeClr val="lt1"/>
-          </a:fontRef>
-        </p:style>
-        <p:txBody>
-          <a:bodyPr rtlCol="0" anchor="ctr"/>
-          <a:lstStyle/>
-          <a:p>
-            <a:r>
-              <a:rPr lang="en-US" sz="1600" dirty="0"/>
-              <a:t>Open </a:t>
-            </a:r>
-            <a:r>
-              <a:rPr lang="en-US" sz="1600" dirty="0" err="1"/>
-              <a:t>D_ElasticNetExample.R</a:t>
-            </a:r>
-            <a:endParaRPr lang="en-US" sz="1600" dirty="0"/>
-          </a:p>
-        </p:txBody>
-      </p:sp>
     </p:spTree>
     <p:extLst>
       <p:ext uri="{BB962C8B-B14F-4D97-AF65-F5344CB8AC3E}">
@@ -14543,6 +14494,6332 @@
       <p:bldP spid="22" grpId="0" animBg="1"/>
     </p:bldLst>
   </p:timing>
+</p:sld>
+</file>
+
+<file path=ppt/slides/slide20.xml><?xml version="1.0" encoding="utf-8"?>
+<p:sld xmlns:a="http://schemas.openxmlformats.org/drawingml/2006/main" xmlns:r="http://schemas.openxmlformats.org/officeDocument/2006/relationships" xmlns:p="http://schemas.openxmlformats.org/presentationml/2006/main">
+  <p:cSld>
+    <p:spTree>
+      <p:nvGrpSpPr>
+        <p:cNvPr id="1" name=""/>
+        <p:cNvGrpSpPr/>
+        <p:nvPr/>
+      </p:nvGrpSpPr>
+      <p:grpSpPr>
+        <a:xfrm>
+          <a:off x="0" y="0"/>
+          <a:ext cx="0" cy="0"/>
+          <a:chOff x="0" y="0"/>
+          <a:chExt cx="0" cy="0"/>
+        </a:xfrm>
+      </p:grpSpPr>
+      <p:sp>
+        <p:nvSpPr>
+          <p:cNvPr id="2" name="Date Placeholder 1">
+            <a:extLst>
+              <a:ext uri="{FF2B5EF4-FFF2-40B4-BE49-F238E27FC236}">
+                <a16:creationId xmlns:a16="http://schemas.microsoft.com/office/drawing/2014/main" id="{4CA56E2F-65DF-3240-8C18-4634035B4A9E}"/>
+              </a:ext>
+            </a:extLst>
+          </p:cNvPr>
+          <p:cNvSpPr>
+            <a:spLocks noGrp="1"/>
+          </p:cNvSpPr>
+          <p:nvPr>
+            <p:ph type="dt" sz="half" idx="10"/>
+          </p:nvPr>
+        </p:nvSpPr>
+        <p:spPr/>
+        <p:txBody>
+          <a:bodyPr/>
+          <a:lstStyle/>
+          <a:p>
+            <a:fld id="{6700A58B-DD98-43D0-B791-721480A02982}" type="datetime1">
+              <a:rPr lang="en-US" smtClean="0"/>
+              <a:t>1/30/23</a:t>
+            </a:fld>
+            <a:endParaRPr lang="en-US"/>
+          </a:p>
+        </p:txBody>
+      </p:sp>
+      <p:sp>
+        <p:nvSpPr>
+          <p:cNvPr id="3" name="Title 2">
+            <a:extLst>
+              <a:ext uri="{FF2B5EF4-FFF2-40B4-BE49-F238E27FC236}">
+                <a16:creationId xmlns:a16="http://schemas.microsoft.com/office/drawing/2014/main" id="{376138EB-B507-C743-9267-020739C56760}"/>
+              </a:ext>
+            </a:extLst>
+          </p:cNvPr>
+          <p:cNvSpPr>
+            <a:spLocks noGrp="1"/>
+          </p:cNvSpPr>
+          <p:nvPr>
+            <p:ph type="title"/>
+          </p:nvPr>
+        </p:nvSpPr>
+        <p:spPr>
+          <a:xfrm>
+            <a:off x="121920" y="365126"/>
+            <a:ext cx="8887968" cy="591477"/>
+          </a:xfrm>
+        </p:spPr>
+        <p:txBody>
+          <a:bodyPr/>
+          <a:lstStyle/>
+          <a:p>
+            <a:r>
+              <a:rPr lang="en-US" dirty="0"/>
+              <a:t>Let’s solve concept drift  &amp; matrix matching.</a:t>
+            </a:r>
+          </a:p>
+        </p:txBody>
+      </p:sp>
+      <p:sp>
+        <p:nvSpPr>
+          <p:cNvPr id="4" name="Footer Placeholder 3">
+            <a:extLst>
+              <a:ext uri="{FF2B5EF4-FFF2-40B4-BE49-F238E27FC236}">
+                <a16:creationId xmlns:a16="http://schemas.microsoft.com/office/drawing/2014/main" id="{63BA39D2-8972-7B46-A529-FE150D0E702A}"/>
+              </a:ext>
+            </a:extLst>
+          </p:cNvPr>
+          <p:cNvSpPr>
+            <a:spLocks noGrp="1"/>
+          </p:cNvSpPr>
+          <p:nvPr>
+            <p:ph type="ftr" sz="quarter" idx="3"/>
+          </p:nvPr>
+        </p:nvSpPr>
+        <p:spPr/>
+        <p:txBody>
+          <a:bodyPr/>
+          <a:lstStyle/>
+          <a:p>
+            <a:r>
+              <a:rPr lang="en-US"/>
+              <a:t>Kwartler</a:t>
+            </a:r>
+            <a:endParaRPr lang="en-US" dirty="0"/>
+          </a:p>
+        </p:txBody>
+      </p:sp>
+      <p:sp>
+        <p:nvSpPr>
+          <p:cNvPr id="5" name="Slide Number Placeholder 4">
+            <a:extLst>
+              <a:ext uri="{FF2B5EF4-FFF2-40B4-BE49-F238E27FC236}">
+                <a16:creationId xmlns:a16="http://schemas.microsoft.com/office/drawing/2014/main" id="{2EDB1C69-0AE8-1041-8263-C88360415FC7}"/>
+              </a:ext>
+            </a:extLst>
+          </p:cNvPr>
+          <p:cNvSpPr>
+            <a:spLocks noGrp="1"/>
+          </p:cNvSpPr>
+          <p:nvPr>
+            <p:ph type="sldNum" sz="quarter" idx="4"/>
+          </p:nvPr>
+        </p:nvSpPr>
+        <p:spPr/>
+        <p:txBody>
+          <a:bodyPr/>
+          <a:lstStyle/>
+          <a:p>
+            <a:fld id="{37290FF7-652B-4475-AEAB-8B1A5D23AE09}" type="slidenum">
+              <a:rPr lang="en-US" smtClean="0"/>
+              <a:pPr/>
+              <a:t>20</a:t>
+            </a:fld>
+            <a:endParaRPr lang="en-US" dirty="0"/>
+          </a:p>
+        </p:txBody>
+      </p:sp>
+      <p:graphicFrame>
+        <p:nvGraphicFramePr>
+          <p:cNvPr id="6" name="Table 6">
+            <a:extLst>
+              <a:ext uri="{FF2B5EF4-FFF2-40B4-BE49-F238E27FC236}">
+                <a16:creationId xmlns:a16="http://schemas.microsoft.com/office/drawing/2014/main" id="{A16FF4E1-4F44-3447-B1C8-D3C08081F8BA}"/>
+              </a:ext>
+            </a:extLst>
+          </p:cNvPr>
+          <p:cNvGraphicFramePr>
+            <a:graphicFrameLocks noGrp="1"/>
+          </p:cNvGraphicFramePr>
+          <p:nvPr/>
+        </p:nvGraphicFramePr>
+        <p:xfrm>
+          <a:off x="549966" y="2033104"/>
+          <a:ext cx="6096000" cy="2225040"/>
+        </p:xfrm>
+        <a:graphic>
+          <a:graphicData uri="http://schemas.openxmlformats.org/drawingml/2006/table">
+            <a:tbl>
+              <a:tblPr firstRow="1" bandRow="1">
+                <a:tableStyleId>{5C22544A-7EE6-4342-B048-85BDC9FD1C3A}</a:tableStyleId>
+              </a:tblPr>
+              <a:tblGrid>
+                <a:gridCol w="1219200">
+                  <a:extLst>
+                    <a:ext uri="{9D8B030D-6E8A-4147-A177-3AD203B41FA5}">
+                      <a16:colId xmlns:a16="http://schemas.microsoft.com/office/drawing/2014/main" val="1763945171"/>
+                    </a:ext>
+                  </a:extLst>
+                </a:gridCol>
+                <a:gridCol w="1219200">
+                  <a:extLst>
+                    <a:ext uri="{9D8B030D-6E8A-4147-A177-3AD203B41FA5}">
+                      <a16:colId xmlns:a16="http://schemas.microsoft.com/office/drawing/2014/main" val="1730943439"/>
+                    </a:ext>
+                  </a:extLst>
+                </a:gridCol>
+                <a:gridCol w="1219200">
+                  <a:extLst>
+                    <a:ext uri="{9D8B030D-6E8A-4147-A177-3AD203B41FA5}">
+                      <a16:colId xmlns:a16="http://schemas.microsoft.com/office/drawing/2014/main" val="3672649975"/>
+                    </a:ext>
+                  </a:extLst>
+                </a:gridCol>
+                <a:gridCol w="1219200">
+                  <a:extLst>
+                    <a:ext uri="{9D8B030D-6E8A-4147-A177-3AD203B41FA5}">
+                      <a16:colId xmlns:a16="http://schemas.microsoft.com/office/drawing/2014/main" val="1700470532"/>
+                    </a:ext>
+                  </a:extLst>
+                </a:gridCol>
+                <a:gridCol w="1219200">
+                  <a:extLst>
+                    <a:ext uri="{9D8B030D-6E8A-4147-A177-3AD203B41FA5}">
+                      <a16:colId xmlns:a16="http://schemas.microsoft.com/office/drawing/2014/main" val="2666081561"/>
+                    </a:ext>
+                  </a:extLst>
+                </a:gridCol>
+              </a:tblGrid>
+              <a:tr h="370840">
+                <a:tc>
+                  <a:txBody>
+                    <a:bodyPr/>
+                    <a:lstStyle/>
+                    <a:p>
+                      <a:endParaRPr lang="en-US"/>
+                    </a:p>
+                  </a:txBody>
+                  <a:tcPr/>
+                </a:tc>
+                <a:tc>
+                  <a:txBody>
+                    <a:bodyPr/>
+                    <a:lstStyle/>
+                    <a:p>
+                      <a:r>
+                        <a:rPr lang="en-US" dirty="0"/>
+                        <a:t>X-Var1</a:t>
+                      </a:r>
+                    </a:p>
+                  </a:txBody>
+                  <a:tcPr/>
+                </a:tc>
+                <a:tc>
+                  <a:txBody>
+                    <a:bodyPr/>
+                    <a:lstStyle/>
+                    <a:p>
+                      <a:r>
+                        <a:rPr lang="en-US" dirty="0"/>
+                        <a:t>X-Var2</a:t>
+                      </a:r>
+                    </a:p>
+                  </a:txBody>
+                  <a:tcPr/>
+                </a:tc>
+                <a:tc>
+                  <a:txBody>
+                    <a:bodyPr/>
+                    <a:lstStyle/>
+                    <a:p>
+                      <a:r>
+                        <a:rPr lang="en-US" dirty="0"/>
+                        <a:t>X-</a:t>
+                      </a:r>
+                      <a:r>
+                        <a:rPr lang="en-US" dirty="0" err="1"/>
+                        <a:t>VarN</a:t>
+                      </a:r>
+                      <a:endParaRPr lang="en-US" dirty="0"/>
+                    </a:p>
+                  </a:txBody>
+                  <a:tcPr/>
+                </a:tc>
+                <a:tc>
+                  <a:txBody>
+                    <a:bodyPr/>
+                    <a:lstStyle/>
+                    <a:p>
+                      <a:r>
+                        <a:rPr lang="en-US" dirty="0"/>
+                        <a:t>Y</a:t>
+                      </a:r>
+                    </a:p>
+                  </a:txBody>
+                  <a:tcPr/>
+                </a:tc>
+                <a:extLst>
+                  <a:ext uri="{0D108BD9-81ED-4DB2-BD59-A6C34878D82A}">
+                    <a16:rowId xmlns:a16="http://schemas.microsoft.com/office/drawing/2014/main" val="565650966"/>
+                  </a:ext>
+                </a:extLst>
+              </a:tr>
+              <a:tr h="370840">
+                <a:tc>
+                  <a:txBody>
+                    <a:bodyPr/>
+                    <a:lstStyle/>
+                    <a:p>
+                      <a:r>
+                        <a:rPr lang="en-US" dirty="0"/>
+                        <a:t>Observation1</a:t>
+                      </a:r>
+                    </a:p>
+                  </a:txBody>
+                  <a:tcPr/>
+                </a:tc>
+                <a:tc>
+                  <a:txBody>
+                    <a:bodyPr/>
+                    <a:lstStyle/>
+                    <a:p>
+                      <a:r>
+                        <a:rPr lang="en-US" dirty="0"/>
+                        <a:t>1</a:t>
+                      </a:r>
+                    </a:p>
+                  </a:txBody>
+                  <a:tcPr/>
+                </a:tc>
+                <a:tc>
+                  <a:txBody>
+                    <a:bodyPr/>
+                    <a:lstStyle/>
+                    <a:p>
+                      <a:r>
+                        <a:rPr lang="en-US" dirty="0"/>
+                        <a:t>32</a:t>
+                      </a:r>
+                    </a:p>
+                  </a:txBody>
+                  <a:tcPr/>
+                </a:tc>
+                <a:tc>
+                  <a:txBody>
+                    <a:bodyPr/>
+                    <a:lstStyle/>
+                    <a:p>
+                      <a:r>
+                        <a:rPr lang="en-US" dirty="0"/>
+                        <a:t>Brown</a:t>
+                      </a:r>
+                    </a:p>
+                  </a:txBody>
+                  <a:tcPr/>
+                </a:tc>
+                <a:tc>
+                  <a:txBody>
+                    <a:bodyPr/>
+                    <a:lstStyle/>
+                    <a:p>
+                      <a:r>
+                        <a:rPr lang="en-US" dirty="0"/>
+                        <a:t>52</a:t>
+                      </a:r>
+                    </a:p>
+                  </a:txBody>
+                  <a:tcPr/>
+                </a:tc>
+                <a:extLst>
+                  <a:ext uri="{0D108BD9-81ED-4DB2-BD59-A6C34878D82A}">
+                    <a16:rowId xmlns:a16="http://schemas.microsoft.com/office/drawing/2014/main" val="765506212"/>
+                  </a:ext>
+                </a:extLst>
+              </a:tr>
+              <a:tr h="370840">
+                <a:tc>
+                  <a:txBody>
+                    <a:bodyPr/>
+                    <a:lstStyle/>
+                    <a:p>
+                      <a:r>
+                        <a:rPr lang="en-US" dirty="0"/>
+                        <a:t>Observation2</a:t>
+                      </a:r>
+                    </a:p>
+                  </a:txBody>
+                  <a:tcPr/>
+                </a:tc>
+                <a:tc>
+                  <a:txBody>
+                    <a:bodyPr/>
+                    <a:lstStyle/>
+                    <a:p>
+                      <a:r>
+                        <a:rPr lang="en-US" dirty="0"/>
+                        <a:t>0</a:t>
+                      </a:r>
+                    </a:p>
+                  </a:txBody>
+                  <a:tcPr/>
+                </a:tc>
+                <a:tc>
+                  <a:txBody>
+                    <a:bodyPr/>
+                    <a:lstStyle/>
+                    <a:p>
+                      <a:r>
+                        <a:rPr lang="en-US" dirty="0"/>
+                        <a:t>12</a:t>
+                      </a:r>
+                    </a:p>
+                  </a:txBody>
+                  <a:tcPr/>
+                </a:tc>
+                <a:tc>
+                  <a:txBody>
+                    <a:bodyPr/>
+                    <a:lstStyle/>
+                    <a:p>
+                      <a:r>
+                        <a:rPr lang="en-US" dirty="0"/>
+                        <a:t>Blue</a:t>
+                      </a:r>
+                    </a:p>
+                  </a:txBody>
+                  <a:tcPr/>
+                </a:tc>
+                <a:tc>
+                  <a:txBody>
+                    <a:bodyPr/>
+                    <a:lstStyle/>
+                    <a:p>
+                      <a:r>
+                        <a:rPr lang="en-US" dirty="0"/>
+                        <a:t>83</a:t>
+                      </a:r>
+                    </a:p>
+                  </a:txBody>
+                  <a:tcPr/>
+                </a:tc>
+                <a:extLst>
+                  <a:ext uri="{0D108BD9-81ED-4DB2-BD59-A6C34878D82A}">
+                    <a16:rowId xmlns:a16="http://schemas.microsoft.com/office/drawing/2014/main" val="1984768767"/>
+                  </a:ext>
+                </a:extLst>
+              </a:tr>
+              <a:tr h="370840">
+                <a:tc>
+                  <a:txBody>
+                    <a:bodyPr/>
+                    <a:lstStyle/>
+                    <a:p>
+                      <a:r>
+                        <a:rPr lang="en-US" dirty="0"/>
+                        <a:t>Observation3</a:t>
+                      </a:r>
+                    </a:p>
+                  </a:txBody>
+                  <a:tcPr/>
+                </a:tc>
+                <a:tc>
+                  <a:txBody>
+                    <a:bodyPr/>
+                    <a:lstStyle/>
+                    <a:p>
+                      <a:r>
+                        <a:rPr lang="en-US" dirty="0"/>
+                        <a:t>0</a:t>
+                      </a:r>
+                    </a:p>
+                  </a:txBody>
+                  <a:tcPr/>
+                </a:tc>
+                <a:tc>
+                  <a:txBody>
+                    <a:bodyPr/>
+                    <a:lstStyle/>
+                    <a:p>
+                      <a:r>
+                        <a:rPr lang="en-US" dirty="0"/>
+                        <a:t>47</a:t>
+                      </a:r>
+                    </a:p>
+                  </a:txBody>
+                  <a:tcPr/>
+                </a:tc>
+                <a:tc>
+                  <a:txBody>
+                    <a:bodyPr/>
+                    <a:lstStyle/>
+                    <a:p>
+                      <a:r>
+                        <a:rPr lang="en-US" dirty="0"/>
+                        <a:t>Brown</a:t>
+                      </a:r>
+                    </a:p>
+                  </a:txBody>
+                  <a:tcPr/>
+                </a:tc>
+                <a:tc>
+                  <a:txBody>
+                    <a:bodyPr/>
+                    <a:lstStyle/>
+                    <a:p>
+                      <a:r>
+                        <a:rPr lang="en-US" dirty="0"/>
+                        <a:t>29</a:t>
+                      </a:r>
+                    </a:p>
+                  </a:txBody>
+                  <a:tcPr/>
+                </a:tc>
+                <a:extLst>
+                  <a:ext uri="{0D108BD9-81ED-4DB2-BD59-A6C34878D82A}">
+                    <a16:rowId xmlns:a16="http://schemas.microsoft.com/office/drawing/2014/main" val="847785064"/>
+                  </a:ext>
+                </a:extLst>
+              </a:tr>
+              <a:tr h="370840">
+                <a:tc>
+                  <a:txBody>
+                    <a:bodyPr/>
+                    <a:lstStyle/>
+                    <a:p>
+                      <a:r>
+                        <a:rPr lang="en-US" dirty="0"/>
+                        <a:t>…</a:t>
+                      </a:r>
+                    </a:p>
+                  </a:txBody>
+                  <a:tcPr/>
+                </a:tc>
+                <a:tc>
+                  <a:txBody>
+                    <a:bodyPr/>
+                    <a:lstStyle/>
+                    <a:p>
+                      <a:r>
+                        <a:rPr lang="en-US" dirty="0"/>
+                        <a:t>…</a:t>
+                      </a:r>
+                    </a:p>
+                  </a:txBody>
+                  <a:tcPr/>
+                </a:tc>
+                <a:tc>
+                  <a:txBody>
+                    <a:bodyPr/>
+                    <a:lstStyle/>
+                    <a:p>
+                      <a:r>
+                        <a:rPr lang="en-US" dirty="0"/>
+                        <a:t>…</a:t>
+                      </a:r>
+                    </a:p>
+                  </a:txBody>
+                  <a:tcPr/>
+                </a:tc>
+                <a:tc>
+                  <a:txBody>
+                    <a:bodyPr/>
+                    <a:lstStyle/>
+                    <a:p>
+                      <a:r>
+                        <a:rPr lang="en-US" dirty="0"/>
+                        <a:t>…</a:t>
+                      </a:r>
+                    </a:p>
+                  </a:txBody>
+                  <a:tcPr/>
+                </a:tc>
+                <a:tc>
+                  <a:txBody>
+                    <a:bodyPr/>
+                    <a:lstStyle/>
+                    <a:p>
+                      <a:r>
+                        <a:rPr lang="en-US" dirty="0"/>
+                        <a:t>…</a:t>
+                      </a:r>
+                    </a:p>
+                  </a:txBody>
+                  <a:tcPr/>
+                </a:tc>
+                <a:extLst>
+                  <a:ext uri="{0D108BD9-81ED-4DB2-BD59-A6C34878D82A}">
+                    <a16:rowId xmlns:a16="http://schemas.microsoft.com/office/drawing/2014/main" val="1054804336"/>
+                  </a:ext>
+                </a:extLst>
+              </a:tr>
+              <a:tr h="370840">
+                <a:tc>
+                  <a:txBody>
+                    <a:bodyPr/>
+                    <a:lstStyle/>
+                    <a:p>
+                      <a:r>
+                        <a:rPr lang="en-US" dirty="0" err="1"/>
+                        <a:t>ObservationN</a:t>
+                      </a:r>
+                      <a:endParaRPr lang="en-US" dirty="0"/>
+                    </a:p>
+                  </a:txBody>
+                  <a:tcPr/>
+                </a:tc>
+                <a:tc>
+                  <a:txBody>
+                    <a:bodyPr/>
+                    <a:lstStyle/>
+                    <a:p>
+                      <a:r>
+                        <a:rPr lang="en-US" dirty="0"/>
+                        <a:t>1</a:t>
+                      </a:r>
+                    </a:p>
+                  </a:txBody>
+                  <a:tcPr/>
+                </a:tc>
+                <a:tc>
+                  <a:txBody>
+                    <a:bodyPr/>
+                    <a:lstStyle/>
+                    <a:p>
+                      <a:r>
+                        <a:rPr lang="en-US" dirty="0"/>
+                        <a:t>11</a:t>
+                      </a:r>
+                    </a:p>
+                  </a:txBody>
+                  <a:tcPr/>
+                </a:tc>
+                <a:tc>
+                  <a:txBody>
+                    <a:bodyPr/>
+                    <a:lstStyle/>
+                    <a:p>
+                      <a:r>
+                        <a:rPr lang="en-US" dirty="0"/>
+                        <a:t>Brown</a:t>
+                      </a:r>
+                    </a:p>
+                  </a:txBody>
+                  <a:tcPr/>
+                </a:tc>
+                <a:tc>
+                  <a:txBody>
+                    <a:bodyPr/>
+                    <a:lstStyle/>
+                    <a:p>
+                      <a:r>
+                        <a:rPr lang="en-US" dirty="0"/>
+                        <a:t>36</a:t>
+                      </a:r>
+                    </a:p>
+                  </a:txBody>
+                  <a:tcPr/>
+                </a:tc>
+                <a:extLst>
+                  <a:ext uri="{0D108BD9-81ED-4DB2-BD59-A6C34878D82A}">
+                    <a16:rowId xmlns:a16="http://schemas.microsoft.com/office/drawing/2014/main" val="4083999284"/>
+                  </a:ext>
+                </a:extLst>
+              </a:tr>
+            </a:tbl>
+          </a:graphicData>
+        </a:graphic>
+      </p:graphicFrame>
+      <p:sp>
+        <p:nvSpPr>
+          <p:cNvPr id="7" name="TextBox 6">
+            <a:extLst>
+              <a:ext uri="{FF2B5EF4-FFF2-40B4-BE49-F238E27FC236}">
+                <a16:creationId xmlns:a16="http://schemas.microsoft.com/office/drawing/2014/main" id="{6045EFE7-8029-7C49-BFE9-012B6355A58F}"/>
+              </a:ext>
+            </a:extLst>
+          </p:cNvPr>
+          <p:cNvSpPr txBox="1"/>
+          <p:nvPr/>
+        </p:nvSpPr>
+        <p:spPr>
+          <a:xfrm>
+            <a:off x="549966" y="1663772"/>
+            <a:ext cx="1415837" cy="369332"/>
+          </a:xfrm>
+          <a:prstGeom prst="rect">
+            <a:avLst/>
+          </a:prstGeom>
+          <a:noFill/>
+        </p:spPr>
+        <p:txBody>
+          <a:bodyPr wrap="none" rtlCol="0">
+            <a:spAutoFit/>
+          </a:bodyPr>
+          <a:lstStyle/>
+          <a:p>
+            <a:r>
+              <a:rPr lang="en-US" dirty="0"/>
+              <a:t>Training Data</a:t>
+            </a:r>
+          </a:p>
+        </p:txBody>
+      </p:sp>
+      <p:sp>
+        <p:nvSpPr>
+          <p:cNvPr id="8" name="Rectangle 7">
+            <a:extLst>
+              <a:ext uri="{FF2B5EF4-FFF2-40B4-BE49-F238E27FC236}">
+                <a16:creationId xmlns:a16="http://schemas.microsoft.com/office/drawing/2014/main" id="{1F04DE42-AF2F-2A4E-9D40-4D3000A785F4}"/>
+              </a:ext>
+            </a:extLst>
+          </p:cNvPr>
+          <p:cNvSpPr/>
+          <p:nvPr/>
+        </p:nvSpPr>
+        <p:spPr>
+          <a:xfrm>
+            <a:off x="261257" y="5760723"/>
+            <a:ext cx="8490041" cy="561702"/>
+          </a:xfrm>
+          <a:prstGeom prst="rect">
+            <a:avLst/>
+          </a:prstGeom>
+        </p:spPr>
+        <p:style>
+          <a:lnRef idx="2">
+            <a:schemeClr val="accent1">
+              <a:shade val="50000"/>
+            </a:schemeClr>
+          </a:lnRef>
+          <a:fillRef idx="1">
+            <a:schemeClr val="accent1"/>
+          </a:fillRef>
+          <a:effectRef idx="0">
+            <a:schemeClr val="accent1"/>
+          </a:effectRef>
+          <a:fontRef idx="minor">
+            <a:schemeClr val="lt1"/>
+          </a:fontRef>
+        </p:style>
+        <p:txBody>
+          <a:bodyPr rtlCol="0" anchor="ctr"/>
+          <a:lstStyle/>
+          <a:p>
+            <a:pPr algn="ctr"/>
+            <a:r>
+              <a:rPr lang="en-US" b="1" dirty="0">
+                <a:latin typeface="Consolas" panose="020B0609020204030204" pitchFamily="49" charset="0"/>
+                <a:cs typeface="Consolas" panose="020B0609020204030204" pitchFamily="49" charset="0"/>
+              </a:rPr>
+              <a:t>A typical training set.</a:t>
+            </a:r>
+            <a:endParaRPr lang="en-US" dirty="0"/>
+          </a:p>
+        </p:txBody>
+      </p:sp>
+    </p:spTree>
+    <p:extLst>
+      <p:ext uri="{BB962C8B-B14F-4D97-AF65-F5344CB8AC3E}">
+        <p14:creationId xmlns:p14="http://schemas.microsoft.com/office/powerpoint/2010/main" val="4132001671"/>
+      </p:ext>
+    </p:extLst>
+  </p:cSld>
+  <p:clrMapOvr>
+    <a:masterClrMapping/>
+  </p:clrMapOvr>
+</p:sld>
+</file>
+
+<file path=ppt/slides/slide21.xml><?xml version="1.0" encoding="utf-8"?>
+<p:sld xmlns:a="http://schemas.openxmlformats.org/drawingml/2006/main" xmlns:r="http://schemas.openxmlformats.org/officeDocument/2006/relationships" xmlns:p="http://schemas.openxmlformats.org/presentationml/2006/main">
+  <p:cSld>
+    <p:spTree>
+      <p:nvGrpSpPr>
+        <p:cNvPr id="1" name=""/>
+        <p:cNvGrpSpPr/>
+        <p:nvPr/>
+      </p:nvGrpSpPr>
+      <p:grpSpPr>
+        <a:xfrm>
+          <a:off x="0" y="0"/>
+          <a:ext cx="0" cy="0"/>
+          <a:chOff x="0" y="0"/>
+          <a:chExt cx="0" cy="0"/>
+        </a:xfrm>
+      </p:grpSpPr>
+      <p:sp>
+        <p:nvSpPr>
+          <p:cNvPr id="2" name="Date Placeholder 1">
+            <a:extLst>
+              <a:ext uri="{FF2B5EF4-FFF2-40B4-BE49-F238E27FC236}">
+                <a16:creationId xmlns:a16="http://schemas.microsoft.com/office/drawing/2014/main" id="{4CA56E2F-65DF-3240-8C18-4634035B4A9E}"/>
+              </a:ext>
+            </a:extLst>
+          </p:cNvPr>
+          <p:cNvSpPr>
+            <a:spLocks noGrp="1"/>
+          </p:cNvSpPr>
+          <p:nvPr>
+            <p:ph type="dt" sz="half" idx="10"/>
+          </p:nvPr>
+        </p:nvSpPr>
+        <p:spPr/>
+        <p:txBody>
+          <a:bodyPr/>
+          <a:lstStyle/>
+          <a:p>
+            <a:fld id="{6700A58B-DD98-43D0-B791-721480A02982}" type="datetime1">
+              <a:rPr lang="en-US" smtClean="0"/>
+              <a:t>1/30/23</a:t>
+            </a:fld>
+            <a:endParaRPr lang="en-US"/>
+          </a:p>
+        </p:txBody>
+      </p:sp>
+      <p:sp>
+        <p:nvSpPr>
+          <p:cNvPr id="3" name="Title 2">
+            <a:extLst>
+              <a:ext uri="{FF2B5EF4-FFF2-40B4-BE49-F238E27FC236}">
+                <a16:creationId xmlns:a16="http://schemas.microsoft.com/office/drawing/2014/main" id="{376138EB-B507-C743-9267-020739C56760}"/>
+              </a:ext>
+            </a:extLst>
+          </p:cNvPr>
+          <p:cNvSpPr>
+            <a:spLocks noGrp="1"/>
+          </p:cNvSpPr>
+          <p:nvPr>
+            <p:ph type="title"/>
+          </p:nvPr>
+        </p:nvSpPr>
+        <p:spPr/>
+        <p:txBody>
+          <a:bodyPr/>
+          <a:lstStyle/>
+          <a:p>
+            <a:r>
+              <a:rPr lang="en-US" dirty="0"/>
+              <a:t>Models are picky.</a:t>
+            </a:r>
+          </a:p>
+        </p:txBody>
+      </p:sp>
+      <p:sp>
+        <p:nvSpPr>
+          <p:cNvPr id="4" name="Footer Placeholder 3">
+            <a:extLst>
+              <a:ext uri="{FF2B5EF4-FFF2-40B4-BE49-F238E27FC236}">
+                <a16:creationId xmlns:a16="http://schemas.microsoft.com/office/drawing/2014/main" id="{63BA39D2-8972-7B46-A529-FE150D0E702A}"/>
+              </a:ext>
+            </a:extLst>
+          </p:cNvPr>
+          <p:cNvSpPr>
+            <a:spLocks noGrp="1"/>
+          </p:cNvSpPr>
+          <p:nvPr>
+            <p:ph type="ftr" sz="quarter" idx="3"/>
+          </p:nvPr>
+        </p:nvSpPr>
+        <p:spPr/>
+        <p:txBody>
+          <a:bodyPr/>
+          <a:lstStyle/>
+          <a:p>
+            <a:r>
+              <a:rPr lang="en-US"/>
+              <a:t>Kwartler</a:t>
+            </a:r>
+            <a:endParaRPr lang="en-US" dirty="0"/>
+          </a:p>
+        </p:txBody>
+      </p:sp>
+      <p:sp>
+        <p:nvSpPr>
+          <p:cNvPr id="5" name="Slide Number Placeholder 4">
+            <a:extLst>
+              <a:ext uri="{FF2B5EF4-FFF2-40B4-BE49-F238E27FC236}">
+                <a16:creationId xmlns:a16="http://schemas.microsoft.com/office/drawing/2014/main" id="{2EDB1C69-0AE8-1041-8263-C88360415FC7}"/>
+              </a:ext>
+            </a:extLst>
+          </p:cNvPr>
+          <p:cNvSpPr>
+            <a:spLocks noGrp="1"/>
+          </p:cNvSpPr>
+          <p:nvPr>
+            <p:ph type="sldNum" sz="quarter" idx="4"/>
+          </p:nvPr>
+        </p:nvSpPr>
+        <p:spPr/>
+        <p:txBody>
+          <a:bodyPr/>
+          <a:lstStyle/>
+          <a:p>
+            <a:fld id="{37290FF7-652B-4475-AEAB-8B1A5D23AE09}" type="slidenum">
+              <a:rPr lang="en-US" smtClean="0"/>
+              <a:pPr/>
+              <a:t>21</a:t>
+            </a:fld>
+            <a:endParaRPr lang="en-US" dirty="0"/>
+          </a:p>
+        </p:txBody>
+      </p:sp>
+      <p:graphicFrame>
+        <p:nvGraphicFramePr>
+          <p:cNvPr id="6" name="Table 6">
+            <a:extLst>
+              <a:ext uri="{FF2B5EF4-FFF2-40B4-BE49-F238E27FC236}">
+                <a16:creationId xmlns:a16="http://schemas.microsoft.com/office/drawing/2014/main" id="{A16FF4E1-4F44-3447-B1C8-D3C08081F8BA}"/>
+              </a:ext>
+            </a:extLst>
+          </p:cNvPr>
+          <p:cNvGraphicFramePr>
+            <a:graphicFrameLocks noGrp="1"/>
+          </p:cNvGraphicFramePr>
+          <p:nvPr/>
+        </p:nvGraphicFramePr>
+        <p:xfrm>
+          <a:off x="549966" y="1486453"/>
+          <a:ext cx="6096000" cy="2225040"/>
+        </p:xfrm>
+        <a:graphic>
+          <a:graphicData uri="http://schemas.openxmlformats.org/drawingml/2006/table">
+            <a:tbl>
+              <a:tblPr firstRow="1" bandRow="1">
+                <a:tableStyleId>{5C22544A-7EE6-4342-B048-85BDC9FD1C3A}</a:tableStyleId>
+              </a:tblPr>
+              <a:tblGrid>
+                <a:gridCol w="1219200">
+                  <a:extLst>
+                    <a:ext uri="{9D8B030D-6E8A-4147-A177-3AD203B41FA5}">
+                      <a16:colId xmlns:a16="http://schemas.microsoft.com/office/drawing/2014/main" val="1763945171"/>
+                    </a:ext>
+                  </a:extLst>
+                </a:gridCol>
+                <a:gridCol w="1219200">
+                  <a:extLst>
+                    <a:ext uri="{9D8B030D-6E8A-4147-A177-3AD203B41FA5}">
+                      <a16:colId xmlns:a16="http://schemas.microsoft.com/office/drawing/2014/main" val="1730943439"/>
+                    </a:ext>
+                  </a:extLst>
+                </a:gridCol>
+                <a:gridCol w="1219200">
+                  <a:extLst>
+                    <a:ext uri="{9D8B030D-6E8A-4147-A177-3AD203B41FA5}">
+                      <a16:colId xmlns:a16="http://schemas.microsoft.com/office/drawing/2014/main" val="3672649975"/>
+                    </a:ext>
+                  </a:extLst>
+                </a:gridCol>
+                <a:gridCol w="1219200">
+                  <a:extLst>
+                    <a:ext uri="{9D8B030D-6E8A-4147-A177-3AD203B41FA5}">
+                      <a16:colId xmlns:a16="http://schemas.microsoft.com/office/drawing/2014/main" val="1700470532"/>
+                    </a:ext>
+                  </a:extLst>
+                </a:gridCol>
+                <a:gridCol w="1219200">
+                  <a:extLst>
+                    <a:ext uri="{9D8B030D-6E8A-4147-A177-3AD203B41FA5}">
+                      <a16:colId xmlns:a16="http://schemas.microsoft.com/office/drawing/2014/main" val="2666081561"/>
+                    </a:ext>
+                  </a:extLst>
+                </a:gridCol>
+              </a:tblGrid>
+              <a:tr h="370840">
+                <a:tc>
+                  <a:txBody>
+                    <a:bodyPr/>
+                    <a:lstStyle/>
+                    <a:p>
+                      <a:endParaRPr lang="en-US"/>
+                    </a:p>
+                  </a:txBody>
+                  <a:tcPr/>
+                </a:tc>
+                <a:tc>
+                  <a:txBody>
+                    <a:bodyPr/>
+                    <a:lstStyle/>
+                    <a:p>
+                      <a:r>
+                        <a:rPr lang="en-US" dirty="0"/>
+                        <a:t>X-Var1</a:t>
+                      </a:r>
+                    </a:p>
+                  </a:txBody>
+                  <a:tcPr/>
+                </a:tc>
+                <a:tc>
+                  <a:txBody>
+                    <a:bodyPr/>
+                    <a:lstStyle/>
+                    <a:p>
+                      <a:r>
+                        <a:rPr lang="en-US" dirty="0"/>
+                        <a:t>X-Var2</a:t>
+                      </a:r>
+                    </a:p>
+                  </a:txBody>
+                  <a:tcPr/>
+                </a:tc>
+                <a:tc>
+                  <a:txBody>
+                    <a:bodyPr/>
+                    <a:lstStyle/>
+                    <a:p>
+                      <a:r>
+                        <a:rPr lang="en-US" dirty="0"/>
+                        <a:t>X-</a:t>
+                      </a:r>
+                      <a:r>
+                        <a:rPr lang="en-US" dirty="0" err="1"/>
+                        <a:t>VarN</a:t>
+                      </a:r>
+                      <a:endParaRPr lang="en-US" dirty="0"/>
+                    </a:p>
+                  </a:txBody>
+                  <a:tcPr/>
+                </a:tc>
+                <a:tc>
+                  <a:txBody>
+                    <a:bodyPr/>
+                    <a:lstStyle/>
+                    <a:p>
+                      <a:r>
+                        <a:rPr lang="en-US" dirty="0"/>
+                        <a:t>Y</a:t>
+                      </a:r>
+                    </a:p>
+                  </a:txBody>
+                  <a:tcPr/>
+                </a:tc>
+                <a:extLst>
+                  <a:ext uri="{0D108BD9-81ED-4DB2-BD59-A6C34878D82A}">
+                    <a16:rowId xmlns:a16="http://schemas.microsoft.com/office/drawing/2014/main" val="565650966"/>
+                  </a:ext>
+                </a:extLst>
+              </a:tr>
+              <a:tr h="370840">
+                <a:tc>
+                  <a:txBody>
+                    <a:bodyPr/>
+                    <a:lstStyle/>
+                    <a:p>
+                      <a:r>
+                        <a:rPr lang="en-US" dirty="0"/>
+                        <a:t>Observation1</a:t>
+                      </a:r>
+                    </a:p>
+                  </a:txBody>
+                  <a:tcPr/>
+                </a:tc>
+                <a:tc>
+                  <a:txBody>
+                    <a:bodyPr/>
+                    <a:lstStyle/>
+                    <a:p>
+                      <a:r>
+                        <a:rPr lang="en-US" dirty="0"/>
+                        <a:t>1</a:t>
+                      </a:r>
+                    </a:p>
+                  </a:txBody>
+                  <a:tcPr/>
+                </a:tc>
+                <a:tc>
+                  <a:txBody>
+                    <a:bodyPr/>
+                    <a:lstStyle/>
+                    <a:p>
+                      <a:r>
+                        <a:rPr lang="en-US" dirty="0"/>
+                        <a:t>32</a:t>
+                      </a:r>
+                    </a:p>
+                  </a:txBody>
+                  <a:tcPr/>
+                </a:tc>
+                <a:tc>
+                  <a:txBody>
+                    <a:bodyPr/>
+                    <a:lstStyle/>
+                    <a:p>
+                      <a:r>
+                        <a:rPr lang="en-US" dirty="0"/>
+                        <a:t>Brown</a:t>
+                      </a:r>
+                    </a:p>
+                  </a:txBody>
+                  <a:tcPr/>
+                </a:tc>
+                <a:tc>
+                  <a:txBody>
+                    <a:bodyPr/>
+                    <a:lstStyle/>
+                    <a:p>
+                      <a:r>
+                        <a:rPr lang="en-US" dirty="0"/>
+                        <a:t>52</a:t>
+                      </a:r>
+                    </a:p>
+                  </a:txBody>
+                  <a:tcPr/>
+                </a:tc>
+                <a:extLst>
+                  <a:ext uri="{0D108BD9-81ED-4DB2-BD59-A6C34878D82A}">
+                    <a16:rowId xmlns:a16="http://schemas.microsoft.com/office/drawing/2014/main" val="765506212"/>
+                  </a:ext>
+                </a:extLst>
+              </a:tr>
+              <a:tr h="370840">
+                <a:tc>
+                  <a:txBody>
+                    <a:bodyPr/>
+                    <a:lstStyle/>
+                    <a:p>
+                      <a:r>
+                        <a:rPr lang="en-US" dirty="0"/>
+                        <a:t>Observation2</a:t>
+                      </a:r>
+                    </a:p>
+                  </a:txBody>
+                  <a:tcPr/>
+                </a:tc>
+                <a:tc>
+                  <a:txBody>
+                    <a:bodyPr/>
+                    <a:lstStyle/>
+                    <a:p>
+                      <a:r>
+                        <a:rPr lang="en-US" dirty="0"/>
+                        <a:t>0</a:t>
+                      </a:r>
+                    </a:p>
+                  </a:txBody>
+                  <a:tcPr/>
+                </a:tc>
+                <a:tc>
+                  <a:txBody>
+                    <a:bodyPr/>
+                    <a:lstStyle/>
+                    <a:p>
+                      <a:r>
+                        <a:rPr lang="en-US" dirty="0"/>
+                        <a:t>12</a:t>
+                      </a:r>
+                    </a:p>
+                  </a:txBody>
+                  <a:tcPr/>
+                </a:tc>
+                <a:tc>
+                  <a:txBody>
+                    <a:bodyPr/>
+                    <a:lstStyle/>
+                    <a:p>
+                      <a:r>
+                        <a:rPr lang="en-US" dirty="0"/>
+                        <a:t>Blue</a:t>
+                      </a:r>
+                    </a:p>
+                  </a:txBody>
+                  <a:tcPr/>
+                </a:tc>
+                <a:tc>
+                  <a:txBody>
+                    <a:bodyPr/>
+                    <a:lstStyle/>
+                    <a:p>
+                      <a:r>
+                        <a:rPr lang="en-US" dirty="0"/>
+                        <a:t>83</a:t>
+                      </a:r>
+                    </a:p>
+                  </a:txBody>
+                  <a:tcPr/>
+                </a:tc>
+                <a:extLst>
+                  <a:ext uri="{0D108BD9-81ED-4DB2-BD59-A6C34878D82A}">
+                    <a16:rowId xmlns:a16="http://schemas.microsoft.com/office/drawing/2014/main" val="1984768767"/>
+                  </a:ext>
+                </a:extLst>
+              </a:tr>
+              <a:tr h="370840">
+                <a:tc>
+                  <a:txBody>
+                    <a:bodyPr/>
+                    <a:lstStyle/>
+                    <a:p>
+                      <a:r>
+                        <a:rPr lang="en-US" dirty="0"/>
+                        <a:t>Observation3</a:t>
+                      </a:r>
+                    </a:p>
+                  </a:txBody>
+                  <a:tcPr/>
+                </a:tc>
+                <a:tc>
+                  <a:txBody>
+                    <a:bodyPr/>
+                    <a:lstStyle/>
+                    <a:p>
+                      <a:r>
+                        <a:rPr lang="en-US" dirty="0"/>
+                        <a:t>0</a:t>
+                      </a:r>
+                    </a:p>
+                  </a:txBody>
+                  <a:tcPr/>
+                </a:tc>
+                <a:tc>
+                  <a:txBody>
+                    <a:bodyPr/>
+                    <a:lstStyle/>
+                    <a:p>
+                      <a:r>
+                        <a:rPr lang="en-US" dirty="0"/>
+                        <a:t>47</a:t>
+                      </a:r>
+                    </a:p>
+                  </a:txBody>
+                  <a:tcPr/>
+                </a:tc>
+                <a:tc>
+                  <a:txBody>
+                    <a:bodyPr/>
+                    <a:lstStyle/>
+                    <a:p>
+                      <a:r>
+                        <a:rPr lang="en-US" dirty="0"/>
+                        <a:t>Brown</a:t>
+                      </a:r>
+                    </a:p>
+                  </a:txBody>
+                  <a:tcPr/>
+                </a:tc>
+                <a:tc>
+                  <a:txBody>
+                    <a:bodyPr/>
+                    <a:lstStyle/>
+                    <a:p>
+                      <a:r>
+                        <a:rPr lang="en-US" dirty="0"/>
+                        <a:t>29</a:t>
+                      </a:r>
+                    </a:p>
+                  </a:txBody>
+                  <a:tcPr/>
+                </a:tc>
+                <a:extLst>
+                  <a:ext uri="{0D108BD9-81ED-4DB2-BD59-A6C34878D82A}">
+                    <a16:rowId xmlns:a16="http://schemas.microsoft.com/office/drawing/2014/main" val="847785064"/>
+                  </a:ext>
+                </a:extLst>
+              </a:tr>
+              <a:tr h="370840">
+                <a:tc>
+                  <a:txBody>
+                    <a:bodyPr/>
+                    <a:lstStyle/>
+                    <a:p>
+                      <a:r>
+                        <a:rPr lang="en-US" dirty="0"/>
+                        <a:t>…</a:t>
+                      </a:r>
+                    </a:p>
+                  </a:txBody>
+                  <a:tcPr/>
+                </a:tc>
+                <a:tc>
+                  <a:txBody>
+                    <a:bodyPr/>
+                    <a:lstStyle/>
+                    <a:p>
+                      <a:r>
+                        <a:rPr lang="en-US" dirty="0"/>
+                        <a:t>…</a:t>
+                      </a:r>
+                    </a:p>
+                  </a:txBody>
+                  <a:tcPr/>
+                </a:tc>
+                <a:tc>
+                  <a:txBody>
+                    <a:bodyPr/>
+                    <a:lstStyle/>
+                    <a:p>
+                      <a:r>
+                        <a:rPr lang="en-US" dirty="0"/>
+                        <a:t>…</a:t>
+                      </a:r>
+                    </a:p>
+                  </a:txBody>
+                  <a:tcPr/>
+                </a:tc>
+                <a:tc>
+                  <a:txBody>
+                    <a:bodyPr/>
+                    <a:lstStyle/>
+                    <a:p>
+                      <a:r>
+                        <a:rPr lang="en-US" dirty="0"/>
+                        <a:t>…</a:t>
+                      </a:r>
+                    </a:p>
+                  </a:txBody>
+                  <a:tcPr/>
+                </a:tc>
+                <a:tc>
+                  <a:txBody>
+                    <a:bodyPr/>
+                    <a:lstStyle/>
+                    <a:p>
+                      <a:r>
+                        <a:rPr lang="en-US" dirty="0"/>
+                        <a:t>…</a:t>
+                      </a:r>
+                    </a:p>
+                  </a:txBody>
+                  <a:tcPr/>
+                </a:tc>
+                <a:extLst>
+                  <a:ext uri="{0D108BD9-81ED-4DB2-BD59-A6C34878D82A}">
+                    <a16:rowId xmlns:a16="http://schemas.microsoft.com/office/drawing/2014/main" val="1054804336"/>
+                  </a:ext>
+                </a:extLst>
+              </a:tr>
+              <a:tr h="370840">
+                <a:tc>
+                  <a:txBody>
+                    <a:bodyPr/>
+                    <a:lstStyle/>
+                    <a:p>
+                      <a:r>
+                        <a:rPr lang="en-US" dirty="0" err="1"/>
+                        <a:t>ObservationN</a:t>
+                      </a:r>
+                      <a:endParaRPr lang="en-US" dirty="0"/>
+                    </a:p>
+                  </a:txBody>
+                  <a:tcPr/>
+                </a:tc>
+                <a:tc>
+                  <a:txBody>
+                    <a:bodyPr/>
+                    <a:lstStyle/>
+                    <a:p>
+                      <a:r>
+                        <a:rPr lang="en-US" dirty="0"/>
+                        <a:t>1</a:t>
+                      </a:r>
+                    </a:p>
+                  </a:txBody>
+                  <a:tcPr/>
+                </a:tc>
+                <a:tc>
+                  <a:txBody>
+                    <a:bodyPr/>
+                    <a:lstStyle/>
+                    <a:p>
+                      <a:r>
+                        <a:rPr lang="en-US" dirty="0"/>
+                        <a:t>11</a:t>
+                      </a:r>
+                    </a:p>
+                  </a:txBody>
+                  <a:tcPr/>
+                </a:tc>
+                <a:tc>
+                  <a:txBody>
+                    <a:bodyPr/>
+                    <a:lstStyle/>
+                    <a:p>
+                      <a:r>
+                        <a:rPr lang="en-US" dirty="0"/>
+                        <a:t>Brown</a:t>
+                      </a:r>
+                    </a:p>
+                  </a:txBody>
+                  <a:tcPr/>
+                </a:tc>
+                <a:tc>
+                  <a:txBody>
+                    <a:bodyPr/>
+                    <a:lstStyle/>
+                    <a:p>
+                      <a:r>
+                        <a:rPr lang="en-US" dirty="0"/>
+                        <a:t>36</a:t>
+                      </a:r>
+                    </a:p>
+                  </a:txBody>
+                  <a:tcPr/>
+                </a:tc>
+                <a:extLst>
+                  <a:ext uri="{0D108BD9-81ED-4DB2-BD59-A6C34878D82A}">
+                    <a16:rowId xmlns:a16="http://schemas.microsoft.com/office/drawing/2014/main" val="4083999284"/>
+                  </a:ext>
+                </a:extLst>
+              </a:tr>
+            </a:tbl>
+          </a:graphicData>
+        </a:graphic>
+      </p:graphicFrame>
+      <p:sp>
+        <p:nvSpPr>
+          <p:cNvPr id="7" name="TextBox 6">
+            <a:extLst>
+              <a:ext uri="{FF2B5EF4-FFF2-40B4-BE49-F238E27FC236}">
+                <a16:creationId xmlns:a16="http://schemas.microsoft.com/office/drawing/2014/main" id="{6045EFE7-8029-7C49-BFE9-012B6355A58F}"/>
+              </a:ext>
+            </a:extLst>
+          </p:cNvPr>
+          <p:cNvSpPr txBox="1"/>
+          <p:nvPr/>
+        </p:nvSpPr>
+        <p:spPr>
+          <a:xfrm>
+            <a:off x="549966" y="1117121"/>
+            <a:ext cx="1415837" cy="369332"/>
+          </a:xfrm>
+          <a:prstGeom prst="rect">
+            <a:avLst/>
+          </a:prstGeom>
+          <a:noFill/>
+        </p:spPr>
+        <p:txBody>
+          <a:bodyPr wrap="none" rtlCol="0">
+            <a:spAutoFit/>
+          </a:bodyPr>
+          <a:lstStyle/>
+          <a:p>
+            <a:r>
+              <a:rPr lang="en-US" dirty="0"/>
+              <a:t>Training Data</a:t>
+            </a:r>
+          </a:p>
+        </p:txBody>
+      </p:sp>
+      <p:sp>
+        <p:nvSpPr>
+          <p:cNvPr id="8" name="TextBox 7">
+            <a:extLst>
+              <a:ext uri="{FF2B5EF4-FFF2-40B4-BE49-F238E27FC236}">
+                <a16:creationId xmlns:a16="http://schemas.microsoft.com/office/drawing/2014/main" id="{6478554B-05B6-2E4A-9E3B-FC92F9FFC3BA}"/>
+              </a:ext>
+            </a:extLst>
+          </p:cNvPr>
+          <p:cNvSpPr txBox="1"/>
+          <p:nvPr/>
+        </p:nvSpPr>
+        <p:spPr>
+          <a:xfrm>
+            <a:off x="463827" y="3946645"/>
+            <a:ext cx="1101905" cy="369332"/>
+          </a:xfrm>
+          <a:prstGeom prst="rect">
+            <a:avLst/>
+          </a:prstGeom>
+          <a:noFill/>
+        </p:spPr>
+        <p:txBody>
+          <a:bodyPr wrap="none" rtlCol="0">
+            <a:spAutoFit/>
+          </a:bodyPr>
+          <a:lstStyle/>
+          <a:p>
+            <a:r>
+              <a:rPr lang="en-US" dirty="0"/>
+              <a:t>New Data</a:t>
+            </a:r>
+          </a:p>
+        </p:txBody>
+      </p:sp>
+      <p:graphicFrame>
+        <p:nvGraphicFramePr>
+          <p:cNvPr id="9" name="Table 6">
+            <a:extLst>
+              <a:ext uri="{FF2B5EF4-FFF2-40B4-BE49-F238E27FC236}">
+                <a16:creationId xmlns:a16="http://schemas.microsoft.com/office/drawing/2014/main" id="{DB9F181C-8D65-B641-9868-A13BA6B58F24}"/>
+              </a:ext>
+            </a:extLst>
+          </p:cNvPr>
+          <p:cNvGraphicFramePr>
+            <a:graphicFrameLocks noGrp="1"/>
+          </p:cNvGraphicFramePr>
+          <p:nvPr/>
+        </p:nvGraphicFramePr>
+        <p:xfrm>
+          <a:off x="549966" y="4248357"/>
+          <a:ext cx="6096000" cy="1112520"/>
+        </p:xfrm>
+        <a:graphic>
+          <a:graphicData uri="http://schemas.openxmlformats.org/drawingml/2006/table">
+            <a:tbl>
+              <a:tblPr firstRow="1" bandRow="1">
+                <a:tableStyleId>{5C22544A-7EE6-4342-B048-85BDC9FD1C3A}</a:tableStyleId>
+              </a:tblPr>
+              <a:tblGrid>
+                <a:gridCol w="1219200">
+                  <a:extLst>
+                    <a:ext uri="{9D8B030D-6E8A-4147-A177-3AD203B41FA5}">
+                      <a16:colId xmlns:a16="http://schemas.microsoft.com/office/drawing/2014/main" val="1763945171"/>
+                    </a:ext>
+                  </a:extLst>
+                </a:gridCol>
+                <a:gridCol w="1219200">
+                  <a:extLst>
+                    <a:ext uri="{9D8B030D-6E8A-4147-A177-3AD203B41FA5}">
+                      <a16:colId xmlns:a16="http://schemas.microsoft.com/office/drawing/2014/main" val="1730943439"/>
+                    </a:ext>
+                  </a:extLst>
+                </a:gridCol>
+                <a:gridCol w="1219200">
+                  <a:extLst>
+                    <a:ext uri="{9D8B030D-6E8A-4147-A177-3AD203B41FA5}">
+                      <a16:colId xmlns:a16="http://schemas.microsoft.com/office/drawing/2014/main" val="3672649975"/>
+                    </a:ext>
+                  </a:extLst>
+                </a:gridCol>
+                <a:gridCol w="1219200">
+                  <a:extLst>
+                    <a:ext uri="{9D8B030D-6E8A-4147-A177-3AD203B41FA5}">
+                      <a16:colId xmlns:a16="http://schemas.microsoft.com/office/drawing/2014/main" val="1700470532"/>
+                    </a:ext>
+                  </a:extLst>
+                </a:gridCol>
+                <a:gridCol w="1219200">
+                  <a:extLst>
+                    <a:ext uri="{9D8B030D-6E8A-4147-A177-3AD203B41FA5}">
+                      <a16:colId xmlns:a16="http://schemas.microsoft.com/office/drawing/2014/main" val="2666081561"/>
+                    </a:ext>
+                  </a:extLst>
+                </a:gridCol>
+              </a:tblGrid>
+              <a:tr h="370840">
+                <a:tc>
+                  <a:txBody>
+                    <a:bodyPr/>
+                    <a:lstStyle/>
+                    <a:p>
+                      <a:endParaRPr lang="en-US"/>
+                    </a:p>
+                  </a:txBody>
+                  <a:tcPr/>
+                </a:tc>
+                <a:tc>
+                  <a:txBody>
+                    <a:bodyPr/>
+                    <a:lstStyle/>
+                    <a:p>
+                      <a:r>
+                        <a:rPr lang="en-US" dirty="0"/>
+                        <a:t>X-Var1</a:t>
+                      </a:r>
+                    </a:p>
+                  </a:txBody>
+                  <a:tcPr/>
+                </a:tc>
+                <a:tc>
+                  <a:txBody>
+                    <a:bodyPr/>
+                    <a:lstStyle/>
+                    <a:p>
+                      <a:r>
+                        <a:rPr lang="en-US" dirty="0"/>
+                        <a:t>X-Var2</a:t>
+                      </a:r>
+                    </a:p>
+                  </a:txBody>
+                  <a:tcPr/>
+                </a:tc>
+                <a:tc>
+                  <a:txBody>
+                    <a:bodyPr/>
+                    <a:lstStyle/>
+                    <a:p>
+                      <a:r>
+                        <a:rPr lang="en-US" dirty="0"/>
+                        <a:t>X-</a:t>
+                      </a:r>
+                      <a:r>
+                        <a:rPr lang="en-US" dirty="0" err="1"/>
+                        <a:t>VarN</a:t>
+                      </a:r>
+                      <a:endParaRPr lang="en-US" dirty="0"/>
+                    </a:p>
+                  </a:txBody>
+                  <a:tcPr/>
+                </a:tc>
+                <a:tc>
+                  <a:txBody>
+                    <a:bodyPr/>
+                    <a:lstStyle/>
+                    <a:p>
+                      <a:r>
+                        <a:rPr lang="en-US" dirty="0"/>
+                        <a:t>Y</a:t>
+                      </a:r>
+                    </a:p>
+                  </a:txBody>
+                  <a:tcPr/>
+                </a:tc>
+                <a:extLst>
+                  <a:ext uri="{0D108BD9-81ED-4DB2-BD59-A6C34878D82A}">
+                    <a16:rowId xmlns:a16="http://schemas.microsoft.com/office/drawing/2014/main" val="565650966"/>
+                  </a:ext>
+                </a:extLst>
+              </a:tr>
+              <a:tr h="370840">
+                <a:tc>
+                  <a:txBody>
+                    <a:bodyPr/>
+                    <a:lstStyle/>
+                    <a:p>
+                      <a:r>
+                        <a:rPr lang="en-US" dirty="0"/>
+                        <a:t>New1</a:t>
+                      </a:r>
+                    </a:p>
+                  </a:txBody>
+                  <a:tcPr/>
+                </a:tc>
+                <a:tc>
+                  <a:txBody>
+                    <a:bodyPr/>
+                    <a:lstStyle/>
+                    <a:p>
+                      <a:r>
+                        <a:rPr lang="en-US" dirty="0"/>
+                        <a:t>0</a:t>
+                      </a:r>
+                    </a:p>
+                  </a:txBody>
+                  <a:tcPr/>
+                </a:tc>
+                <a:tc>
+                  <a:txBody>
+                    <a:bodyPr/>
+                    <a:lstStyle/>
+                    <a:p>
+                      <a:r>
+                        <a:rPr lang="en-US" dirty="0"/>
+                        <a:t>11</a:t>
+                      </a:r>
+                    </a:p>
+                  </a:txBody>
+                  <a:tcPr/>
+                </a:tc>
+                <a:tc>
+                  <a:txBody>
+                    <a:bodyPr/>
+                    <a:lstStyle/>
+                    <a:p>
+                      <a:r>
+                        <a:rPr lang="en-US" dirty="0"/>
+                        <a:t>Brown</a:t>
+                      </a:r>
+                    </a:p>
+                  </a:txBody>
+                  <a:tcPr/>
+                </a:tc>
+                <a:tc>
+                  <a:txBody>
+                    <a:bodyPr/>
+                    <a:lstStyle/>
+                    <a:p>
+                      <a:r>
+                        <a:rPr lang="en-US" dirty="0"/>
+                        <a:t>??</a:t>
+                      </a:r>
+                    </a:p>
+                  </a:txBody>
+                  <a:tcPr/>
+                </a:tc>
+                <a:extLst>
+                  <a:ext uri="{0D108BD9-81ED-4DB2-BD59-A6C34878D82A}">
+                    <a16:rowId xmlns:a16="http://schemas.microsoft.com/office/drawing/2014/main" val="765506212"/>
+                  </a:ext>
+                </a:extLst>
+              </a:tr>
+              <a:tr h="370840">
+                <a:tc>
+                  <a:txBody>
+                    <a:bodyPr/>
+                    <a:lstStyle/>
+                    <a:p>
+                      <a:r>
+                        <a:rPr lang="en-US" dirty="0"/>
+                        <a:t>New2</a:t>
+                      </a:r>
+                    </a:p>
+                  </a:txBody>
+                  <a:tcPr/>
+                </a:tc>
+                <a:tc>
+                  <a:txBody>
+                    <a:bodyPr/>
+                    <a:lstStyle/>
+                    <a:p>
+                      <a:r>
+                        <a:rPr lang="en-US" dirty="0"/>
+                        <a:t>0</a:t>
+                      </a:r>
+                    </a:p>
+                  </a:txBody>
+                  <a:tcPr/>
+                </a:tc>
+                <a:tc>
+                  <a:txBody>
+                    <a:bodyPr/>
+                    <a:lstStyle/>
+                    <a:p>
+                      <a:r>
+                        <a:rPr lang="en-US" dirty="0"/>
+                        <a:t>7</a:t>
+                      </a:r>
+                    </a:p>
+                  </a:txBody>
+                  <a:tcPr/>
+                </a:tc>
+                <a:tc>
+                  <a:txBody>
+                    <a:bodyPr/>
+                    <a:lstStyle/>
+                    <a:p>
+                      <a:r>
+                        <a:rPr lang="en-US" dirty="0"/>
+                        <a:t>Blue</a:t>
+                      </a:r>
+                    </a:p>
+                  </a:txBody>
+                  <a:tcPr/>
+                </a:tc>
+                <a:tc>
+                  <a:txBody>
+                    <a:bodyPr/>
+                    <a:lstStyle/>
+                    <a:p>
+                      <a:r>
+                        <a:rPr lang="en-US" dirty="0"/>
+                        <a:t>??</a:t>
+                      </a:r>
+                    </a:p>
+                  </a:txBody>
+                  <a:tcPr/>
+                </a:tc>
+                <a:extLst>
+                  <a:ext uri="{0D108BD9-81ED-4DB2-BD59-A6C34878D82A}">
+                    <a16:rowId xmlns:a16="http://schemas.microsoft.com/office/drawing/2014/main" val="1984768767"/>
+                  </a:ext>
+                </a:extLst>
+              </a:tr>
+            </a:tbl>
+          </a:graphicData>
+        </a:graphic>
+      </p:graphicFrame>
+      <p:sp>
+        <p:nvSpPr>
+          <p:cNvPr id="10" name="Rectangle 9">
+            <a:extLst>
+              <a:ext uri="{FF2B5EF4-FFF2-40B4-BE49-F238E27FC236}">
+                <a16:creationId xmlns:a16="http://schemas.microsoft.com/office/drawing/2014/main" id="{186541C2-0F45-7840-98DD-A6174FB9939F}"/>
+              </a:ext>
+            </a:extLst>
+          </p:cNvPr>
+          <p:cNvSpPr/>
+          <p:nvPr/>
+        </p:nvSpPr>
+        <p:spPr>
+          <a:xfrm>
+            <a:off x="93765" y="5750284"/>
+            <a:ext cx="9002110" cy="441434"/>
+          </a:xfrm>
+          <a:prstGeom prst="rect">
+            <a:avLst/>
+          </a:prstGeom>
+        </p:spPr>
+        <p:style>
+          <a:lnRef idx="2">
+            <a:schemeClr val="accent1">
+              <a:shade val="50000"/>
+            </a:schemeClr>
+          </a:lnRef>
+          <a:fillRef idx="1">
+            <a:schemeClr val="accent1"/>
+          </a:fillRef>
+          <a:effectRef idx="0">
+            <a:schemeClr val="accent1"/>
+          </a:effectRef>
+          <a:fontRef idx="minor">
+            <a:schemeClr val="lt1"/>
+          </a:fontRef>
+        </p:style>
+        <p:txBody>
+          <a:bodyPr rtlCol="0" anchor="ctr"/>
+          <a:lstStyle/>
+          <a:p>
+            <a:pPr algn="ctr"/>
+            <a:r>
+              <a:rPr lang="en-US" sz="1600" dirty="0"/>
+              <a:t>The model is expecting all X-Vars to be present, no missing, levels to be the same as in training.</a:t>
+            </a:r>
+          </a:p>
+        </p:txBody>
+      </p:sp>
+    </p:spTree>
+    <p:extLst>
+      <p:ext uri="{BB962C8B-B14F-4D97-AF65-F5344CB8AC3E}">
+        <p14:creationId xmlns:p14="http://schemas.microsoft.com/office/powerpoint/2010/main" val="3316476994"/>
+      </p:ext>
+    </p:extLst>
+  </p:cSld>
+  <p:clrMapOvr>
+    <a:masterClrMapping/>
+  </p:clrMapOvr>
+</p:sld>
+</file>
+
+<file path=ppt/slides/slide22.xml><?xml version="1.0" encoding="utf-8"?>
+<p:sld xmlns:a="http://schemas.openxmlformats.org/drawingml/2006/main" xmlns:r="http://schemas.openxmlformats.org/officeDocument/2006/relationships" xmlns:p="http://schemas.openxmlformats.org/presentationml/2006/main">
+  <p:cSld>
+    <p:spTree>
+      <p:nvGrpSpPr>
+        <p:cNvPr id="1" name=""/>
+        <p:cNvGrpSpPr/>
+        <p:nvPr/>
+      </p:nvGrpSpPr>
+      <p:grpSpPr>
+        <a:xfrm>
+          <a:off x="0" y="0"/>
+          <a:ext cx="0" cy="0"/>
+          <a:chOff x="0" y="0"/>
+          <a:chExt cx="0" cy="0"/>
+        </a:xfrm>
+      </p:grpSpPr>
+      <p:sp>
+        <p:nvSpPr>
+          <p:cNvPr id="2" name="Date Placeholder 1">
+            <a:extLst>
+              <a:ext uri="{FF2B5EF4-FFF2-40B4-BE49-F238E27FC236}">
+                <a16:creationId xmlns:a16="http://schemas.microsoft.com/office/drawing/2014/main" id="{4CA56E2F-65DF-3240-8C18-4634035B4A9E}"/>
+              </a:ext>
+            </a:extLst>
+          </p:cNvPr>
+          <p:cNvSpPr>
+            <a:spLocks noGrp="1"/>
+          </p:cNvSpPr>
+          <p:nvPr>
+            <p:ph type="dt" sz="half" idx="10"/>
+          </p:nvPr>
+        </p:nvSpPr>
+        <p:spPr/>
+        <p:txBody>
+          <a:bodyPr/>
+          <a:lstStyle/>
+          <a:p>
+            <a:fld id="{6700A58B-DD98-43D0-B791-721480A02982}" type="datetime1">
+              <a:rPr lang="en-US" smtClean="0"/>
+              <a:t>1/30/23</a:t>
+            </a:fld>
+            <a:endParaRPr lang="en-US"/>
+          </a:p>
+        </p:txBody>
+      </p:sp>
+      <p:sp>
+        <p:nvSpPr>
+          <p:cNvPr id="3" name="Title 2">
+            <a:extLst>
+              <a:ext uri="{FF2B5EF4-FFF2-40B4-BE49-F238E27FC236}">
+                <a16:creationId xmlns:a16="http://schemas.microsoft.com/office/drawing/2014/main" id="{376138EB-B507-C743-9267-020739C56760}"/>
+              </a:ext>
+            </a:extLst>
+          </p:cNvPr>
+          <p:cNvSpPr>
+            <a:spLocks noGrp="1"/>
+          </p:cNvSpPr>
+          <p:nvPr>
+            <p:ph type="title"/>
+          </p:nvPr>
+        </p:nvSpPr>
+        <p:spPr/>
+        <p:txBody>
+          <a:bodyPr/>
+          <a:lstStyle/>
+          <a:p>
+            <a:r>
+              <a:rPr lang="en-US" dirty="0"/>
+              <a:t>Models are picky.</a:t>
+            </a:r>
+          </a:p>
+        </p:txBody>
+      </p:sp>
+      <p:sp>
+        <p:nvSpPr>
+          <p:cNvPr id="4" name="Footer Placeholder 3">
+            <a:extLst>
+              <a:ext uri="{FF2B5EF4-FFF2-40B4-BE49-F238E27FC236}">
+                <a16:creationId xmlns:a16="http://schemas.microsoft.com/office/drawing/2014/main" id="{63BA39D2-8972-7B46-A529-FE150D0E702A}"/>
+              </a:ext>
+            </a:extLst>
+          </p:cNvPr>
+          <p:cNvSpPr>
+            <a:spLocks noGrp="1"/>
+          </p:cNvSpPr>
+          <p:nvPr>
+            <p:ph type="ftr" sz="quarter" idx="3"/>
+          </p:nvPr>
+        </p:nvSpPr>
+        <p:spPr/>
+        <p:txBody>
+          <a:bodyPr/>
+          <a:lstStyle/>
+          <a:p>
+            <a:r>
+              <a:rPr lang="en-US"/>
+              <a:t>Kwartler</a:t>
+            </a:r>
+            <a:endParaRPr lang="en-US" dirty="0"/>
+          </a:p>
+        </p:txBody>
+      </p:sp>
+      <p:sp>
+        <p:nvSpPr>
+          <p:cNvPr id="5" name="Slide Number Placeholder 4">
+            <a:extLst>
+              <a:ext uri="{FF2B5EF4-FFF2-40B4-BE49-F238E27FC236}">
+                <a16:creationId xmlns:a16="http://schemas.microsoft.com/office/drawing/2014/main" id="{2EDB1C69-0AE8-1041-8263-C88360415FC7}"/>
+              </a:ext>
+            </a:extLst>
+          </p:cNvPr>
+          <p:cNvSpPr>
+            <a:spLocks noGrp="1"/>
+          </p:cNvSpPr>
+          <p:nvPr>
+            <p:ph type="sldNum" sz="quarter" idx="4"/>
+          </p:nvPr>
+        </p:nvSpPr>
+        <p:spPr/>
+        <p:txBody>
+          <a:bodyPr/>
+          <a:lstStyle/>
+          <a:p>
+            <a:fld id="{37290FF7-652B-4475-AEAB-8B1A5D23AE09}" type="slidenum">
+              <a:rPr lang="en-US" smtClean="0"/>
+              <a:pPr/>
+              <a:t>22</a:t>
+            </a:fld>
+            <a:endParaRPr lang="en-US" dirty="0"/>
+          </a:p>
+        </p:txBody>
+      </p:sp>
+      <p:graphicFrame>
+        <p:nvGraphicFramePr>
+          <p:cNvPr id="6" name="Table 6">
+            <a:extLst>
+              <a:ext uri="{FF2B5EF4-FFF2-40B4-BE49-F238E27FC236}">
+                <a16:creationId xmlns:a16="http://schemas.microsoft.com/office/drawing/2014/main" id="{A16FF4E1-4F44-3447-B1C8-D3C08081F8BA}"/>
+              </a:ext>
+            </a:extLst>
+          </p:cNvPr>
+          <p:cNvGraphicFramePr>
+            <a:graphicFrameLocks noGrp="1"/>
+          </p:cNvGraphicFramePr>
+          <p:nvPr/>
+        </p:nvGraphicFramePr>
+        <p:xfrm>
+          <a:off x="549966" y="1486453"/>
+          <a:ext cx="6096000" cy="2225040"/>
+        </p:xfrm>
+        <a:graphic>
+          <a:graphicData uri="http://schemas.openxmlformats.org/drawingml/2006/table">
+            <a:tbl>
+              <a:tblPr firstRow="1" bandRow="1">
+                <a:tableStyleId>{5C22544A-7EE6-4342-B048-85BDC9FD1C3A}</a:tableStyleId>
+              </a:tblPr>
+              <a:tblGrid>
+                <a:gridCol w="1219200">
+                  <a:extLst>
+                    <a:ext uri="{9D8B030D-6E8A-4147-A177-3AD203B41FA5}">
+                      <a16:colId xmlns:a16="http://schemas.microsoft.com/office/drawing/2014/main" val="1763945171"/>
+                    </a:ext>
+                  </a:extLst>
+                </a:gridCol>
+                <a:gridCol w="1219200">
+                  <a:extLst>
+                    <a:ext uri="{9D8B030D-6E8A-4147-A177-3AD203B41FA5}">
+                      <a16:colId xmlns:a16="http://schemas.microsoft.com/office/drawing/2014/main" val="1730943439"/>
+                    </a:ext>
+                  </a:extLst>
+                </a:gridCol>
+                <a:gridCol w="1219200">
+                  <a:extLst>
+                    <a:ext uri="{9D8B030D-6E8A-4147-A177-3AD203B41FA5}">
+                      <a16:colId xmlns:a16="http://schemas.microsoft.com/office/drawing/2014/main" val="3672649975"/>
+                    </a:ext>
+                  </a:extLst>
+                </a:gridCol>
+                <a:gridCol w="1219200">
+                  <a:extLst>
+                    <a:ext uri="{9D8B030D-6E8A-4147-A177-3AD203B41FA5}">
+                      <a16:colId xmlns:a16="http://schemas.microsoft.com/office/drawing/2014/main" val="1700470532"/>
+                    </a:ext>
+                  </a:extLst>
+                </a:gridCol>
+                <a:gridCol w="1219200">
+                  <a:extLst>
+                    <a:ext uri="{9D8B030D-6E8A-4147-A177-3AD203B41FA5}">
+                      <a16:colId xmlns:a16="http://schemas.microsoft.com/office/drawing/2014/main" val="2666081561"/>
+                    </a:ext>
+                  </a:extLst>
+                </a:gridCol>
+              </a:tblGrid>
+              <a:tr h="370840">
+                <a:tc>
+                  <a:txBody>
+                    <a:bodyPr/>
+                    <a:lstStyle/>
+                    <a:p>
+                      <a:endParaRPr lang="en-US"/>
+                    </a:p>
+                  </a:txBody>
+                  <a:tcPr/>
+                </a:tc>
+                <a:tc>
+                  <a:txBody>
+                    <a:bodyPr/>
+                    <a:lstStyle/>
+                    <a:p>
+                      <a:r>
+                        <a:rPr lang="en-US" dirty="0"/>
+                        <a:t>X-Var1</a:t>
+                      </a:r>
+                    </a:p>
+                  </a:txBody>
+                  <a:tcPr/>
+                </a:tc>
+                <a:tc>
+                  <a:txBody>
+                    <a:bodyPr/>
+                    <a:lstStyle/>
+                    <a:p>
+                      <a:r>
+                        <a:rPr lang="en-US" dirty="0"/>
+                        <a:t>X-Var2</a:t>
+                      </a:r>
+                    </a:p>
+                  </a:txBody>
+                  <a:tcPr/>
+                </a:tc>
+                <a:tc>
+                  <a:txBody>
+                    <a:bodyPr/>
+                    <a:lstStyle/>
+                    <a:p>
+                      <a:r>
+                        <a:rPr lang="en-US" dirty="0"/>
+                        <a:t>X-</a:t>
+                      </a:r>
+                      <a:r>
+                        <a:rPr lang="en-US" dirty="0" err="1"/>
+                        <a:t>VarN</a:t>
+                      </a:r>
+                      <a:endParaRPr lang="en-US" dirty="0"/>
+                    </a:p>
+                  </a:txBody>
+                  <a:tcPr/>
+                </a:tc>
+                <a:tc>
+                  <a:txBody>
+                    <a:bodyPr/>
+                    <a:lstStyle/>
+                    <a:p>
+                      <a:r>
+                        <a:rPr lang="en-US" dirty="0"/>
+                        <a:t>Y</a:t>
+                      </a:r>
+                    </a:p>
+                  </a:txBody>
+                  <a:tcPr/>
+                </a:tc>
+                <a:extLst>
+                  <a:ext uri="{0D108BD9-81ED-4DB2-BD59-A6C34878D82A}">
+                    <a16:rowId xmlns:a16="http://schemas.microsoft.com/office/drawing/2014/main" val="565650966"/>
+                  </a:ext>
+                </a:extLst>
+              </a:tr>
+              <a:tr h="370840">
+                <a:tc>
+                  <a:txBody>
+                    <a:bodyPr/>
+                    <a:lstStyle/>
+                    <a:p>
+                      <a:r>
+                        <a:rPr lang="en-US" dirty="0"/>
+                        <a:t>Observation1</a:t>
+                      </a:r>
+                    </a:p>
+                  </a:txBody>
+                  <a:tcPr/>
+                </a:tc>
+                <a:tc>
+                  <a:txBody>
+                    <a:bodyPr/>
+                    <a:lstStyle/>
+                    <a:p>
+                      <a:r>
+                        <a:rPr lang="en-US" dirty="0"/>
+                        <a:t>1</a:t>
+                      </a:r>
+                    </a:p>
+                  </a:txBody>
+                  <a:tcPr/>
+                </a:tc>
+                <a:tc>
+                  <a:txBody>
+                    <a:bodyPr/>
+                    <a:lstStyle/>
+                    <a:p>
+                      <a:r>
+                        <a:rPr lang="en-US" dirty="0"/>
+                        <a:t>32</a:t>
+                      </a:r>
+                    </a:p>
+                  </a:txBody>
+                  <a:tcPr/>
+                </a:tc>
+                <a:tc>
+                  <a:txBody>
+                    <a:bodyPr/>
+                    <a:lstStyle/>
+                    <a:p>
+                      <a:r>
+                        <a:rPr lang="en-US" dirty="0"/>
+                        <a:t>Brown</a:t>
+                      </a:r>
+                    </a:p>
+                  </a:txBody>
+                  <a:tcPr/>
+                </a:tc>
+                <a:tc>
+                  <a:txBody>
+                    <a:bodyPr/>
+                    <a:lstStyle/>
+                    <a:p>
+                      <a:r>
+                        <a:rPr lang="en-US" dirty="0"/>
+                        <a:t>T</a:t>
+                      </a:r>
+                    </a:p>
+                  </a:txBody>
+                  <a:tcPr/>
+                </a:tc>
+                <a:extLst>
+                  <a:ext uri="{0D108BD9-81ED-4DB2-BD59-A6C34878D82A}">
+                    <a16:rowId xmlns:a16="http://schemas.microsoft.com/office/drawing/2014/main" val="765506212"/>
+                  </a:ext>
+                </a:extLst>
+              </a:tr>
+              <a:tr h="370840">
+                <a:tc>
+                  <a:txBody>
+                    <a:bodyPr/>
+                    <a:lstStyle/>
+                    <a:p>
+                      <a:r>
+                        <a:rPr lang="en-US" dirty="0"/>
+                        <a:t>Observation2</a:t>
+                      </a:r>
+                    </a:p>
+                  </a:txBody>
+                  <a:tcPr/>
+                </a:tc>
+                <a:tc>
+                  <a:txBody>
+                    <a:bodyPr/>
+                    <a:lstStyle/>
+                    <a:p>
+                      <a:r>
+                        <a:rPr lang="en-US" dirty="0"/>
+                        <a:t>0</a:t>
+                      </a:r>
+                    </a:p>
+                  </a:txBody>
+                  <a:tcPr/>
+                </a:tc>
+                <a:tc>
+                  <a:txBody>
+                    <a:bodyPr/>
+                    <a:lstStyle/>
+                    <a:p>
+                      <a:r>
+                        <a:rPr lang="en-US" dirty="0"/>
+                        <a:t>12</a:t>
+                      </a:r>
+                    </a:p>
+                  </a:txBody>
+                  <a:tcPr/>
+                </a:tc>
+                <a:tc>
+                  <a:txBody>
+                    <a:bodyPr/>
+                    <a:lstStyle/>
+                    <a:p>
+                      <a:r>
+                        <a:rPr lang="en-US" dirty="0"/>
+                        <a:t>Blue</a:t>
+                      </a:r>
+                    </a:p>
+                  </a:txBody>
+                  <a:tcPr/>
+                </a:tc>
+                <a:tc>
+                  <a:txBody>
+                    <a:bodyPr/>
+                    <a:lstStyle/>
+                    <a:p>
+                      <a:r>
+                        <a:rPr lang="en-US" dirty="0"/>
+                        <a:t>T</a:t>
+                      </a:r>
+                    </a:p>
+                  </a:txBody>
+                  <a:tcPr/>
+                </a:tc>
+                <a:extLst>
+                  <a:ext uri="{0D108BD9-81ED-4DB2-BD59-A6C34878D82A}">
+                    <a16:rowId xmlns:a16="http://schemas.microsoft.com/office/drawing/2014/main" val="1984768767"/>
+                  </a:ext>
+                </a:extLst>
+              </a:tr>
+              <a:tr h="370840">
+                <a:tc>
+                  <a:txBody>
+                    <a:bodyPr/>
+                    <a:lstStyle/>
+                    <a:p>
+                      <a:r>
+                        <a:rPr lang="en-US" dirty="0"/>
+                        <a:t>Observation3</a:t>
+                      </a:r>
+                    </a:p>
+                  </a:txBody>
+                  <a:tcPr/>
+                </a:tc>
+                <a:tc>
+                  <a:txBody>
+                    <a:bodyPr/>
+                    <a:lstStyle/>
+                    <a:p>
+                      <a:r>
+                        <a:rPr lang="en-US" dirty="0"/>
+                        <a:t>0</a:t>
+                      </a:r>
+                    </a:p>
+                  </a:txBody>
+                  <a:tcPr/>
+                </a:tc>
+                <a:tc>
+                  <a:txBody>
+                    <a:bodyPr/>
+                    <a:lstStyle/>
+                    <a:p>
+                      <a:r>
+                        <a:rPr lang="en-US" dirty="0"/>
+                        <a:t>47</a:t>
+                      </a:r>
+                    </a:p>
+                  </a:txBody>
+                  <a:tcPr/>
+                </a:tc>
+                <a:tc>
+                  <a:txBody>
+                    <a:bodyPr/>
+                    <a:lstStyle/>
+                    <a:p>
+                      <a:r>
+                        <a:rPr lang="en-US" dirty="0"/>
+                        <a:t>Brown</a:t>
+                      </a:r>
+                    </a:p>
+                  </a:txBody>
+                  <a:tcPr/>
+                </a:tc>
+                <a:tc>
+                  <a:txBody>
+                    <a:bodyPr/>
+                    <a:lstStyle/>
+                    <a:p>
+                      <a:r>
+                        <a:rPr lang="en-US" dirty="0"/>
+                        <a:t>F</a:t>
+                      </a:r>
+                    </a:p>
+                  </a:txBody>
+                  <a:tcPr/>
+                </a:tc>
+                <a:extLst>
+                  <a:ext uri="{0D108BD9-81ED-4DB2-BD59-A6C34878D82A}">
+                    <a16:rowId xmlns:a16="http://schemas.microsoft.com/office/drawing/2014/main" val="847785064"/>
+                  </a:ext>
+                </a:extLst>
+              </a:tr>
+              <a:tr h="370840">
+                <a:tc>
+                  <a:txBody>
+                    <a:bodyPr/>
+                    <a:lstStyle/>
+                    <a:p>
+                      <a:r>
+                        <a:rPr lang="en-US" dirty="0"/>
+                        <a:t>…</a:t>
+                      </a:r>
+                    </a:p>
+                  </a:txBody>
+                  <a:tcPr/>
+                </a:tc>
+                <a:tc>
+                  <a:txBody>
+                    <a:bodyPr/>
+                    <a:lstStyle/>
+                    <a:p>
+                      <a:r>
+                        <a:rPr lang="en-US" dirty="0"/>
+                        <a:t>…</a:t>
+                      </a:r>
+                    </a:p>
+                  </a:txBody>
+                  <a:tcPr/>
+                </a:tc>
+                <a:tc>
+                  <a:txBody>
+                    <a:bodyPr/>
+                    <a:lstStyle/>
+                    <a:p>
+                      <a:r>
+                        <a:rPr lang="en-US" dirty="0"/>
+                        <a:t>…</a:t>
+                      </a:r>
+                    </a:p>
+                  </a:txBody>
+                  <a:tcPr/>
+                </a:tc>
+                <a:tc>
+                  <a:txBody>
+                    <a:bodyPr/>
+                    <a:lstStyle/>
+                    <a:p>
+                      <a:r>
+                        <a:rPr lang="en-US" dirty="0"/>
+                        <a:t>…</a:t>
+                      </a:r>
+                    </a:p>
+                  </a:txBody>
+                  <a:tcPr/>
+                </a:tc>
+                <a:tc>
+                  <a:txBody>
+                    <a:bodyPr/>
+                    <a:lstStyle/>
+                    <a:p>
+                      <a:r>
+                        <a:rPr lang="en-US" dirty="0"/>
+                        <a:t>…</a:t>
+                      </a:r>
+                    </a:p>
+                  </a:txBody>
+                  <a:tcPr/>
+                </a:tc>
+                <a:extLst>
+                  <a:ext uri="{0D108BD9-81ED-4DB2-BD59-A6C34878D82A}">
+                    <a16:rowId xmlns:a16="http://schemas.microsoft.com/office/drawing/2014/main" val="1054804336"/>
+                  </a:ext>
+                </a:extLst>
+              </a:tr>
+              <a:tr h="370840">
+                <a:tc>
+                  <a:txBody>
+                    <a:bodyPr/>
+                    <a:lstStyle/>
+                    <a:p>
+                      <a:r>
+                        <a:rPr lang="en-US" dirty="0" err="1"/>
+                        <a:t>ObservationN</a:t>
+                      </a:r>
+                      <a:endParaRPr lang="en-US" dirty="0"/>
+                    </a:p>
+                  </a:txBody>
+                  <a:tcPr/>
+                </a:tc>
+                <a:tc>
+                  <a:txBody>
+                    <a:bodyPr/>
+                    <a:lstStyle/>
+                    <a:p>
+                      <a:r>
+                        <a:rPr lang="en-US" dirty="0"/>
+                        <a:t>1</a:t>
+                      </a:r>
+                    </a:p>
+                  </a:txBody>
+                  <a:tcPr/>
+                </a:tc>
+                <a:tc>
+                  <a:txBody>
+                    <a:bodyPr/>
+                    <a:lstStyle/>
+                    <a:p>
+                      <a:r>
+                        <a:rPr lang="en-US" dirty="0"/>
+                        <a:t>11</a:t>
+                      </a:r>
+                    </a:p>
+                  </a:txBody>
+                  <a:tcPr/>
+                </a:tc>
+                <a:tc>
+                  <a:txBody>
+                    <a:bodyPr/>
+                    <a:lstStyle/>
+                    <a:p>
+                      <a:r>
+                        <a:rPr lang="en-US" dirty="0"/>
+                        <a:t>Brown</a:t>
+                      </a:r>
+                    </a:p>
+                  </a:txBody>
+                  <a:tcPr/>
+                </a:tc>
+                <a:tc>
+                  <a:txBody>
+                    <a:bodyPr/>
+                    <a:lstStyle/>
+                    <a:p>
+                      <a:r>
+                        <a:rPr lang="en-US" dirty="0"/>
+                        <a:t>T</a:t>
+                      </a:r>
+                    </a:p>
+                  </a:txBody>
+                  <a:tcPr/>
+                </a:tc>
+                <a:extLst>
+                  <a:ext uri="{0D108BD9-81ED-4DB2-BD59-A6C34878D82A}">
+                    <a16:rowId xmlns:a16="http://schemas.microsoft.com/office/drawing/2014/main" val="4083999284"/>
+                  </a:ext>
+                </a:extLst>
+              </a:tr>
+            </a:tbl>
+          </a:graphicData>
+        </a:graphic>
+      </p:graphicFrame>
+      <p:sp>
+        <p:nvSpPr>
+          <p:cNvPr id="7" name="TextBox 6">
+            <a:extLst>
+              <a:ext uri="{FF2B5EF4-FFF2-40B4-BE49-F238E27FC236}">
+                <a16:creationId xmlns:a16="http://schemas.microsoft.com/office/drawing/2014/main" id="{6045EFE7-8029-7C49-BFE9-012B6355A58F}"/>
+              </a:ext>
+            </a:extLst>
+          </p:cNvPr>
+          <p:cNvSpPr txBox="1"/>
+          <p:nvPr/>
+        </p:nvSpPr>
+        <p:spPr>
+          <a:xfrm>
+            <a:off x="549966" y="1117121"/>
+            <a:ext cx="1415837" cy="369332"/>
+          </a:xfrm>
+          <a:prstGeom prst="rect">
+            <a:avLst/>
+          </a:prstGeom>
+          <a:noFill/>
+        </p:spPr>
+        <p:txBody>
+          <a:bodyPr wrap="none" rtlCol="0">
+            <a:spAutoFit/>
+          </a:bodyPr>
+          <a:lstStyle/>
+          <a:p>
+            <a:r>
+              <a:rPr lang="en-US" dirty="0"/>
+              <a:t>Training Data</a:t>
+            </a:r>
+          </a:p>
+        </p:txBody>
+      </p:sp>
+      <p:sp>
+        <p:nvSpPr>
+          <p:cNvPr id="8" name="TextBox 7">
+            <a:extLst>
+              <a:ext uri="{FF2B5EF4-FFF2-40B4-BE49-F238E27FC236}">
+                <a16:creationId xmlns:a16="http://schemas.microsoft.com/office/drawing/2014/main" id="{6478554B-05B6-2E4A-9E3B-FC92F9FFC3BA}"/>
+              </a:ext>
+            </a:extLst>
+          </p:cNvPr>
+          <p:cNvSpPr txBox="1"/>
+          <p:nvPr/>
+        </p:nvSpPr>
+        <p:spPr>
+          <a:xfrm>
+            <a:off x="463827" y="3946645"/>
+            <a:ext cx="1101905" cy="369332"/>
+          </a:xfrm>
+          <a:prstGeom prst="rect">
+            <a:avLst/>
+          </a:prstGeom>
+          <a:noFill/>
+        </p:spPr>
+        <p:txBody>
+          <a:bodyPr wrap="none" rtlCol="0">
+            <a:spAutoFit/>
+          </a:bodyPr>
+          <a:lstStyle/>
+          <a:p>
+            <a:r>
+              <a:rPr lang="en-US" dirty="0"/>
+              <a:t>New Data</a:t>
+            </a:r>
+          </a:p>
+        </p:txBody>
+      </p:sp>
+      <p:graphicFrame>
+        <p:nvGraphicFramePr>
+          <p:cNvPr id="9" name="Table 6">
+            <a:extLst>
+              <a:ext uri="{FF2B5EF4-FFF2-40B4-BE49-F238E27FC236}">
+                <a16:creationId xmlns:a16="http://schemas.microsoft.com/office/drawing/2014/main" id="{DB9F181C-8D65-B641-9868-A13BA6B58F24}"/>
+              </a:ext>
+            </a:extLst>
+          </p:cNvPr>
+          <p:cNvGraphicFramePr>
+            <a:graphicFrameLocks noGrp="1"/>
+          </p:cNvGraphicFramePr>
+          <p:nvPr/>
+        </p:nvGraphicFramePr>
+        <p:xfrm>
+          <a:off x="549966" y="4248357"/>
+          <a:ext cx="6096000" cy="1112520"/>
+        </p:xfrm>
+        <a:graphic>
+          <a:graphicData uri="http://schemas.openxmlformats.org/drawingml/2006/table">
+            <a:tbl>
+              <a:tblPr firstRow="1" bandRow="1">
+                <a:tableStyleId>{5C22544A-7EE6-4342-B048-85BDC9FD1C3A}</a:tableStyleId>
+              </a:tblPr>
+              <a:tblGrid>
+                <a:gridCol w="1219200">
+                  <a:extLst>
+                    <a:ext uri="{9D8B030D-6E8A-4147-A177-3AD203B41FA5}">
+                      <a16:colId xmlns:a16="http://schemas.microsoft.com/office/drawing/2014/main" val="1763945171"/>
+                    </a:ext>
+                  </a:extLst>
+                </a:gridCol>
+                <a:gridCol w="1219200">
+                  <a:extLst>
+                    <a:ext uri="{9D8B030D-6E8A-4147-A177-3AD203B41FA5}">
+                      <a16:colId xmlns:a16="http://schemas.microsoft.com/office/drawing/2014/main" val="1730943439"/>
+                    </a:ext>
+                  </a:extLst>
+                </a:gridCol>
+                <a:gridCol w="1219200">
+                  <a:extLst>
+                    <a:ext uri="{9D8B030D-6E8A-4147-A177-3AD203B41FA5}">
+                      <a16:colId xmlns:a16="http://schemas.microsoft.com/office/drawing/2014/main" val="3672649975"/>
+                    </a:ext>
+                  </a:extLst>
+                </a:gridCol>
+                <a:gridCol w="1219200">
+                  <a:extLst>
+                    <a:ext uri="{9D8B030D-6E8A-4147-A177-3AD203B41FA5}">
+                      <a16:colId xmlns:a16="http://schemas.microsoft.com/office/drawing/2014/main" val="1700470532"/>
+                    </a:ext>
+                  </a:extLst>
+                </a:gridCol>
+                <a:gridCol w="1219200">
+                  <a:extLst>
+                    <a:ext uri="{9D8B030D-6E8A-4147-A177-3AD203B41FA5}">
+                      <a16:colId xmlns:a16="http://schemas.microsoft.com/office/drawing/2014/main" val="2666081561"/>
+                    </a:ext>
+                  </a:extLst>
+                </a:gridCol>
+              </a:tblGrid>
+              <a:tr h="370840">
+                <a:tc>
+                  <a:txBody>
+                    <a:bodyPr/>
+                    <a:lstStyle/>
+                    <a:p>
+                      <a:endParaRPr lang="en-US"/>
+                    </a:p>
+                  </a:txBody>
+                  <a:tcPr/>
+                </a:tc>
+                <a:tc>
+                  <a:txBody>
+                    <a:bodyPr/>
+                    <a:lstStyle/>
+                    <a:p>
+                      <a:r>
+                        <a:rPr lang="en-US" dirty="0"/>
+                        <a:t>X-Var1</a:t>
+                      </a:r>
+                    </a:p>
+                  </a:txBody>
+                  <a:tcPr/>
+                </a:tc>
+                <a:tc>
+                  <a:txBody>
+                    <a:bodyPr/>
+                    <a:lstStyle/>
+                    <a:p>
+                      <a:r>
+                        <a:rPr lang="en-US" dirty="0"/>
+                        <a:t>X-Var2</a:t>
+                      </a:r>
+                    </a:p>
+                  </a:txBody>
+                  <a:tcPr/>
+                </a:tc>
+                <a:tc>
+                  <a:txBody>
+                    <a:bodyPr/>
+                    <a:lstStyle/>
+                    <a:p>
+                      <a:r>
+                        <a:rPr lang="en-US" dirty="0"/>
+                        <a:t>X-</a:t>
+                      </a:r>
+                      <a:r>
+                        <a:rPr lang="en-US" dirty="0" err="1"/>
+                        <a:t>VarN</a:t>
+                      </a:r>
+                      <a:endParaRPr lang="en-US" dirty="0"/>
+                    </a:p>
+                  </a:txBody>
+                  <a:tcPr/>
+                </a:tc>
+                <a:tc>
+                  <a:txBody>
+                    <a:bodyPr/>
+                    <a:lstStyle/>
+                    <a:p>
+                      <a:r>
+                        <a:rPr lang="en-US" dirty="0"/>
+                        <a:t>Y</a:t>
+                      </a:r>
+                    </a:p>
+                  </a:txBody>
+                  <a:tcPr/>
+                </a:tc>
+                <a:extLst>
+                  <a:ext uri="{0D108BD9-81ED-4DB2-BD59-A6C34878D82A}">
+                    <a16:rowId xmlns:a16="http://schemas.microsoft.com/office/drawing/2014/main" val="565650966"/>
+                  </a:ext>
+                </a:extLst>
+              </a:tr>
+              <a:tr h="370840">
+                <a:tc>
+                  <a:txBody>
+                    <a:bodyPr/>
+                    <a:lstStyle/>
+                    <a:p>
+                      <a:r>
+                        <a:rPr lang="en-US" dirty="0"/>
+                        <a:t>New1</a:t>
+                      </a:r>
+                    </a:p>
+                  </a:txBody>
+                  <a:tcPr/>
+                </a:tc>
+                <a:tc>
+                  <a:txBody>
+                    <a:bodyPr/>
+                    <a:lstStyle/>
+                    <a:p>
+                      <a:r>
+                        <a:rPr lang="en-US" dirty="0">
+                          <a:highlight>
+                            <a:srgbClr val="FFFF00"/>
+                          </a:highlight>
+                        </a:rPr>
+                        <a:t>NA</a:t>
+                      </a:r>
+                    </a:p>
+                  </a:txBody>
+                  <a:tcPr/>
+                </a:tc>
+                <a:tc>
+                  <a:txBody>
+                    <a:bodyPr/>
+                    <a:lstStyle/>
+                    <a:p>
+                      <a:r>
+                        <a:rPr lang="en-US" dirty="0"/>
+                        <a:t>11</a:t>
+                      </a:r>
+                    </a:p>
+                  </a:txBody>
+                  <a:tcPr/>
+                </a:tc>
+                <a:tc>
+                  <a:txBody>
+                    <a:bodyPr/>
+                    <a:lstStyle/>
+                    <a:p>
+                      <a:r>
+                        <a:rPr lang="en-US" dirty="0"/>
+                        <a:t>Brown</a:t>
+                      </a:r>
+                    </a:p>
+                  </a:txBody>
+                  <a:tcPr/>
+                </a:tc>
+                <a:tc>
+                  <a:txBody>
+                    <a:bodyPr/>
+                    <a:lstStyle/>
+                    <a:p>
+                      <a:r>
+                        <a:rPr lang="en-US" dirty="0"/>
+                        <a:t>??</a:t>
+                      </a:r>
+                    </a:p>
+                  </a:txBody>
+                  <a:tcPr/>
+                </a:tc>
+                <a:extLst>
+                  <a:ext uri="{0D108BD9-81ED-4DB2-BD59-A6C34878D82A}">
+                    <a16:rowId xmlns:a16="http://schemas.microsoft.com/office/drawing/2014/main" val="765506212"/>
+                  </a:ext>
+                </a:extLst>
+              </a:tr>
+              <a:tr h="370840">
+                <a:tc>
+                  <a:txBody>
+                    <a:bodyPr/>
+                    <a:lstStyle/>
+                    <a:p>
+                      <a:r>
+                        <a:rPr lang="en-US" dirty="0"/>
+                        <a:t>New2</a:t>
+                      </a:r>
+                    </a:p>
+                  </a:txBody>
+                  <a:tcPr/>
+                </a:tc>
+                <a:tc>
+                  <a:txBody>
+                    <a:bodyPr/>
+                    <a:lstStyle/>
+                    <a:p>
+                      <a:r>
+                        <a:rPr lang="en-US" dirty="0"/>
+                        <a:t>0</a:t>
+                      </a:r>
+                    </a:p>
+                  </a:txBody>
+                  <a:tcPr/>
+                </a:tc>
+                <a:tc>
+                  <a:txBody>
+                    <a:bodyPr/>
+                    <a:lstStyle/>
+                    <a:p>
+                      <a:r>
+                        <a:rPr lang="en-US" dirty="0"/>
+                        <a:t>7</a:t>
+                      </a:r>
+                    </a:p>
+                  </a:txBody>
+                  <a:tcPr/>
+                </a:tc>
+                <a:tc>
+                  <a:txBody>
+                    <a:bodyPr/>
+                    <a:lstStyle/>
+                    <a:p>
+                      <a:r>
+                        <a:rPr lang="en-US" dirty="0">
+                          <a:highlight>
+                            <a:srgbClr val="FFFF00"/>
+                          </a:highlight>
+                        </a:rPr>
+                        <a:t>Purple</a:t>
+                      </a:r>
+                    </a:p>
+                  </a:txBody>
+                  <a:tcPr/>
+                </a:tc>
+                <a:tc>
+                  <a:txBody>
+                    <a:bodyPr/>
+                    <a:lstStyle/>
+                    <a:p>
+                      <a:r>
+                        <a:rPr lang="en-US" dirty="0"/>
+                        <a:t>??</a:t>
+                      </a:r>
+                    </a:p>
+                  </a:txBody>
+                  <a:tcPr/>
+                </a:tc>
+                <a:extLst>
+                  <a:ext uri="{0D108BD9-81ED-4DB2-BD59-A6C34878D82A}">
+                    <a16:rowId xmlns:a16="http://schemas.microsoft.com/office/drawing/2014/main" val="1984768767"/>
+                  </a:ext>
+                </a:extLst>
+              </a:tr>
+            </a:tbl>
+          </a:graphicData>
+        </a:graphic>
+      </p:graphicFrame>
+      <p:sp>
+        <p:nvSpPr>
+          <p:cNvPr id="10" name="Rectangle 9">
+            <a:extLst>
+              <a:ext uri="{FF2B5EF4-FFF2-40B4-BE49-F238E27FC236}">
+                <a16:creationId xmlns:a16="http://schemas.microsoft.com/office/drawing/2014/main" id="{186541C2-0F45-7840-98DD-A6174FB9939F}"/>
+              </a:ext>
+            </a:extLst>
+          </p:cNvPr>
+          <p:cNvSpPr/>
+          <p:nvPr/>
+        </p:nvSpPr>
+        <p:spPr>
+          <a:xfrm>
+            <a:off x="93765" y="5750284"/>
+            <a:ext cx="9002110" cy="441434"/>
+          </a:xfrm>
+          <a:prstGeom prst="rect">
+            <a:avLst/>
+          </a:prstGeom>
+        </p:spPr>
+        <p:style>
+          <a:lnRef idx="2">
+            <a:schemeClr val="accent1">
+              <a:shade val="50000"/>
+            </a:schemeClr>
+          </a:lnRef>
+          <a:fillRef idx="1">
+            <a:schemeClr val="accent1"/>
+          </a:fillRef>
+          <a:effectRef idx="0">
+            <a:schemeClr val="accent1"/>
+          </a:effectRef>
+          <a:fontRef idx="minor">
+            <a:schemeClr val="lt1"/>
+          </a:fontRef>
+        </p:style>
+        <p:txBody>
+          <a:bodyPr rtlCol="0" anchor="ctr"/>
+          <a:lstStyle/>
+          <a:p>
+            <a:pPr algn="ctr"/>
+            <a:r>
+              <a:rPr lang="en-US" sz="1600" dirty="0"/>
+              <a:t>The model will not be able to predict or classify these records because there is missing &amp; new information.</a:t>
+            </a:r>
+          </a:p>
+        </p:txBody>
+      </p:sp>
+    </p:spTree>
+    <p:extLst>
+      <p:ext uri="{BB962C8B-B14F-4D97-AF65-F5344CB8AC3E}">
+        <p14:creationId xmlns:p14="http://schemas.microsoft.com/office/powerpoint/2010/main" val="2904976960"/>
+      </p:ext>
+    </p:extLst>
+  </p:cSld>
+  <p:clrMapOvr>
+    <a:masterClrMapping/>
+  </p:clrMapOvr>
+</p:sld>
+</file>
+
+<file path=ppt/slides/slide23.xml><?xml version="1.0" encoding="utf-8"?>
+<p:sld xmlns:a="http://schemas.openxmlformats.org/drawingml/2006/main" xmlns:r="http://schemas.openxmlformats.org/officeDocument/2006/relationships" xmlns:p="http://schemas.openxmlformats.org/presentationml/2006/main">
+  <p:cSld>
+    <p:spTree>
+      <p:nvGrpSpPr>
+        <p:cNvPr id="1" name=""/>
+        <p:cNvGrpSpPr/>
+        <p:nvPr/>
+      </p:nvGrpSpPr>
+      <p:grpSpPr>
+        <a:xfrm>
+          <a:off x="0" y="0"/>
+          <a:ext cx="0" cy="0"/>
+          <a:chOff x="0" y="0"/>
+          <a:chExt cx="0" cy="0"/>
+        </a:xfrm>
+      </p:grpSpPr>
+      <p:sp>
+        <p:nvSpPr>
+          <p:cNvPr id="2" name="Date Placeholder 1">
+            <a:extLst>
+              <a:ext uri="{FF2B5EF4-FFF2-40B4-BE49-F238E27FC236}">
+                <a16:creationId xmlns:a16="http://schemas.microsoft.com/office/drawing/2014/main" id="{4CA56E2F-65DF-3240-8C18-4634035B4A9E}"/>
+              </a:ext>
+            </a:extLst>
+          </p:cNvPr>
+          <p:cNvSpPr>
+            <a:spLocks noGrp="1"/>
+          </p:cNvSpPr>
+          <p:nvPr>
+            <p:ph type="dt" sz="half" idx="10"/>
+          </p:nvPr>
+        </p:nvSpPr>
+        <p:spPr/>
+        <p:txBody>
+          <a:bodyPr/>
+          <a:lstStyle/>
+          <a:p>
+            <a:fld id="{6700A58B-DD98-43D0-B791-721480A02982}" type="datetime1">
+              <a:rPr lang="en-US" smtClean="0"/>
+              <a:t>1/30/23</a:t>
+            </a:fld>
+            <a:endParaRPr lang="en-US"/>
+          </a:p>
+        </p:txBody>
+      </p:sp>
+      <p:sp>
+        <p:nvSpPr>
+          <p:cNvPr id="3" name="Title 2">
+            <a:extLst>
+              <a:ext uri="{FF2B5EF4-FFF2-40B4-BE49-F238E27FC236}">
+                <a16:creationId xmlns:a16="http://schemas.microsoft.com/office/drawing/2014/main" id="{376138EB-B507-C743-9267-020739C56760}"/>
+              </a:ext>
+            </a:extLst>
+          </p:cNvPr>
+          <p:cNvSpPr>
+            <a:spLocks noGrp="1"/>
+          </p:cNvSpPr>
+          <p:nvPr>
+            <p:ph type="title"/>
+          </p:nvPr>
+        </p:nvSpPr>
+        <p:spPr/>
+        <p:txBody>
+          <a:bodyPr/>
+          <a:lstStyle/>
+          <a:p>
+            <a:r>
+              <a:rPr lang="en-US" dirty="0"/>
+              <a:t>Text is hard.</a:t>
+            </a:r>
+          </a:p>
+        </p:txBody>
+      </p:sp>
+      <p:sp>
+        <p:nvSpPr>
+          <p:cNvPr id="4" name="Footer Placeholder 3">
+            <a:extLst>
+              <a:ext uri="{FF2B5EF4-FFF2-40B4-BE49-F238E27FC236}">
+                <a16:creationId xmlns:a16="http://schemas.microsoft.com/office/drawing/2014/main" id="{63BA39D2-8972-7B46-A529-FE150D0E702A}"/>
+              </a:ext>
+            </a:extLst>
+          </p:cNvPr>
+          <p:cNvSpPr>
+            <a:spLocks noGrp="1"/>
+          </p:cNvSpPr>
+          <p:nvPr>
+            <p:ph type="ftr" sz="quarter" idx="3"/>
+          </p:nvPr>
+        </p:nvSpPr>
+        <p:spPr/>
+        <p:txBody>
+          <a:bodyPr/>
+          <a:lstStyle/>
+          <a:p>
+            <a:r>
+              <a:rPr lang="en-US"/>
+              <a:t>Kwartler</a:t>
+            </a:r>
+            <a:endParaRPr lang="en-US" dirty="0"/>
+          </a:p>
+        </p:txBody>
+      </p:sp>
+      <p:sp>
+        <p:nvSpPr>
+          <p:cNvPr id="5" name="Slide Number Placeholder 4">
+            <a:extLst>
+              <a:ext uri="{FF2B5EF4-FFF2-40B4-BE49-F238E27FC236}">
+                <a16:creationId xmlns:a16="http://schemas.microsoft.com/office/drawing/2014/main" id="{2EDB1C69-0AE8-1041-8263-C88360415FC7}"/>
+              </a:ext>
+            </a:extLst>
+          </p:cNvPr>
+          <p:cNvSpPr>
+            <a:spLocks noGrp="1"/>
+          </p:cNvSpPr>
+          <p:nvPr>
+            <p:ph type="sldNum" sz="quarter" idx="4"/>
+          </p:nvPr>
+        </p:nvSpPr>
+        <p:spPr/>
+        <p:txBody>
+          <a:bodyPr/>
+          <a:lstStyle/>
+          <a:p>
+            <a:fld id="{37290FF7-652B-4475-AEAB-8B1A5D23AE09}" type="slidenum">
+              <a:rPr lang="en-US" smtClean="0"/>
+              <a:pPr/>
+              <a:t>23</a:t>
+            </a:fld>
+            <a:endParaRPr lang="en-US" dirty="0"/>
+          </a:p>
+        </p:txBody>
+      </p:sp>
+      <p:graphicFrame>
+        <p:nvGraphicFramePr>
+          <p:cNvPr id="6" name="Table 6">
+            <a:extLst>
+              <a:ext uri="{FF2B5EF4-FFF2-40B4-BE49-F238E27FC236}">
+                <a16:creationId xmlns:a16="http://schemas.microsoft.com/office/drawing/2014/main" id="{A16FF4E1-4F44-3447-B1C8-D3C08081F8BA}"/>
+              </a:ext>
+            </a:extLst>
+          </p:cNvPr>
+          <p:cNvGraphicFramePr>
+            <a:graphicFrameLocks noGrp="1"/>
+          </p:cNvGraphicFramePr>
+          <p:nvPr/>
+        </p:nvGraphicFramePr>
+        <p:xfrm>
+          <a:off x="367748" y="3861904"/>
+          <a:ext cx="6308034" cy="1376680"/>
+        </p:xfrm>
+        <a:graphic>
+          <a:graphicData uri="http://schemas.openxmlformats.org/drawingml/2006/table">
+            <a:tbl>
+              <a:tblPr firstRow="1" bandRow="1">
+                <a:tableStyleId>{5C22544A-7EE6-4342-B048-85BDC9FD1C3A}</a:tableStyleId>
+              </a:tblPr>
+              <a:tblGrid>
+                <a:gridCol w="1051339">
+                  <a:extLst>
+                    <a:ext uri="{9D8B030D-6E8A-4147-A177-3AD203B41FA5}">
+                      <a16:colId xmlns:a16="http://schemas.microsoft.com/office/drawing/2014/main" val="1763945171"/>
+                    </a:ext>
+                  </a:extLst>
+                </a:gridCol>
+                <a:gridCol w="1051339">
+                  <a:extLst>
+                    <a:ext uri="{9D8B030D-6E8A-4147-A177-3AD203B41FA5}">
+                      <a16:colId xmlns:a16="http://schemas.microsoft.com/office/drawing/2014/main" val="1730943439"/>
+                    </a:ext>
+                  </a:extLst>
+                </a:gridCol>
+                <a:gridCol w="1051339">
+                  <a:extLst>
+                    <a:ext uri="{9D8B030D-6E8A-4147-A177-3AD203B41FA5}">
+                      <a16:colId xmlns:a16="http://schemas.microsoft.com/office/drawing/2014/main" val="3672649975"/>
+                    </a:ext>
+                  </a:extLst>
+                </a:gridCol>
+                <a:gridCol w="1051339">
+                  <a:extLst>
+                    <a:ext uri="{9D8B030D-6E8A-4147-A177-3AD203B41FA5}">
+                      <a16:colId xmlns:a16="http://schemas.microsoft.com/office/drawing/2014/main" val="1700470532"/>
+                    </a:ext>
+                  </a:extLst>
+                </a:gridCol>
+                <a:gridCol w="1051339">
+                  <a:extLst>
+                    <a:ext uri="{9D8B030D-6E8A-4147-A177-3AD203B41FA5}">
+                      <a16:colId xmlns:a16="http://schemas.microsoft.com/office/drawing/2014/main" val="1814337124"/>
+                    </a:ext>
+                  </a:extLst>
+                </a:gridCol>
+                <a:gridCol w="1051339">
+                  <a:extLst>
+                    <a:ext uri="{9D8B030D-6E8A-4147-A177-3AD203B41FA5}">
+                      <a16:colId xmlns:a16="http://schemas.microsoft.com/office/drawing/2014/main" val="2666081561"/>
+                    </a:ext>
+                  </a:extLst>
+                </a:gridCol>
+              </a:tblGrid>
+              <a:tr h="370840">
+                <a:tc>
+                  <a:txBody>
+                    <a:bodyPr/>
+                    <a:lstStyle/>
+                    <a:p>
+                      <a:endParaRPr lang="en-US"/>
+                    </a:p>
+                  </a:txBody>
+                  <a:tcPr/>
+                </a:tc>
+                <a:tc>
+                  <a:txBody>
+                    <a:bodyPr/>
+                    <a:lstStyle/>
+                    <a:p>
+                      <a:r>
+                        <a:rPr lang="en-US" dirty="0"/>
+                        <a:t>X-Lorem</a:t>
+                      </a:r>
+                    </a:p>
+                  </a:txBody>
+                  <a:tcPr/>
+                </a:tc>
+                <a:tc>
+                  <a:txBody>
+                    <a:bodyPr/>
+                    <a:lstStyle/>
+                    <a:p>
+                      <a:r>
+                        <a:rPr lang="en-US" dirty="0"/>
+                        <a:t>X-Ipsum</a:t>
+                      </a:r>
+                    </a:p>
+                  </a:txBody>
+                  <a:tcPr/>
+                </a:tc>
+                <a:tc>
+                  <a:txBody>
+                    <a:bodyPr/>
+                    <a:lstStyle/>
+                    <a:p>
+                      <a:r>
+                        <a:rPr lang="en-US" dirty="0"/>
+                        <a:t>X-dolor</a:t>
+                      </a:r>
+                    </a:p>
+                  </a:txBody>
+                  <a:tcPr/>
+                </a:tc>
+                <a:tc>
+                  <a:txBody>
+                    <a:bodyPr/>
+                    <a:lstStyle/>
+                    <a:p>
+                      <a:r>
+                        <a:rPr lang="en-US" dirty="0"/>
+                        <a:t>X-sit</a:t>
+                      </a:r>
+                    </a:p>
+                  </a:txBody>
+                  <a:tcPr/>
+                </a:tc>
+                <a:tc>
+                  <a:txBody>
+                    <a:bodyPr/>
+                    <a:lstStyle/>
+                    <a:p>
+                      <a:r>
+                        <a:rPr lang="en-US" dirty="0"/>
+                        <a:t>Y</a:t>
+                      </a:r>
+                    </a:p>
+                  </a:txBody>
+                  <a:tcPr/>
+                </a:tc>
+                <a:extLst>
+                  <a:ext uri="{0D108BD9-81ED-4DB2-BD59-A6C34878D82A}">
+                    <a16:rowId xmlns:a16="http://schemas.microsoft.com/office/drawing/2014/main" val="565650966"/>
+                  </a:ext>
+                </a:extLst>
+              </a:tr>
+              <a:tr h="370840">
+                <a:tc>
+                  <a:txBody>
+                    <a:bodyPr/>
+                    <a:lstStyle/>
+                    <a:p>
+                      <a:r>
+                        <a:rPr lang="en-US" dirty="0"/>
+                        <a:t>Observation1</a:t>
+                      </a:r>
+                    </a:p>
+                  </a:txBody>
+                  <a:tcPr/>
+                </a:tc>
+                <a:tc>
+                  <a:txBody>
+                    <a:bodyPr/>
+                    <a:lstStyle/>
+                    <a:p>
+                      <a:r>
+                        <a:rPr lang="en-US" dirty="0"/>
+                        <a:t>2</a:t>
+                      </a:r>
+                    </a:p>
+                  </a:txBody>
+                  <a:tcPr/>
+                </a:tc>
+                <a:tc>
+                  <a:txBody>
+                    <a:bodyPr/>
+                    <a:lstStyle/>
+                    <a:p>
+                      <a:r>
+                        <a:rPr lang="en-US" dirty="0"/>
+                        <a:t>2</a:t>
+                      </a:r>
+                    </a:p>
+                  </a:txBody>
+                  <a:tcPr/>
+                </a:tc>
+                <a:tc>
+                  <a:txBody>
+                    <a:bodyPr/>
+                    <a:lstStyle/>
+                    <a:p>
+                      <a:r>
+                        <a:rPr lang="en-US" dirty="0"/>
+                        <a:t>0</a:t>
+                      </a:r>
+                    </a:p>
+                  </a:txBody>
+                  <a:tcPr/>
+                </a:tc>
+                <a:tc>
+                  <a:txBody>
+                    <a:bodyPr/>
+                    <a:lstStyle/>
+                    <a:p>
+                      <a:r>
+                        <a:rPr lang="en-US" dirty="0"/>
+                        <a:t>0</a:t>
+                      </a:r>
+                    </a:p>
+                  </a:txBody>
+                  <a:tcPr/>
+                </a:tc>
+                <a:tc>
+                  <a:txBody>
+                    <a:bodyPr/>
+                    <a:lstStyle/>
+                    <a:p>
+                      <a:r>
+                        <a:rPr lang="en-US" dirty="0"/>
+                        <a:t>TRUE</a:t>
+                      </a:r>
+                    </a:p>
+                  </a:txBody>
+                  <a:tcPr/>
+                </a:tc>
+                <a:extLst>
+                  <a:ext uri="{0D108BD9-81ED-4DB2-BD59-A6C34878D82A}">
+                    <a16:rowId xmlns:a16="http://schemas.microsoft.com/office/drawing/2014/main" val="765506212"/>
+                  </a:ext>
+                </a:extLst>
+              </a:tr>
+              <a:tr h="370840">
+                <a:tc>
+                  <a:txBody>
+                    <a:bodyPr/>
+                    <a:lstStyle/>
+                    <a:p>
+                      <a:r>
+                        <a:rPr lang="en-US" dirty="0"/>
+                        <a:t>Observation2</a:t>
+                      </a:r>
+                    </a:p>
+                  </a:txBody>
+                  <a:tcPr/>
+                </a:tc>
+                <a:tc>
+                  <a:txBody>
+                    <a:bodyPr/>
+                    <a:lstStyle/>
+                    <a:p>
+                      <a:r>
+                        <a:rPr lang="en-US" dirty="0"/>
+                        <a:t>1</a:t>
+                      </a:r>
+                    </a:p>
+                  </a:txBody>
+                  <a:tcPr/>
+                </a:tc>
+                <a:tc>
+                  <a:txBody>
+                    <a:bodyPr/>
+                    <a:lstStyle/>
+                    <a:p>
+                      <a:r>
+                        <a:rPr lang="en-US" dirty="0"/>
+                        <a:t>1</a:t>
+                      </a:r>
+                    </a:p>
+                  </a:txBody>
+                  <a:tcPr/>
+                </a:tc>
+                <a:tc>
+                  <a:txBody>
+                    <a:bodyPr/>
+                    <a:lstStyle/>
+                    <a:p>
+                      <a:r>
+                        <a:rPr lang="en-US" dirty="0"/>
+                        <a:t>1</a:t>
+                      </a:r>
+                    </a:p>
+                  </a:txBody>
+                  <a:tcPr/>
+                </a:tc>
+                <a:tc>
+                  <a:txBody>
+                    <a:bodyPr/>
+                    <a:lstStyle/>
+                    <a:p>
+                      <a:r>
+                        <a:rPr lang="en-US" dirty="0"/>
+                        <a:t>1</a:t>
+                      </a:r>
+                    </a:p>
+                  </a:txBody>
+                  <a:tcPr/>
+                </a:tc>
+                <a:tc>
+                  <a:txBody>
+                    <a:bodyPr/>
+                    <a:lstStyle/>
+                    <a:p>
+                      <a:r>
+                        <a:rPr lang="en-US" dirty="0"/>
+                        <a:t>FALSE</a:t>
+                      </a:r>
+                    </a:p>
+                  </a:txBody>
+                  <a:tcPr/>
+                </a:tc>
+                <a:extLst>
+                  <a:ext uri="{0D108BD9-81ED-4DB2-BD59-A6C34878D82A}">
+                    <a16:rowId xmlns:a16="http://schemas.microsoft.com/office/drawing/2014/main" val="1984768767"/>
+                  </a:ext>
+                </a:extLst>
+              </a:tr>
+            </a:tbl>
+          </a:graphicData>
+        </a:graphic>
+      </p:graphicFrame>
+      <p:sp>
+        <p:nvSpPr>
+          <p:cNvPr id="7" name="TextBox 6">
+            <a:extLst>
+              <a:ext uri="{FF2B5EF4-FFF2-40B4-BE49-F238E27FC236}">
+                <a16:creationId xmlns:a16="http://schemas.microsoft.com/office/drawing/2014/main" id="{6045EFE7-8029-7C49-BFE9-012B6355A58F}"/>
+              </a:ext>
+            </a:extLst>
+          </p:cNvPr>
+          <p:cNvSpPr txBox="1"/>
+          <p:nvPr/>
+        </p:nvSpPr>
+        <p:spPr>
+          <a:xfrm>
+            <a:off x="631133" y="1107421"/>
+            <a:ext cx="1415837" cy="369332"/>
+          </a:xfrm>
+          <a:prstGeom prst="rect">
+            <a:avLst/>
+          </a:prstGeom>
+          <a:noFill/>
+        </p:spPr>
+        <p:txBody>
+          <a:bodyPr wrap="none" rtlCol="0">
+            <a:spAutoFit/>
+          </a:bodyPr>
+          <a:lstStyle/>
+          <a:p>
+            <a:r>
+              <a:rPr lang="en-US" dirty="0"/>
+              <a:t>Training Data</a:t>
+            </a:r>
+          </a:p>
+        </p:txBody>
+      </p:sp>
+      <p:sp>
+        <p:nvSpPr>
+          <p:cNvPr id="8" name="Rectangle 7">
+            <a:extLst>
+              <a:ext uri="{FF2B5EF4-FFF2-40B4-BE49-F238E27FC236}">
+                <a16:creationId xmlns:a16="http://schemas.microsoft.com/office/drawing/2014/main" id="{C64D2FF1-E342-C746-B52F-23BF511A304B}"/>
+              </a:ext>
+            </a:extLst>
+          </p:cNvPr>
+          <p:cNvSpPr/>
+          <p:nvPr/>
+        </p:nvSpPr>
+        <p:spPr>
+          <a:xfrm>
+            <a:off x="628649" y="1441172"/>
+            <a:ext cx="3058767" cy="371685"/>
+          </a:xfrm>
+          <a:prstGeom prst="rect">
+            <a:avLst/>
+          </a:prstGeom>
+          <a:solidFill>
+            <a:srgbClr val="0070C0"/>
+          </a:solidFill>
+          <a:ln>
+            <a:noFill/>
+          </a:ln>
+        </p:spPr>
+        <p:style>
+          <a:lnRef idx="2">
+            <a:schemeClr val="accent1">
+              <a:shade val="50000"/>
+            </a:schemeClr>
+          </a:lnRef>
+          <a:fillRef idx="1">
+            <a:schemeClr val="accent1"/>
+          </a:fillRef>
+          <a:effectRef idx="0">
+            <a:schemeClr val="accent1"/>
+          </a:effectRef>
+          <a:fontRef idx="minor">
+            <a:schemeClr val="lt1"/>
+          </a:fontRef>
+        </p:style>
+        <p:txBody>
+          <a:bodyPr rtlCol="0" anchor="ctr"/>
+          <a:lstStyle/>
+          <a:p>
+            <a:pPr algn="ctr"/>
+            <a:r>
+              <a:rPr lang="en-US" dirty="0"/>
+              <a:t>Lorem ipsum…lorem ipsum</a:t>
+            </a:r>
+          </a:p>
+        </p:txBody>
+      </p:sp>
+      <p:sp>
+        <p:nvSpPr>
+          <p:cNvPr id="9" name="Rectangle 8">
+            <a:extLst>
+              <a:ext uri="{FF2B5EF4-FFF2-40B4-BE49-F238E27FC236}">
+                <a16:creationId xmlns:a16="http://schemas.microsoft.com/office/drawing/2014/main" id="{1D238109-A54E-A441-BDB3-323F97078E6D}"/>
+              </a:ext>
+            </a:extLst>
+          </p:cNvPr>
+          <p:cNvSpPr/>
+          <p:nvPr/>
+        </p:nvSpPr>
+        <p:spPr>
+          <a:xfrm>
+            <a:off x="628648" y="1863204"/>
+            <a:ext cx="3058767" cy="371685"/>
+          </a:xfrm>
+          <a:prstGeom prst="rect">
+            <a:avLst/>
+          </a:prstGeom>
+          <a:solidFill>
+            <a:srgbClr val="0070C0"/>
+          </a:solidFill>
+          <a:ln>
+            <a:noFill/>
+          </a:ln>
+        </p:spPr>
+        <p:style>
+          <a:lnRef idx="2">
+            <a:schemeClr val="accent1">
+              <a:shade val="50000"/>
+            </a:schemeClr>
+          </a:lnRef>
+          <a:fillRef idx="1">
+            <a:schemeClr val="accent1"/>
+          </a:fillRef>
+          <a:effectRef idx="0">
+            <a:schemeClr val="accent1"/>
+          </a:effectRef>
+          <a:fontRef idx="minor">
+            <a:schemeClr val="lt1"/>
+          </a:fontRef>
+        </p:style>
+        <p:txBody>
+          <a:bodyPr rtlCol="0" anchor="ctr"/>
+          <a:lstStyle/>
+          <a:p>
+            <a:pPr algn="ctr"/>
+            <a:r>
+              <a:rPr lang="en-US" dirty="0"/>
+              <a:t>Lorem ipsum dolor sit</a:t>
+            </a:r>
+          </a:p>
+        </p:txBody>
+      </p:sp>
+      <p:sp>
+        <p:nvSpPr>
+          <p:cNvPr id="10" name="TextBox 9">
+            <a:extLst>
+              <a:ext uri="{FF2B5EF4-FFF2-40B4-BE49-F238E27FC236}">
+                <a16:creationId xmlns:a16="http://schemas.microsoft.com/office/drawing/2014/main" id="{381561DF-F0B0-F049-BCDE-D42CAA901030}"/>
+              </a:ext>
+            </a:extLst>
+          </p:cNvPr>
+          <p:cNvSpPr txBox="1"/>
+          <p:nvPr/>
+        </p:nvSpPr>
+        <p:spPr>
+          <a:xfrm>
+            <a:off x="579783" y="3465479"/>
+            <a:ext cx="634148" cy="369332"/>
+          </a:xfrm>
+          <a:prstGeom prst="rect">
+            <a:avLst/>
+          </a:prstGeom>
+          <a:noFill/>
+        </p:spPr>
+        <p:txBody>
+          <a:bodyPr wrap="none" rtlCol="0">
+            <a:spAutoFit/>
+          </a:bodyPr>
+          <a:lstStyle/>
+          <a:p>
+            <a:r>
+              <a:rPr lang="en-US" dirty="0"/>
+              <a:t>DTM</a:t>
+            </a:r>
+          </a:p>
+        </p:txBody>
+      </p:sp>
+      <p:sp>
+        <p:nvSpPr>
+          <p:cNvPr id="11" name="Predefined Process 10">
+            <a:extLst>
+              <a:ext uri="{FF2B5EF4-FFF2-40B4-BE49-F238E27FC236}">
+                <a16:creationId xmlns:a16="http://schemas.microsoft.com/office/drawing/2014/main" id="{44663139-DE83-1548-8FD1-EB79AF9BC167}"/>
+              </a:ext>
+            </a:extLst>
+          </p:cNvPr>
+          <p:cNvSpPr/>
+          <p:nvPr/>
+        </p:nvSpPr>
+        <p:spPr>
+          <a:xfrm>
+            <a:off x="646041" y="2609122"/>
+            <a:ext cx="3041374" cy="685800"/>
+          </a:xfrm>
+          <a:prstGeom prst="flowChartPredefinedProcess">
+            <a:avLst/>
+          </a:prstGeom>
+          <a:solidFill>
+            <a:srgbClr val="7030A0"/>
+          </a:solidFill>
+          <a:ln>
+            <a:solidFill>
+              <a:schemeClr val="bg1"/>
+            </a:solidFill>
+          </a:ln>
+        </p:spPr>
+        <p:style>
+          <a:lnRef idx="2">
+            <a:schemeClr val="accent1">
+              <a:shade val="50000"/>
+            </a:schemeClr>
+          </a:lnRef>
+          <a:fillRef idx="1">
+            <a:schemeClr val="accent1"/>
+          </a:fillRef>
+          <a:effectRef idx="0">
+            <a:schemeClr val="accent1"/>
+          </a:effectRef>
+          <a:fontRef idx="minor">
+            <a:schemeClr val="lt1"/>
+          </a:fontRef>
+        </p:style>
+        <p:txBody>
+          <a:bodyPr rtlCol="0" anchor="ctr"/>
+          <a:lstStyle/>
+          <a:p>
+            <a:pPr algn="ctr"/>
+            <a:r>
+              <a:rPr lang="en-US" dirty="0"/>
+              <a:t>Text Cleaning</a:t>
+            </a:r>
+          </a:p>
+        </p:txBody>
+      </p:sp>
+      <p:cxnSp>
+        <p:nvCxnSpPr>
+          <p:cNvPr id="13" name="Straight Arrow Connector 12">
+            <a:extLst>
+              <a:ext uri="{FF2B5EF4-FFF2-40B4-BE49-F238E27FC236}">
+                <a16:creationId xmlns:a16="http://schemas.microsoft.com/office/drawing/2014/main" id="{E1434918-33BC-CD4F-B2F6-5DDB268BFD8E}"/>
+              </a:ext>
+            </a:extLst>
+          </p:cNvPr>
+          <p:cNvCxnSpPr>
+            <a:stCxn id="9" idx="2"/>
+            <a:endCxn id="11" idx="0"/>
+          </p:cNvCxnSpPr>
+          <p:nvPr/>
+        </p:nvCxnSpPr>
+        <p:spPr>
+          <a:xfrm>
+            <a:off x="2158032" y="2234889"/>
+            <a:ext cx="8696" cy="374233"/>
+          </a:xfrm>
+          <a:prstGeom prst="straightConnector1">
+            <a:avLst/>
+          </a:prstGeom>
+          <a:ln>
+            <a:tailEnd type="triangle"/>
+          </a:ln>
+        </p:spPr>
+        <p:style>
+          <a:lnRef idx="1">
+            <a:schemeClr val="accent1"/>
+          </a:lnRef>
+          <a:fillRef idx="0">
+            <a:schemeClr val="accent1"/>
+          </a:fillRef>
+          <a:effectRef idx="0">
+            <a:schemeClr val="accent1"/>
+          </a:effectRef>
+          <a:fontRef idx="minor">
+            <a:schemeClr val="tx1"/>
+          </a:fontRef>
+        </p:style>
+      </p:cxnSp>
+    </p:spTree>
+    <p:extLst>
+      <p:ext uri="{BB962C8B-B14F-4D97-AF65-F5344CB8AC3E}">
+        <p14:creationId xmlns:p14="http://schemas.microsoft.com/office/powerpoint/2010/main" val="950361801"/>
+      </p:ext>
+    </p:extLst>
+  </p:cSld>
+  <p:clrMapOvr>
+    <a:masterClrMapping/>
+  </p:clrMapOvr>
+  <p:timing>
+    <p:tnLst>
+      <p:par>
+        <p:cTn id="1" dur="indefinite" restart="never" nodeType="tmRoot">
+          <p:childTnLst>
+            <p:seq concurrent="1" nextAc="seek">
+              <p:cTn id="2" dur="indefinite" nodeType="mainSeq">
+                <p:childTnLst>
+                  <p:par>
+                    <p:cTn id="3" fill="hold">
+                      <p:stCondLst>
+                        <p:cond delay="indefinite"/>
+                      </p:stCondLst>
+                      <p:childTnLst>
+                        <p:par>
+                          <p:cTn id="4" fill="hold">
+                            <p:stCondLst>
+                              <p:cond delay="0"/>
+                            </p:stCondLst>
+                            <p:childTnLst>
+                              <p:par>
+                                <p:cTn id="5" presetID="1" presetClass="entr" presetSubtype="0" fill="hold" grpId="0" nodeType="clickEffect">
+                                  <p:stCondLst>
+                                    <p:cond delay="0"/>
+                                  </p:stCondLst>
+                                  <p:childTnLst>
+                                    <p:set>
+                                      <p:cBhvr>
+                                        <p:cTn id="6" dur="1" fill="hold">
+                                          <p:stCondLst>
+                                            <p:cond delay="0"/>
+                                          </p:stCondLst>
+                                        </p:cTn>
+                                        <p:tgtEl>
+                                          <p:spTgt spid="11"/>
+                                        </p:tgtEl>
+                                        <p:attrNameLst>
+                                          <p:attrName>style.visibility</p:attrName>
+                                        </p:attrNameLst>
+                                      </p:cBhvr>
+                                      <p:to>
+                                        <p:strVal val="visible"/>
+                                      </p:to>
+                                    </p:set>
+                                  </p:childTnLst>
+                                </p:cTn>
+                              </p:par>
+                            </p:childTnLst>
+                          </p:cTn>
+                        </p:par>
+                      </p:childTnLst>
+                    </p:cTn>
+                  </p:par>
+                  <p:par>
+                    <p:cTn id="7" fill="hold">
+                      <p:stCondLst>
+                        <p:cond delay="indefinite"/>
+                      </p:stCondLst>
+                      <p:childTnLst>
+                        <p:par>
+                          <p:cTn id="8" fill="hold">
+                            <p:stCondLst>
+                              <p:cond delay="0"/>
+                            </p:stCondLst>
+                            <p:childTnLst>
+                              <p:par>
+                                <p:cTn id="9" presetID="1" presetClass="entr" presetSubtype="0" fill="hold" grpId="0" nodeType="clickEffect">
+                                  <p:stCondLst>
+                                    <p:cond delay="0"/>
+                                  </p:stCondLst>
+                                  <p:childTnLst>
+                                    <p:set>
+                                      <p:cBhvr>
+                                        <p:cTn id="10" dur="1" fill="hold">
+                                          <p:stCondLst>
+                                            <p:cond delay="0"/>
+                                          </p:stCondLst>
+                                        </p:cTn>
+                                        <p:tgtEl>
+                                          <p:spTgt spid="10"/>
+                                        </p:tgtEl>
+                                        <p:attrNameLst>
+                                          <p:attrName>style.visibility</p:attrName>
+                                        </p:attrNameLst>
+                                      </p:cBhvr>
+                                      <p:to>
+                                        <p:strVal val="visible"/>
+                                      </p:to>
+                                    </p:set>
+                                  </p:childTnLst>
+                                </p:cTn>
+                              </p:par>
+                              <p:par>
+                                <p:cTn id="11" presetID="1" presetClass="entr" presetSubtype="0" fill="hold" nodeType="withEffect">
+                                  <p:stCondLst>
+                                    <p:cond delay="0"/>
+                                  </p:stCondLst>
+                                  <p:childTnLst>
+                                    <p:set>
+                                      <p:cBhvr>
+                                        <p:cTn id="12" dur="1" fill="hold">
+                                          <p:stCondLst>
+                                            <p:cond delay="0"/>
+                                          </p:stCondLst>
+                                        </p:cTn>
+                                        <p:tgtEl>
+                                          <p:spTgt spid="6"/>
+                                        </p:tgtEl>
+                                        <p:attrNameLst>
+                                          <p:attrName>style.visibility</p:attrName>
+                                        </p:attrNameLst>
+                                      </p:cBhvr>
+                                      <p:to>
+                                        <p:strVal val="visible"/>
+                                      </p:to>
+                                    </p:set>
+                                  </p:childTnLst>
+                                </p:cTn>
+                              </p:par>
+                            </p:childTnLst>
+                          </p:cTn>
+                        </p:par>
+                      </p:childTnLst>
+                    </p:cTn>
+                  </p:par>
+                </p:childTnLst>
+              </p:cTn>
+              <p:prevCondLst>
+                <p:cond evt="onPrev" delay="0">
+                  <p:tgtEl>
+                    <p:sldTgt/>
+                  </p:tgtEl>
+                </p:cond>
+              </p:prevCondLst>
+              <p:nextCondLst>
+                <p:cond evt="onNext" delay="0">
+                  <p:tgtEl>
+                    <p:sldTgt/>
+                  </p:tgtEl>
+                </p:cond>
+              </p:nextCondLst>
+            </p:seq>
+          </p:childTnLst>
+        </p:cTn>
+      </p:par>
+    </p:tnLst>
+    <p:bldLst>
+      <p:bldP spid="10" grpId="0"/>
+      <p:bldP spid="11" grpId="0" animBg="1"/>
+    </p:bldLst>
+  </p:timing>
+</p:sld>
+</file>
+
+<file path=ppt/slides/slide24.xml><?xml version="1.0" encoding="utf-8"?>
+<p:sld xmlns:a="http://schemas.openxmlformats.org/drawingml/2006/main" xmlns:r="http://schemas.openxmlformats.org/officeDocument/2006/relationships" xmlns:p="http://schemas.openxmlformats.org/presentationml/2006/main">
+  <p:cSld>
+    <p:spTree>
+      <p:nvGrpSpPr>
+        <p:cNvPr id="1" name=""/>
+        <p:cNvGrpSpPr/>
+        <p:nvPr/>
+      </p:nvGrpSpPr>
+      <p:grpSpPr>
+        <a:xfrm>
+          <a:off x="0" y="0"/>
+          <a:ext cx="0" cy="0"/>
+          <a:chOff x="0" y="0"/>
+          <a:chExt cx="0" cy="0"/>
+        </a:xfrm>
+      </p:grpSpPr>
+      <p:sp>
+        <p:nvSpPr>
+          <p:cNvPr id="2" name="Date Placeholder 1">
+            <a:extLst>
+              <a:ext uri="{FF2B5EF4-FFF2-40B4-BE49-F238E27FC236}">
+                <a16:creationId xmlns:a16="http://schemas.microsoft.com/office/drawing/2014/main" id="{4CA56E2F-65DF-3240-8C18-4634035B4A9E}"/>
+              </a:ext>
+            </a:extLst>
+          </p:cNvPr>
+          <p:cNvSpPr>
+            <a:spLocks noGrp="1"/>
+          </p:cNvSpPr>
+          <p:nvPr>
+            <p:ph type="dt" sz="half" idx="10"/>
+          </p:nvPr>
+        </p:nvSpPr>
+        <p:spPr/>
+        <p:txBody>
+          <a:bodyPr/>
+          <a:lstStyle/>
+          <a:p>
+            <a:fld id="{6700A58B-DD98-43D0-B791-721480A02982}" type="datetime1">
+              <a:rPr lang="en-US" smtClean="0"/>
+              <a:t>1/30/23</a:t>
+            </a:fld>
+            <a:endParaRPr lang="en-US"/>
+          </a:p>
+        </p:txBody>
+      </p:sp>
+      <p:sp>
+        <p:nvSpPr>
+          <p:cNvPr id="3" name="Title 2">
+            <a:extLst>
+              <a:ext uri="{FF2B5EF4-FFF2-40B4-BE49-F238E27FC236}">
+                <a16:creationId xmlns:a16="http://schemas.microsoft.com/office/drawing/2014/main" id="{376138EB-B507-C743-9267-020739C56760}"/>
+              </a:ext>
+            </a:extLst>
+          </p:cNvPr>
+          <p:cNvSpPr>
+            <a:spLocks noGrp="1"/>
+          </p:cNvSpPr>
+          <p:nvPr>
+            <p:ph type="title"/>
+          </p:nvPr>
+        </p:nvSpPr>
+        <p:spPr/>
+        <p:txBody>
+          <a:bodyPr/>
+          <a:lstStyle/>
+          <a:p>
+            <a:r>
+              <a:rPr lang="en-US" dirty="0"/>
+              <a:t>Text modeling is hard.</a:t>
+            </a:r>
+          </a:p>
+        </p:txBody>
+      </p:sp>
+      <p:sp>
+        <p:nvSpPr>
+          <p:cNvPr id="4" name="Footer Placeholder 3">
+            <a:extLst>
+              <a:ext uri="{FF2B5EF4-FFF2-40B4-BE49-F238E27FC236}">
+                <a16:creationId xmlns:a16="http://schemas.microsoft.com/office/drawing/2014/main" id="{63BA39D2-8972-7B46-A529-FE150D0E702A}"/>
+              </a:ext>
+            </a:extLst>
+          </p:cNvPr>
+          <p:cNvSpPr>
+            <a:spLocks noGrp="1"/>
+          </p:cNvSpPr>
+          <p:nvPr>
+            <p:ph type="ftr" sz="quarter" idx="3"/>
+          </p:nvPr>
+        </p:nvSpPr>
+        <p:spPr/>
+        <p:txBody>
+          <a:bodyPr/>
+          <a:lstStyle/>
+          <a:p>
+            <a:r>
+              <a:rPr lang="en-US"/>
+              <a:t>Kwartler</a:t>
+            </a:r>
+            <a:endParaRPr lang="en-US" dirty="0"/>
+          </a:p>
+        </p:txBody>
+      </p:sp>
+      <p:sp>
+        <p:nvSpPr>
+          <p:cNvPr id="5" name="Slide Number Placeholder 4">
+            <a:extLst>
+              <a:ext uri="{FF2B5EF4-FFF2-40B4-BE49-F238E27FC236}">
+                <a16:creationId xmlns:a16="http://schemas.microsoft.com/office/drawing/2014/main" id="{2EDB1C69-0AE8-1041-8263-C88360415FC7}"/>
+              </a:ext>
+            </a:extLst>
+          </p:cNvPr>
+          <p:cNvSpPr>
+            <a:spLocks noGrp="1"/>
+          </p:cNvSpPr>
+          <p:nvPr>
+            <p:ph type="sldNum" sz="quarter" idx="4"/>
+          </p:nvPr>
+        </p:nvSpPr>
+        <p:spPr/>
+        <p:txBody>
+          <a:bodyPr/>
+          <a:lstStyle/>
+          <a:p>
+            <a:fld id="{37290FF7-652B-4475-AEAB-8B1A5D23AE09}" type="slidenum">
+              <a:rPr lang="en-US" smtClean="0"/>
+              <a:pPr/>
+              <a:t>24</a:t>
+            </a:fld>
+            <a:endParaRPr lang="en-US" dirty="0"/>
+          </a:p>
+        </p:txBody>
+      </p:sp>
+      <p:graphicFrame>
+        <p:nvGraphicFramePr>
+          <p:cNvPr id="6" name="Table 6">
+            <a:extLst>
+              <a:ext uri="{FF2B5EF4-FFF2-40B4-BE49-F238E27FC236}">
+                <a16:creationId xmlns:a16="http://schemas.microsoft.com/office/drawing/2014/main" id="{A16FF4E1-4F44-3447-B1C8-D3C08081F8BA}"/>
+              </a:ext>
+            </a:extLst>
+          </p:cNvPr>
+          <p:cNvGraphicFramePr>
+            <a:graphicFrameLocks noGrp="1"/>
+          </p:cNvGraphicFramePr>
+          <p:nvPr/>
+        </p:nvGraphicFramePr>
+        <p:xfrm>
+          <a:off x="367748" y="1337371"/>
+          <a:ext cx="6308034" cy="1376680"/>
+        </p:xfrm>
+        <a:graphic>
+          <a:graphicData uri="http://schemas.openxmlformats.org/drawingml/2006/table">
+            <a:tbl>
+              <a:tblPr firstRow="1" bandRow="1">
+                <a:tableStyleId>{5C22544A-7EE6-4342-B048-85BDC9FD1C3A}</a:tableStyleId>
+              </a:tblPr>
+              <a:tblGrid>
+                <a:gridCol w="1051339">
+                  <a:extLst>
+                    <a:ext uri="{9D8B030D-6E8A-4147-A177-3AD203B41FA5}">
+                      <a16:colId xmlns:a16="http://schemas.microsoft.com/office/drawing/2014/main" val="1763945171"/>
+                    </a:ext>
+                  </a:extLst>
+                </a:gridCol>
+                <a:gridCol w="1051339">
+                  <a:extLst>
+                    <a:ext uri="{9D8B030D-6E8A-4147-A177-3AD203B41FA5}">
+                      <a16:colId xmlns:a16="http://schemas.microsoft.com/office/drawing/2014/main" val="1730943439"/>
+                    </a:ext>
+                  </a:extLst>
+                </a:gridCol>
+                <a:gridCol w="1051339">
+                  <a:extLst>
+                    <a:ext uri="{9D8B030D-6E8A-4147-A177-3AD203B41FA5}">
+                      <a16:colId xmlns:a16="http://schemas.microsoft.com/office/drawing/2014/main" val="3672649975"/>
+                    </a:ext>
+                  </a:extLst>
+                </a:gridCol>
+                <a:gridCol w="1051339">
+                  <a:extLst>
+                    <a:ext uri="{9D8B030D-6E8A-4147-A177-3AD203B41FA5}">
+                      <a16:colId xmlns:a16="http://schemas.microsoft.com/office/drawing/2014/main" val="1700470532"/>
+                    </a:ext>
+                  </a:extLst>
+                </a:gridCol>
+                <a:gridCol w="1051339">
+                  <a:extLst>
+                    <a:ext uri="{9D8B030D-6E8A-4147-A177-3AD203B41FA5}">
+                      <a16:colId xmlns:a16="http://schemas.microsoft.com/office/drawing/2014/main" val="1814337124"/>
+                    </a:ext>
+                  </a:extLst>
+                </a:gridCol>
+                <a:gridCol w="1051339">
+                  <a:extLst>
+                    <a:ext uri="{9D8B030D-6E8A-4147-A177-3AD203B41FA5}">
+                      <a16:colId xmlns:a16="http://schemas.microsoft.com/office/drawing/2014/main" val="2666081561"/>
+                    </a:ext>
+                  </a:extLst>
+                </a:gridCol>
+              </a:tblGrid>
+              <a:tr h="370840">
+                <a:tc>
+                  <a:txBody>
+                    <a:bodyPr/>
+                    <a:lstStyle/>
+                    <a:p>
+                      <a:endParaRPr lang="en-US" dirty="0"/>
+                    </a:p>
+                  </a:txBody>
+                  <a:tcPr/>
+                </a:tc>
+                <a:tc>
+                  <a:txBody>
+                    <a:bodyPr/>
+                    <a:lstStyle/>
+                    <a:p>
+                      <a:r>
+                        <a:rPr lang="en-US" dirty="0"/>
+                        <a:t>X-Lorem</a:t>
+                      </a:r>
+                    </a:p>
+                  </a:txBody>
+                  <a:tcPr/>
+                </a:tc>
+                <a:tc>
+                  <a:txBody>
+                    <a:bodyPr/>
+                    <a:lstStyle/>
+                    <a:p>
+                      <a:r>
+                        <a:rPr lang="en-US" dirty="0"/>
+                        <a:t>X-Ipsum</a:t>
+                      </a:r>
+                    </a:p>
+                  </a:txBody>
+                  <a:tcPr/>
+                </a:tc>
+                <a:tc>
+                  <a:txBody>
+                    <a:bodyPr/>
+                    <a:lstStyle/>
+                    <a:p>
+                      <a:r>
+                        <a:rPr lang="en-US" dirty="0"/>
+                        <a:t>X-dolor</a:t>
+                      </a:r>
+                    </a:p>
+                  </a:txBody>
+                  <a:tcPr/>
+                </a:tc>
+                <a:tc>
+                  <a:txBody>
+                    <a:bodyPr/>
+                    <a:lstStyle/>
+                    <a:p>
+                      <a:r>
+                        <a:rPr lang="en-US" dirty="0"/>
+                        <a:t>X-sit</a:t>
+                      </a:r>
+                    </a:p>
+                  </a:txBody>
+                  <a:tcPr/>
+                </a:tc>
+                <a:tc>
+                  <a:txBody>
+                    <a:bodyPr/>
+                    <a:lstStyle/>
+                    <a:p>
+                      <a:r>
+                        <a:rPr lang="en-US" dirty="0"/>
+                        <a:t>Y</a:t>
+                      </a:r>
+                    </a:p>
+                  </a:txBody>
+                  <a:tcPr/>
+                </a:tc>
+                <a:extLst>
+                  <a:ext uri="{0D108BD9-81ED-4DB2-BD59-A6C34878D82A}">
+                    <a16:rowId xmlns:a16="http://schemas.microsoft.com/office/drawing/2014/main" val="565650966"/>
+                  </a:ext>
+                </a:extLst>
+              </a:tr>
+              <a:tr h="370840">
+                <a:tc>
+                  <a:txBody>
+                    <a:bodyPr/>
+                    <a:lstStyle/>
+                    <a:p>
+                      <a:r>
+                        <a:rPr lang="en-US" dirty="0"/>
+                        <a:t>Observation1</a:t>
+                      </a:r>
+                    </a:p>
+                  </a:txBody>
+                  <a:tcPr/>
+                </a:tc>
+                <a:tc>
+                  <a:txBody>
+                    <a:bodyPr/>
+                    <a:lstStyle/>
+                    <a:p>
+                      <a:r>
+                        <a:rPr lang="en-US" dirty="0"/>
+                        <a:t>1</a:t>
+                      </a:r>
+                    </a:p>
+                  </a:txBody>
+                  <a:tcPr/>
+                </a:tc>
+                <a:tc>
+                  <a:txBody>
+                    <a:bodyPr/>
+                    <a:lstStyle/>
+                    <a:p>
+                      <a:r>
+                        <a:rPr lang="en-US" dirty="0"/>
+                        <a:t>1</a:t>
+                      </a:r>
+                    </a:p>
+                  </a:txBody>
+                  <a:tcPr/>
+                </a:tc>
+                <a:tc>
+                  <a:txBody>
+                    <a:bodyPr/>
+                    <a:lstStyle/>
+                    <a:p>
+                      <a:r>
+                        <a:rPr lang="en-US" dirty="0"/>
+                        <a:t>0</a:t>
+                      </a:r>
+                    </a:p>
+                  </a:txBody>
+                  <a:tcPr/>
+                </a:tc>
+                <a:tc>
+                  <a:txBody>
+                    <a:bodyPr/>
+                    <a:lstStyle/>
+                    <a:p>
+                      <a:r>
+                        <a:rPr lang="en-US" dirty="0"/>
+                        <a:t>0</a:t>
+                      </a:r>
+                    </a:p>
+                  </a:txBody>
+                  <a:tcPr/>
+                </a:tc>
+                <a:tc>
+                  <a:txBody>
+                    <a:bodyPr/>
+                    <a:lstStyle/>
+                    <a:p>
+                      <a:r>
+                        <a:rPr lang="en-US" dirty="0"/>
+                        <a:t>TRUE</a:t>
+                      </a:r>
+                    </a:p>
+                  </a:txBody>
+                  <a:tcPr/>
+                </a:tc>
+                <a:extLst>
+                  <a:ext uri="{0D108BD9-81ED-4DB2-BD59-A6C34878D82A}">
+                    <a16:rowId xmlns:a16="http://schemas.microsoft.com/office/drawing/2014/main" val="765506212"/>
+                  </a:ext>
+                </a:extLst>
+              </a:tr>
+              <a:tr h="370840">
+                <a:tc>
+                  <a:txBody>
+                    <a:bodyPr/>
+                    <a:lstStyle/>
+                    <a:p>
+                      <a:r>
+                        <a:rPr lang="en-US" dirty="0"/>
+                        <a:t>Observation2</a:t>
+                      </a:r>
+                    </a:p>
+                  </a:txBody>
+                  <a:tcPr/>
+                </a:tc>
+                <a:tc>
+                  <a:txBody>
+                    <a:bodyPr/>
+                    <a:lstStyle/>
+                    <a:p>
+                      <a:r>
+                        <a:rPr lang="en-US" dirty="0"/>
+                        <a:t>1</a:t>
+                      </a:r>
+                    </a:p>
+                  </a:txBody>
+                  <a:tcPr/>
+                </a:tc>
+                <a:tc>
+                  <a:txBody>
+                    <a:bodyPr/>
+                    <a:lstStyle/>
+                    <a:p>
+                      <a:r>
+                        <a:rPr lang="en-US" dirty="0"/>
+                        <a:t>1</a:t>
+                      </a:r>
+                    </a:p>
+                  </a:txBody>
+                  <a:tcPr/>
+                </a:tc>
+                <a:tc>
+                  <a:txBody>
+                    <a:bodyPr/>
+                    <a:lstStyle/>
+                    <a:p>
+                      <a:r>
+                        <a:rPr lang="en-US" dirty="0"/>
+                        <a:t>1</a:t>
+                      </a:r>
+                    </a:p>
+                  </a:txBody>
+                  <a:tcPr/>
+                </a:tc>
+                <a:tc>
+                  <a:txBody>
+                    <a:bodyPr/>
+                    <a:lstStyle/>
+                    <a:p>
+                      <a:r>
+                        <a:rPr lang="en-US" dirty="0"/>
+                        <a:t>1</a:t>
+                      </a:r>
+                    </a:p>
+                  </a:txBody>
+                  <a:tcPr/>
+                </a:tc>
+                <a:tc>
+                  <a:txBody>
+                    <a:bodyPr/>
+                    <a:lstStyle/>
+                    <a:p>
+                      <a:r>
+                        <a:rPr lang="en-US" dirty="0"/>
+                        <a:t>FALSE</a:t>
+                      </a:r>
+                    </a:p>
+                  </a:txBody>
+                  <a:tcPr/>
+                </a:tc>
+                <a:extLst>
+                  <a:ext uri="{0D108BD9-81ED-4DB2-BD59-A6C34878D82A}">
+                    <a16:rowId xmlns:a16="http://schemas.microsoft.com/office/drawing/2014/main" val="1984768767"/>
+                  </a:ext>
+                </a:extLst>
+              </a:tr>
+            </a:tbl>
+          </a:graphicData>
+        </a:graphic>
+      </p:graphicFrame>
+      <p:sp>
+        <p:nvSpPr>
+          <p:cNvPr id="10" name="TextBox 9">
+            <a:extLst>
+              <a:ext uri="{FF2B5EF4-FFF2-40B4-BE49-F238E27FC236}">
+                <a16:creationId xmlns:a16="http://schemas.microsoft.com/office/drawing/2014/main" id="{381561DF-F0B0-F049-BCDE-D42CAA901030}"/>
+              </a:ext>
+            </a:extLst>
+          </p:cNvPr>
+          <p:cNvSpPr txBox="1"/>
+          <p:nvPr/>
+        </p:nvSpPr>
+        <p:spPr>
+          <a:xfrm>
+            <a:off x="367748" y="1038514"/>
+            <a:ext cx="634148" cy="369332"/>
+          </a:xfrm>
+          <a:prstGeom prst="rect">
+            <a:avLst/>
+          </a:prstGeom>
+          <a:noFill/>
+        </p:spPr>
+        <p:txBody>
+          <a:bodyPr wrap="none" rtlCol="0">
+            <a:spAutoFit/>
+          </a:bodyPr>
+          <a:lstStyle/>
+          <a:p>
+            <a:r>
+              <a:rPr lang="en-US" dirty="0"/>
+              <a:t>DTM</a:t>
+            </a:r>
+          </a:p>
+        </p:txBody>
+      </p:sp>
+      <p:sp>
+        <p:nvSpPr>
+          <p:cNvPr id="12" name="Rectangle 11">
+            <a:extLst>
+              <a:ext uri="{FF2B5EF4-FFF2-40B4-BE49-F238E27FC236}">
+                <a16:creationId xmlns:a16="http://schemas.microsoft.com/office/drawing/2014/main" id="{F1599CCD-E73E-AD4A-AD58-C575ABD81A6E}"/>
+              </a:ext>
+            </a:extLst>
+          </p:cNvPr>
+          <p:cNvSpPr/>
+          <p:nvPr/>
+        </p:nvSpPr>
+        <p:spPr>
+          <a:xfrm>
+            <a:off x="367748" y="3473347"/>
+            <a:ext cx="3041374" cy="371685"/>
+          </a:xfrm>
+          <a:prstGeom prst="rect">
+            <a:avLst/>
+          </a:prstGeom>
+          <a:solidFill>
+            <a:srgbClr val="0070C0"/>
+          </a:solidFill>
+          <a:ln>
+            <a:noFill/>
+          </a:ln>
+        </p:spPr>
+        <p:style>
+          <a:lnRef idx="2">
+            <a:schemeClr val="accent1">
+              <a:shade val="50000"/>
+            </a:schemeClr>
+          </a:lnRef>
+          <a:fillRef idx="1">
+            <a:schemeClr val="accent1"/>
+          </a:fillRef>
+          <a:effectRef idx="0">
+            <a:schemeClr val="accent1"/>
+          </a:effectRef>
+          <a:fontRef idx="minor">
+            <a:schemeClr val="lt1"/>
+          </a:fontRef>
+        </p:style>
+        <p:txBody>
+          <a:bodyPr rtlCol="0" anchor="ctr"/>
+          <a:lstStyle/>
+          <a:p>
+            <a:pPr algn="ctr"/>
+            <a:r>
+              <a:rPr lang="en-US" dirty="0"/>
+              <a:t>ipsum dolor sit </a:t>
+            </a:r>
+            <a:r>
+              <a:rPr lang="en-US" u="sng" dirty="0" err="1"/>
+              <a:t>amet</a:t>
+            </a:r>
+            <a:endParaRPr lang="en-US" u="sng" dirty="0"/>
+          </a:p>
+        </p:txBody>
+      </p:sp>
+      <p:sp>
+        <p:nvSpPr>
+          <p:cNvPr id="14" name="Predefined Process 13">
+            <a:extLst>
+              <a:ext uri="{FF2B5EF4-FFF2-40B4-BE49-F238E27FC236}">
+                <a16:creationId xmlns:a16="http://schemas.microsoft.com/office/drawing/2014/main" id="{C0952677-BC84-2D46-B676-F4851627F127}"/>
+              </a:ext>
+            </a:extLst>
+          </p:cNvPr>
+          <p:cNvSpPr/>
+          <p:nvPr/>
+        </p:nvSpPr>
+        <p:spPr>
+          <a:xfrm>
+            <a:off x="367748" y="4071567"/>
+            <a:ext cx="3041374" cy="685800"/>
+          </a:xfrm>
+          <a:prstGeom prst="flowChartPredefinedProcess">
+            <a:avLst/>
+          </a:prstGeom>
+          <a:solidFill>
+            <a:srgbClr val="7030A0"/>
+          </a:solidFill>
+          <a:ln>
+            <a:solidFill>
+              <a:schemeClr val="bg1"/>
+            </a:solidFill>
+          </a:ln>
+        </p:spPr>
+        <p:style>
+          <a:lnRef idx="2">
+            <a:schemeClr val="accent1">
+              <a:shade val="50000"/>
+            </a:schemeClr>
+          </a:lnRef>
+          <a:fillRef idx="1">
+            <a:schemeClr val="accent1"/>
+          </a:fillRef>
+          <a:effectRef idx="0">
+            <a:schemeClr val="accent1"/>
+          </a:effectRef>
+          <a:fontRef idx="minor">
+            <a:schemeClr val="lt1"/>
+          </a:fontRef>
+        </p:style>
+        <p:txBody>
+          <a:bodyPr rtlCol="0" anchor="ctr"/>
+          <a:lstStyle/>
+          <a:p>
+            <a:pPr algn="ctr"/>
+            <a:r>
+              <a:rPr lang="en-US" dirty="0"/>
+              <a:t>Text Cleaning</a:t>
+            </a:r>
+          </a:p>
+        </p:txBody>
+      </p:sp>
+      <p:graphicFrame>
+        <p:nvGraphicFramePr>
+          <p:cNvPr id="15" name="Table 6">
+            <a:extLst>
+              <a:ext uri="{FF2B5EF4-FFF2-40B4-BE49-F238E27FC236}">
+                <a16:creationId xmlns:a16="http://schemas.microsoft.com/office/drawing/2014/main" id="{677A490A-CDC5-E641-89A1-41CB3B895953}"/>
+              </a:ext>
+            </a:extLst>
+          </p:cNvPr>
+          <p:cNvGraphicFramePr>
+            <a:graphicFrameLocks noGrp="1"/>
+          </p:cNvGraphicFramePr>
+          <p:nvPr/>
+        </p:nvGraphicFramePr>
+        <p:xfrm>
+          <a:off x="367748" y="4945344"/>
+          <a:ext cx="7224330" cy="741680"/>
+        </p:xfrm>
+        <a:graphic>
+          <a:graphicData uri="http://schemas.openxmlformats.org/drawingml/2006/table">
+            <a:tbl>
+              <a:tblPr firstRow="1" bandRow="1">
+                <a:tableStyleId>{5C22544A-7EE6-4342-B048-85BDC9FD1C3A}</a:tableStyleId>
+              </a:tblPr>
+              <a:tblGrid>
+                <a:gridCol w="1204055">
+                  <a:extLst>
+                    <a:ext uri="{9D8B030D-6E8A-4147-A177-3AD203B41FA5}">
+                      <a16:colId xmlns:a16="http://schemas.microsoft.com/office/drawing/2014/main" val="1763945171"/>
+                    </a:ext>
+                  </a:extLst>
+                </a:gridCol>
+                <a:gridCol w="1204055">
+                  <a:extLst>
+                    <a:ext uri="{9D8B030D-6E8A-4147-A177-3AD203B41FA5}">
+                      <a16:colId xmlns:a16="http://schemas.microsoft.com/office/drawing/2014/main" val="3672649975"/>
+                    </a:ext>
+                  </a:extLst>
+                </a:gridCol>
+                <a:gridCol w="1204055">
+                  <a:extLst>
+                    <a:ext uri="{9D8B030D-6E8A-4147-A177-3AD203B41FA5}">
+                      <a16:colId xmlns:a16="http://schemas.microsoft.com/office/drawing/2014/main" val="1700470532"/>
+                    </a:ext>
+                  </a:extLst>
+                </a:gridCol>
+                <a:gridCol w="1204055">
+                  <a:extLst>
+                    <a:ext uri="{9D8B030D-6E8A-4147-A177-3AD203B41FA5}">
+                      <a16:colId xmlns:a16="http://schemas.microsoft.com/office/drawing/2014/main" val="1814337124"/>
+                    </a:ext>
+                  </a:extLst>
+                </a:gridCol>
+                <a:gridCol w="1204055">
+                  <a:extLst>
+                    <a:ext uri="{9D8B030D-6E8A-4147-A177-3AD203B41FA5}">
+                      <a16:colId xmlns:a16="http://schemas.microsoft.com/office/drawing/2014/main" val="800509653"/>
+                    </a:ext>
+                  </a:extLst>
+                </a:gridCol>
+                <a:gridCol w="1204055">
+                  <a:extLst>
+                    <a:ext uri="{9D8B030D-6E8A-4147-A177-3AD203B41FA5}">
+                      <a16:colId xmlns:a16="http://schemas.microsoft.com/office/drawing/2014/main" val="2666081561"/>
+                    </a:ext>
+                  </a:extLst>
+                </a:gridCol>
+              </a:tblGrid>
+              <a:tr h="370840">
+                <a:tc>
+                  <a:txBody>
+                    <a:bodyPr/>
+                    <a:lstStyle/>
+                    <a:p>
+                      <a:endParaRPr lang="en-US"/>
+                    </a:p>
+                  </a:txBody>
+                  <a:tcPr/>
+                </a:tc>
+                <a:tc>
+                  <a:txBody>
+                    <a:bodyPr/>
+                    <a:lstStyle/>
+                    <a:p>
+                      <a:r>
+                        <a:rPr lang="en-US" dirty="0"/>
+                        <a:t>X-Ipsum</a:t>
+                      </a:r>
+                    </a:p>
+                  </a:txBody>
+                  <a:tcPr/>
+                </a:tc>
+                <a:tc>
+                  <a:txBody>
+                    <a:bodyPr/>
+                    <a:lstStyle/>
+                    <a:p>
+                      <a:r>
+                        <a:rPr lang="en-US" dirty="0"/>
+                        <a:t>X-dolor</a:t>
+                      </a:r>
+                    </a:p>
+                  </a:txBody>
+                  <a:tcPr/>
+                </a:tc>
+                <a:tc>
+                  <a:txBody>
+                    <a:bodyPr/>
+                    <a:lstStyle/>
+                    <a:p>
+                      <a:r>
+                        <a:rPr lang="en-US" dirty="0"/>
+                        <a:t>X-sit</a:t>
+                      </a:r>
+                    </a:p>
+                  </a:txBody>
+                  <a:tcPr/>
+                </a:tc>
+                <a:tc>
+                  <a:txBody>
+                    <a:bodyPr/>
+                    <a:lstStyle/>
+                    <a:p>
+                      <a:r>
+                        <a:rPr lang="en-US" dirty="0"/>
+                        <a:t>X-</a:t>
+                      </a:r>
+                      <a:r>
+                        <a:rPr lang="en-US" dirty="0" err="1"/>
+                        <a:t>Amet</a:t>
+                      </a:r>
+                      <a:endParaRPr lang="en-US" dirty="0"/>
+                    </a:p>
+                  </a:txBody>
+                  <a:tcPr/>
+                </a:tc>
+                <a:tc>
+                  <a:txBody>
+                    <a:bodyPr/>
+                    <a:lstStyle/>
+                    <a:p>
+                      <a:r>
+                        <a:rPr lang="en-US" dirty="0"/>
+                        <a:t>Y</a:t>
+                      </a:r>
+                    </a:p>
+                  </a:txBody>
+                  <a:tcPr/>
+                </a:tc>
+                <a:extLst>
+                  <a:ext uri="{0D108BD9-81ED-4DB2-BD59-A6C34878D82A}">
+                    <a16:rowId xmlns:a16="http://schemas.microsoft.com/office/drawing/2014/main" val="565650966"/>
+                  </a:ext>
+                </a:extLst>
+              </a:tr>
+              <a:tr h="370840">
+                <a:tc>
+                  <a:txBody>
+                    <a:bodyPr/>
+                    <a:lstStyle/>
+                    <a:p>
+                      <a:r>
+                        <a:rPr lang="en-US" dirty="0"/>
+                        <a:t>Observation1</a:t>
+                      </a:r>
+                    </a:p>
+                  </a:txBody>
+                  <a:tcPr/>
+                </a:tc>
+                <a:tc>
+                  <a:txBody>
+                    <a:bodyPr/>
+                    <a:lstStyle/>
+                    <a:p>
+                      <a:r>
+                        <a:rPr lang="en-US" dirty="0"/>
+                        <a:t>1</a:t>
+                      </a:r>
+                    </a:p>
+                  </a:txBody>
+                  <a:tcPr/>
+                </a:tc>
+                <a:tc>
+                  <a:txBody>
+                    <a:bodyPr/>
+                    <a:lstStyle/>
+                    <a:p>
+                      <a:r>
+                        <a:rPr lang="en-US" dirty="0"/>
+                        <a:t>1</a:t>
+                      </a:r>
+                    </a:p>
+                  </a:txBody>
+                  <a:tcPr/>
+                </a:tc>
+                <a:tc>
+                  <a:txBody>
+                    <a:bodyPr/>
+                    <a:lstStyle/>
+                    <a:p>
+                      <a:r>
+                        <a:rPr lang="en-US" dirty="0"/>
+                        <a:t>1</a:t>
+                      </a:r>
+                    </a:p>
+                  </a:txBody>
+                  <a:tcPr/>
+                </a:tc>
+                <a:tc>
+                  <a:txBody>
+                    <a:bodyPr/>
+                    <a:lstStyle/>
+                    <a:p>
+                      <a:r>
+                        <a:rPr lang="en-US" dirty="0">
+                          <a:highlight>
+                            <a:srgbClr val="FFFF00"/>
+                          </a:highlight>
+                        </a:rPr>
+                        <a:t>1</a:t>
+                      </a:r>
+                    </a:p>
+                  </a:txBody>
+                  <a:tcPr/>
+                </a:tc>
+                <a:tc>
+                  <a:txBody>
+                    <a:bodyPr/>
+                    <a:lstStyle/>
+                    <a:p>
+                      <a:r>
+                        <a:rPr lang="en-US" dirty="0"/>
+                        <a:t>FALSE</a:t>
+                      </a:r>
+                    </a:p>
+                  </a:txBody>
+                  <a:tcPr/>
+                </a:tc>
+                <a:extLst>
+                  <a:ext uri="{0D108BD9-81ED-4DB2-BD59-A6C34878D82A}">
+                    <a16:rowId xmlns:a16="http://schemas.microsoft.com/office/drawing/2014/main" val="1984768767"/>
+                  </a:ext>
+                </a:extLst>
+              </a:tr>
+            </a:tbl>
+          </a:graphicData>
+        </a:graphic>
+      </p:graphicFrame>
+      <p:sp>
+        <p:nvSpPr>
+          <p:cNvPr id="16" name="TextBox 15">
+            <a:extLst>
+              <a:ext uri="{FF2B5EF4-FFF2-40B4-BE49-F238E27FC236}">
+                <a16:creationId xmlns:a16="http://schemas.microsoft.com/office/drawing/2014/main" id="{F3761C60-E447-9E41-AB94-8CC7963EE0F6}"/>
+              </a:ext>
+            </a:extLst>
+          </p:cNvPr>
+          <p:cNvSpPr txBox="1"/>
+          <p:nvPr/>
+        </p:nvSpPr>
+        <p:spPr>
+          <a:xfrm>
+            <a:off x="255106" y="3104015"/>
+            <a:ext cx="1101905" cy="369332"/>
+          </a:xfrm>
+          <a:prstGeom prst="rect">
+            <a:avLst/>
+          </a:prstGeom>
+          <a:noFill/>
+        </p:spPr>
+        <p:txBody>
+          <a:bodyPr wrap="none" rtlCol="0">
+            <a:spAutoFit/>
+          </a:bodyPr>
+          <a:lstStyle/>
+          <a:p>
+            <a:r>
+              <a:rPr lang="en-US" dirty="0"/>
+              <a:t>New Data</a:t>
+            </a:r>
+          </a:p>
+        </p:txBody>
+      </p:sp>
+      <p:sp>
+        <p:nvSpPr>
+          <p:cNvPr id="17" name="Rectangle 16">
+            <a:extLst>
+              <a:ext uri="{FF2B5EF4-FFF2-40B4-BE49-F238E27FC236}">
+                <a16:creationId xmlns:a16="http://schemas.microsoft.com/office/drawing/2014/main" id="{D1927379-3582-ED4F-8F3A-32D80EFD396B}"/>
+              </a:ext>
+            </a:extLst>
+          </p:cNvPr>
+          <p:cNvSpPr/>
+          <p:nvPr/>
+        </p:nvSpPr>
+        <p:spPr>
+          <a:xfrm>
+            <a:off x="93765" y="6127969"/>
+            <a:ext cx="9002110" cy="441434"/>
+          </a:xfrm>
+          <a:prstGeom prst="rect">
+            <a:avLst/>
+          </a:prstGeom>
+        </p:spPr>
+        <p:style>
+          <a:lnRef idx="2">
+            <a:schemeClr val="accent1">
+              <a:shade val="50000"/>
+            </a:schemeClr>
+          </a:lnRef>
+          <a:fillRef idx="1">
+            <a:schemeClr val="accent1"/>
+          </a:fillRef>
+          <a:effectRef idx="0">
+            <a:schemeClr val="accent1"/>
+          </a:effectRef>
+          <a:fontRef idx="minor">
+            <a:schemeClr val="lt1"/>
+          </a:fontRef>
+        </p:style>
+        <p:txBody>
+          <a:bodyPr rtlCol="0" anchor="ctr"/>
+          <a:lstStyle/>
+          <a:p>
+            <a:pPr algn="ctr"/>
+            <a:r>
+              <a:rPr lang="en-US" sz="1600" dirty="0"/>
+              <a:t>The model will not be able to predict or classify these records because there is missing &amp; new information.</a:t>
+            </a:r>
+          </a:p>
+        </p:txBody>
+      </p:sp>
+      <p:cxnSp>
+        <p:nvCxnSpPr>
+          <p:cNvPr id="13" name="Straight Arrow Connector 12">
+            <a:extLst>
+              <a:ext uri="{FF2B5EF4-FFF2-40B4-BE49-F238E27FC236}">
+                <a16:creationId xmlns:a16="http://schemas.microsoft.com/office/drawing/2014/main" id="{0AD3997B-A80A-DF40-AD0E-5CF2ED5FF6D1}"/>
+              </a:ext>
+            </a:extLst>
+          </p:cNvPr>
+          <p:cNvCxnSpPr>
+            <a:cxnSpLocks/>
+            <a:stCxn id="12" idx="2"/>
+            <a:endCxn id="14" idx="0"/>
+          </p:cNvCxnSpPr>
+          <p:nvPr/>
+        </p:nvCxnSpPr>
+        <p:spPr>
+          <a:xfrm>
+            <a:off x="1888435" y="3845032"/>
+            <a:ext cx="0" cy="226535"/>
+          </a:xfrm>
+          <a:prstGeom prst="straightConnector1">
+            <a:avLst/>
+          </a:prstGeom>
+          <a:ln>
+            <a:tailEnd type="triangle"/>
+          </a:ln>
+        </p:spPr>
+        <p:style>
+          <a:lnRef idx="1">
+            <a:schemeClr val="accent1"/>
+          </a:lnRef>
+          <a:fillRef idx="0">
+            <a:schemeClr val="accent1"/>
+          </a:fillRef>
+          <a:effectRef idx="0">
+            <a:schemeClr val="accent1"/>
+          </a:effectRef>
+          <a:fontRef idx="minor">
+            <a:schemeClr val="tx1"/>
+          </a:fontRef>
+        </p:style>
+      </p:cxnSp>
+    </p:spTree>
+    <p:extLst>
+      <p:ext uri="{BB962C8B-B14F-4D97-AF65-F5344CB8AC3E}">
+        <p14:creationId xmlns:p14="http://schemas.microsoft.com/office/powerpoint/2010/main" val="1358244018"/>
+      </p:ext>
+    </p:extLst>
+  </p:cSld>
+  <p:clrMapOvr>
+    <a:masterClrMapping/>
+  </p:clrMapOvr>
+  <p:timing>
+    <p:tnLst>
+      <p:par>
+        <p:cTn id="1" dur="indefinite" restart="never" nodeType="tmRoot">
+          <p:childTnLst>
+            <p:seq concurrent="1" nextAc="seek">
+              <p:cTn id="2" dur="indefinite" nodeType="mainSeq">
+                <p:childTnLst>
+                  <p:par>
+                    <p:cTn id="3" fill="hold">
+                      <p:stCondLst>
+                        <p:cond delay="indefinite"/>
+                      </p:stCondLst>
+                      <p:childTnLst>
+                        <p:par>
+                          <p:cTn id="4" fill="hold">
+                            <p:stCondLst>
+                              <p:cond delay="0"/>
+                            </p:stCondLst>
+                            <p:childTnLst>
+                              <p:par>
+                                <p:cTn id="5" presetID="1" presetClass="entr" presetSubtype="0" fill="hold" grpId="0" nodeType="clickEffect">
+                                  <p:stCondLst>
+                                    <p:cond delay="0"/>
+                                  </p:stCondLst>
+                                  <p:childTnLst>
+                                    <p:set>
+                                      <p:cBhvr>
+                                        <p:cTn id="6" dur="1" fill="hold">
+                                          <p:stCondLst>
+                                            <p:cond delay="0"/>
+                                          </p:stCondLst>
+                                        </p:cTn>
+                                        <p:tgtEl>
+                                          <p:spTgt spid="16"/>
+                                        </p:tgtEl>
+                                        <p:attrNameLst>
+                                          <p:attrName>style.visibility</p:attrName>
+                                        </p:attrNameLst>
+                                      </p:cBhvr>
+                                      <p:to>
+                                        <p:strVal val="visible"/>
+                                      </p:to>
+                                    </p:set>
+                                  </p:childTnLst>
+                                </p:cTn>
+                              </p:par>
+                              <p:par>
+                                <p:cTn id="7" presetID="1" presetClass="entr" presetSubtype="0" fill="hold" grpId="0" nodeType="withEffect">
+                                  <p:stCondLst>
+                                    <p:cond delay="0"/>
+                                  </p:stCondLst>
+                                  <p:childTnLst>
+                                    <p:set>
+                                      <p:cBhvr>
+                                        <p:cTn id="8" dur="1" fill="hold">
+                                          <p:stCondLst>
+                                            <p:cond delay="0"/>
+                                          </p:stCondLst>
+                                        </p:cTn>
+                                        <p:tgtEl>
+                                          <p:spTgt spid="12"/>
+                                        </p:tgtEl>
+                                        <p:attrNameLst>
+                                          <p:attrName>style.visibility</p:attrName>
+                                        </p:attrNameLst>
+                                      </p:cBhvr>
+                                      <p:to>
+                                        <p:strVal val="visible"/>
+                                      </p:to>
+                                    </p:set>
+                                  </p:childTnLst>
+                                </p:cTn>
+                              </p:par>
+                            </p:childTnLst>
+                          </p:cTn>
+                        </p:par>
+                      </p:childTnLst>
+                    </p:cTn>
+                  </p:par>
+                  <p:par>
+                    <p:cTn id="9" fill="hold">
+                      <p:stCondLst>
+                        <p:cond delay="indefinite"/>
+                      </p:stCondLst>
+                      <p:childTnLst>
+                        <p:par>
+                          <p:cTn id="10" fill="hold">
+                            <p:stCondLst>
+                              <p:cond delay="0"/>
+                            </p:stCondLst>
+                            <p:childTnLst>
+                              <p:par>
+                                <p:cTn id="11" presetID="1" presetClass="entr" presetSubtype="0" fill="hold" grpId="0" nodeType="clickEffect">
+                                  <p:stCondLst>
+                                    <p:cond delay="0"/>
+                                  </p:stCondLst>
+                                  <p:childTnLst>
+                                    <p:set>
+                                      <p:cBhvr>
+                                        <p:cTn id="12" dur="1" fill="hold">
+                                          <p:stCondLst>
+                                            <p:cond delay="0"/>
+                                          </p:stCondLst>
+                                        </p:cTn>
+                                        <p:tgtEl>
+                                          <p:spTgt spid="14"/>
+                                        </p:tgtEl>
+                                        <p:attrNameLst>
+                                          <p:attrName>style.visibility</p:attrName>
+                                        </p:attrNameLst>
+                                      </p:cBhvr>
+                                      <p:to>
+                                        <p:strVal val="visible"/>
+                                      </p:to>
+                                    </p:set>
+                                  </p:childTnLst>
+                                </p:cTn>
+                              </p:par>
+                            </p:childTnLst>
+                          </p:cTn>
+                        </p:par>
+                      </p:childTnLst>
+                    </p:cTn>
+                  </p:par>
+                  <p:par>
+                    <p:cTn id="13" fill="hold">
+                      <p:stCondLst>
+                        <p:cond delay="indefinite"/>
+                      </p:stCondLst>
+                      <p:childTnLst>
+                        <p:par>
+                          <p:cTn id="14" fill="hold">
+                            <p:stCondLst>
+                              <p:cond delay="0"/>
+                            </p:stCondLst>
+                            <p:childTnLst>
+                              <p:par>
+                                <p:cTn id="15" presetID="1" presetClass="entr" presetSubtype="0" fill="hold" nodeType="clickEffect">
+                                  <p:stCondLst>
+                                    <p:cond delay="0"/>
+                                  </p:stCondLst>
+                                  <p:childTnLst>
+                                    <p:set>
+                                      <p:cBhvr>
+                                        <p:cTn id="16" dur="1" fill="hold">
+                                          <p:stCondLst>
+                                            <p:cond delay="0"/>
+                                          </p:stCondLst>
+                                        </p:cTn>
+                                        <p:tgtEl>
+                                          <p:spTgt spid="15"/>
+                                        </p:tgtEl>
+                                        <p:attrNameLst>
+                                          <p:attrName>style.visibility</p:attrName>
+                                        </p:attrNameLst>
+                                      </p:cBhvr>
+                                      <p:to>
+                                        <p:strVal val="visible"/>
+                                      </p:to>
+                                    </p:set>
+                                  </p:childTnLst>
+                                </p:cTn>
+                              </p:par>
+                            </p:childTnLst>
+                          </p:cTn>
+                        </p:par>
+                      </p:childTnLst>
+                    </p:cTn>
+                  </p:par>
+                  <p:par>
+                    <p:cTn id="17" fill="hold">
+                      <p:stCondLst>
+                        <p:cond delay="indefinite"/>
+                      </p:stCondLst>
+                      <p:childTnLst>
+                        <p:par>
+                          <p:cTn id="18" fill="hold">
+                            <p:stCondLst>
+                              <p:cond delay="0"/>
+                            </p:stCondLst>
+                            <p:childTnLst>
+                              <p:par>
+                                <p:cTn id="19" presetID="1" presetClass="entr" presetSubtype="0" fill="hold" grpId="0" nodeType="clickEffect">
+                                  <p:stCondLst>
+                                    <p:cond delay="0"/>
+                                  </p:stCondLst>
+                                  <p:childTnLst>
+                                    <p:set>
+                                      <p:cBhvr>
+                                        <p:cTn id="20" dur="1" fill="hold">
+                                          <p:stCondLst>
+                                            <p:cond delay="0"/>
+                                          </p:stCondLst>
+                                        </p:cTn>
+                                        <p:tgtEl>
+                                          <p:spTgt spid="17"/>
+                                        </p:tgtEl>
+                                        <p:attrNameLst>
+                                          <p:attrName>style.visibility</p:attrName>
+                                        </p:attrNameLst>
+                                      </p:cBhvr>
+                                      <p:to>
+                                        <p:strVal val="visible"/>
+                                      </p:to>
+                                    </p:set>
+                                  </p:childTnLst>
+                                </p:cTn>
+                              </p:par>
+                            </p:childTnLst>
+                          </p:cTn>
+                        </p:par>
+                      </p:childTnLst>
+                    </p:cTn>
+                  </p:par>
+                </p:childTnLst>
+              </p:cTn>
+              <p:prevCondLst>
+                <p:cond evt="onPrev" delay="0">
+                  <p:tgtEl>
+                    <p:sldTgt/>
+                  </p:tgtEl>
+                </p:cond>
+              </p:prevCondLst>
+              <p:nextCondLst>
+                <p:cond evt="onNext" delay="0">
+                  <p:tgtEl>
+                    <p:sldTgt/>
+                  </p:tgtEl>
+                </p:cond>
+              </p:nextCondLst>
+            </p:seq>
+          </p:childTnLst>
+        </p:cTn>
+      </p:par>
+    </p:tnLst>
+    <p:bldLst>
+      <p:bldP spid="12" grpId="0" animBg="1"/>
+      <p:bldP spid="14" grpId="0" animBg="1"/>
+      <p:bldP spid="16" grpId="0"/>
+      <p:bldP spid="17" grpId="0" animBg="1"/>
+    </p:bldLst>
+  </p:timing>
+</p:sld>
+</file>
+
+<file path=ppt/slides/slide25.xml><?xml version="1.0" encoding="utf-8"?>
+<p:sld xmlns:a="http://schemas.openxmlformats.org/drawingml/2006/main" xmlns:r="http://schemas.openxmlformats.org/officeDocument/2006/relationships" xmlns:p="http://schemas.openxmlformats.org/presentationml/2006/main">
+  <p:cSld>
+    <p:spTree>
+      <p:nvGrpSpPr>
+        <p:cNvPr id="1" name=""/>
+        <p:cNvGrpSpPr/>
+        <p:nvPr/>
+      </p:nvGrpSpPr>
+      <p:grpSpPr>
+        <a:xfrm>
+          <a:off x="0" y="0"/>
+          <a:ext cx="0" cy="0"/>
+          <a:chOff x="0" y="0"/>
+          <a:chExt cx="0" cy="0"/>
+        </a:xfrm>
+      </p:grpSpPr>
+      <p:sp>
+        <p:nvSpPr>
+          <p:cNvPr id="2" name="Date Placeholder 1">
+            <a:extLst>
+              <a:ext uri="{FF2B5EF4-FFF2-40B4-BE49-F238E27FC236}">
+                <a16:creationId xmlns:a16="http://schemas.microsoft.com/office/drawing/2014/main" id="{4CA56E2F-65DF-3240-8C18-4634035B4A9E}"/>
+              </a:ext>
+            </a:extLst>
+          </p:cNvPr>
+          <p:cNvSpPr>
+            <a:spLocks noGrp="1"/>
+          </p:cNvSpPr>
+          <p:nvPr>
+            <p:ph type="dt" sz="half" idx="10"/>
+          </p:nvPr>
+        </p:nvSpPr>
+        <p:spPr/>
+        <p:txBody>
+          <a:bodyPr/>
+          <a:lstStyle/>
+          <a:p>
+            <a:fld id="{6700A58B-DD98-43D0-B791-721480A02982}" type="datetime1">
+              <a:rPr lang="en-US" smtClean="0"/>
+              <a:t>1/30/23</a:t>
+            </a:fld>
+            <a:endParaRPr lang="en-US"/>
+          </a:p>
+        </p:txBody>
+      </p:sp>
+      <p:sp>
+        <p:nvSpPr>
+          <p:cNvPr id="3" name="Title 2">
+            <a:extLst>
+              <a:ext uri="{FF2B5EF4-FFF2-40B4-BE49-F238E27FC236}">
+                <a16:creationId xmlns:a16="http://schemas.microsoft.com/office/drawing/2014/main" id="{376138EB-B507-C743-9267-020739C56760}"/>
+              </a:ext>
+            </a:extLst>
+          </p:cNvPr>
+          <p:cNvSpPr>
+            <a:spLocks noGrp="1"/>
+          </p:cNvSpPr>
+          <p:nvPr>
+            <p:ph type="title"/>
+          </p:nvPr>
+        </p:nvSpPr>
+        <p:spPr/>
+        <p:txBody>
+          <a:bodyPr/>
+          <a:lstStyle/>
+          <a:p>
+            <a:r>
+              <a:rPr lang="en-US" dirty="0"/>
+              <a:t>Text modeling is hard.</a:t>
+            </a:r>
+          </a:p>
+        </p:txBody>
+      </p:sp>
+      <p:sp>
+        <p:nvSpPr>
+          <p:cNvPr id="4" name="Footer Placeholder 3">
+            <a:extLst>
+              <a:ext uri="{FF2B5EF4-FFF2-40B4-BE49-F238E27FC236}">
+                <a16:creationId xmlns:a16="http://schemas.microsoft.com/office/drawing/2014/main" id="{63BA39D2-8972-7B46-A529-FE150D0E702A}"/>
+              </a:ext>
+            </a:extLst>
+          </p:cNvPr>
+          <p:cNvSpPr>
+            <a:spLocks noGrp="1"/>
+          </p:cNvSpPr>
+          <p:nvPr>
+            <p:ph type="ftr" sz="quarter" idx="3"/>
+          </p:nvPr>
+        </p:nvSpPr>
+        <p:spPr/>
+        <p:txBody>
+          <a:bodyPr/>
+          <a:lstStyle/>
+          <a:p>
+            <a:r>
+              <a:rPr lang="en-US"/>
+              <a:t>Kwartler</a:t>
+            </a:r>
+            <a:endParaRPr lang="en-US" dirty="0"/>
+          </a:p>
+        </p:txBody>
+      </p:sp>
+      <p:sp>
+        <p:nvSpPr>
+          <p:cNvPr id="5" name="Slide Number Placeholder 4">
+            <a:extLst>
+              <a:ext uri="{FF2B5EF4-FFF2-40B4-BE49-F238E27FC236}">
+                <a16:creationId xmlns:a16="http://schemas.microsoft.com/office/drawing/2014/main" id="{2EDB1C69-0AE8-1041-8263-C88360415FC7}"/>
+              </a:ext>
+            </a:extLst>
+          </p:cNvPr>
+          <p:cNvSpPr>
+            <a:spLocks noGrp="1"/>
+          </p:cNvSpPr>
+          <p:nvPr>
+            <p:ph type="sldNum" sz="quarter" idx="4"/>
+          </p:nvPr>
+        </p:nvSpPr>
+        <p:spPr/>
+        <p:txBody>
+          <a:bodyPr/>
+          <a:lstStyle/>
+          <a:p>
+            <a:fld id="{37290FF7-652B-4475-AEAB-8B1A5D23AE09}" type="slidenum">
+              <a:rPr lang="en-US" smtClean="0"/>
+              <a:pPr/>
+              <a:t>25</a:t>
+            </a:fld>
+            <a:endParaRPr lang="en-US" dirty="0"/>
+          </a:p>
+        </p:txBody>
+      </p:sp>
+      <p:graphicFrame>
+        <p:nvGraphicFramePr>
+          <p:cNvPr id="6" name="Table 6">
+            <a:extLst>
+              <a:ext uri="{FF2B5EF4-FFF2-40B4-BE49-F238E27FC236}">
+                <a16:creationId xmlns:a16="http://schemas.microsoft.com/office/drawing/2014/main" id="{A16FF4E1-4F44-3447-B1C8-D3C08081F8BA}"/>
+              </a:ext>
+            </a:extLst>
+          </p:cNvPr>
+          <p:cNvGraphicFramePr>
+            <a:graphicFrameLocks noGrp="1"/>
+          </p:cNvGraphicFramePr>
+          <p:nvPr/>
+        </p:nvGraphicFramePr>
+        <p:xfrm>
+          <a:off x="367748" y="1337371"/>
+          <a:ext cx="6308034" cy="1376680"/>
+        </p:xfrm>
+        <a:graphic>
+          <a:graphicData uri="http://schemas.openxmlformats.org/drawingml/2006/table">
+            <a:tbl>
+              <a:tblPr firstRow="1" bandRow="1">
+                <a:tableStyleId>{5C22544A-7EE6-4342-B048-85BDC9FD1C3A}</a:tableStyleId>
+              </a:tblPr>
+              <a:tblGrid>
+                <a:gridCol w="1051339">
+                  <a:extLst>
+                    <a:ext uri="{9D8B030D-6E8A-4147-A177-3AD203B41FA5}">
+                      <a16:colId xmlns:a16="http://schemas.microsoft.com/office/drawing/2014/main" val="1763945171"/>
+                    </a:ext>
+                  </a:extLst>
+                </a:gridCol>
+                <a:gridCol w="1051339">
+                  <a:extLst>
+                    <a:ext uri="{9D8B030D-6E8A-4147-A177-3AD203B41FA5}">
+                      <a16:colId xmlns:a16="http://schemas.microsoft.com/office/drawing/2014/main" val="1730943439"/>
+                    </a:ext>
+                  </a:extLst>
+                </a:gridCol>
+                <a:gridCol w="1051339">
+                  <a:extLst>
+                    <a:ext uri="{9D8B030D-6E8A-4147-A177-3AD203B41FA5}">
+                      <a16:colId xmlns:a16="http://schemas.microsoft.com/office/drawing/2014/main" val="3672649975"/>
+                    </a:ext>
+                  </a:extLst>
+                </a:gridCol>
+                <a:gridCol w="1051339">
+                  <a:extLst>
+                    <a:ext uri="{9D8B030D-6E8A-4147-A177-3AD203B41FA5}">
+                      <a16:colId xmlns:a16="http://schemas.microsoft.com/office/drawing/2014/main" val="1700470532"/>
+                    </a:ext>
+                  </a:extLst>
+                </a:gridCol>
+                <a:gridCol w="1051339">
+                  <a:extLst>
+                    <a:ext uri="{9D8B030D-6E8A-4147-A177-3AD203B41FA5}">
+                      <a16:colId xmlns:a16="http://schemas.microsoft.com/office/drawing/2014/main" val="1814337124"/>
+                    </a:ext>
+                  </a:extLst>
+                </a:gridCol>
+                <a:gridCol w="1051339">
+                  <a:extLst>
+                    <a:ext uri="{9D8B030D-6E8A-4147-A177-3AD203B41FA5}">
+                      <a16:colId xmlns:a16="http://schemas.microsoft.com/office/drawing/2014/main" val="2666081561"/>
+                    </a:ext>
+                  </a:extLst>
+                </a:gridCol>
+              </a:tblGrid>
+              <a:tr h="370840">
+                <a:tc>
+                  <a:txBody>
+                    <a:bodyPr/>
+                    <a:lstStyle/>
+                    <a:p>
+                      <a:endParaRPr lang="en-US" dirty="0"/>
+                    </a:p>
+                  </a:txBody>
+                  <a:tcPr/>
+                </a:tc>
+                <a:tc>
+                  <a:txBody>
+                    <a:bodyPr/>
+                    <a:lstStyle/>
+                    <a:p>
+                      <a:r>
+                        <a:rPr lang="en-US" dirty="0"/>
+                        <a:t>X-Lorem</a:t>
+                      </a:r>
+                    </a:p>
+                  </a:txBody>
+                  <a:tcPr/>
+                </a:tc>
+                <a:tc>
+                  <a:txBody>
+                    <a:bodyPr/>
+                    <a:lstStyle/>
+                    <a:p>
+                      <a:r>
+                        <a:rPr lang="en-US" dirty="0"/>
+                        <a:t>X-Ipsum</a:t>
+                      </a:r>
+                    </a:p>
+                  </a:txBody>
+                  <a:tcPr/>
+                </a:tc>
+                <a:tc>
+                  <a:txBody>
+                    <a:bodyPr/>
+                    <a:lstStyle/>
+                    <a:p>
+                      <a:r>
+                        <a:rPr lang="en-US" dirty="0"/>
+                        <a:t>X-dolor</a:t>
+                      </a:r>
+                    </a:p>
+                  </a:txBody>
+                  <a:tcPr/>
+                </a:tc>
+                <a:tc>
+                  <a:txBody>
+                    <a:bodyPr/>
+                    <a:lstStyle/>
+                    <a:p>
+                      <a:r>
+                        <a:rPr lang="en-US" dirty="0"/>
+                        <a:t>X-sit</a:t>
+                      </a:r>
+                    </a:p>
+                  </a:txBody>
+                  <a:tcPr/>
+                </a:tc>
+                <a:tc>
+                  <a:txBody>
+                    <a:bodyPr/>
+                    <a:lstStyle/>
+                    <a:p>
+                      <a:r>
+                        <a:rPr lang="en-US" dirty="0"/>
+                        <a:t>Y</a:t>
+                      </a:r>
+                    </a:p>
+                  </a:txBody>
+                  <a:tcPr/>
+                </a:tc>
+                <a:extLst>
+                  <a:ext uri="{0D108BD9-81ED-4DB2-BD59-A6C34878D82A}">
+                    <a16:rowId xmlns:a16="http://schemas.microsoft.com/office/drawing/2014/main" val="565650966"/>
+                  </a:ext>
+                </a:extLst>
+              </a:tr>
+              <a:tr h="370840">
+                <a:tc>
+                  <a:txBody>
+                    <a:bodyPr/>
+                    <a:lstStyle/>
+                    <a:p>
+                      <a:r>
+                        <a:rPr lang="en-US" dirty="0"/>
+                        <a:t>Observation1</a:t>
+                      </a:r>
+                    </a:p>
+                  </a:txBody>
+                  <a:tcPr/>
+                </a:tc>
+                <a:tc>
+                  <a:txBody>
+                    <a:bodyPr/>
+                    <a:lstStyle/>
+                    <a:p>
+                      <a:r>
+                        <a:rPr lang="en-US" dirty="0"/>
+                        <a:t>1</a:t>
+                      </a:r>
+                    </a:p>
+                  </a:txBody>
+                  <a:tcPr/>
+                </a:tc>
+                <a:tc>
+                  <a:txBody>
+                    <a:bodyPr/>
+                    <a:lstStyle/>
+                    <a:p>
+                      <a:r>
+                        <a:rPr lang="en-US" dirty="0"/>
+                        <a:t>1</a:t>
+                      </a:r>
+                    </a:p>
+                  </a:txBody>
+                  <a:tcPr/>
+                </a:tc>
+                <a:tc>
+                  <a:txBody>
+                    <a:bodyPr/>
+                    <a:lstStyle/>
+                    <a:p>
+                      <a:r>
+                        <a:rPr lang="en-US" dirty="0"/>
+                        <a:t>0</a:t>
+                      </a:r>
+                    </a:p>
+                  </a:txBody>
+                  <a:tcPr/>
+                </a:tc>
+                <a:tc>
+                  <a:txBody>
+                    <a:bodyPr/>
+                    <a:lstStyle/>
+                    <a:p>
+                      <a:r>
+                        <a:rPr lang="en-US" dirty="0"/>
+                        <a:t>0</a:t>
+                      </a:r>
+                    </a:p>
+                  </a:txBody>
+                  <a:tcPr/>
+                </a:tc>
+                <a:tc>
+                  <a:txBody>
+                    <a:bodyPr/>
+                    <a:lstStyle/>
+                    <a:p>
+                      <a:r>
+                        <a:rPr lang="en-US" dirty="0"/>
+                        <a:t>TRUE</a:t>
+                      </a:r>
+                    </a:p>
+                  </a:txBody>
+                  <a:tcPr/>
+                </a:tc>
+                <a:extLst>
+                  <a:ext uri="{0D108BD9-81ED-4DB2-BD59-A6C34878D82A}">
+                    <a16:rowId xmlns:a16="http://schemas.microsoft.com/office/drawing/2014/main" val="765506212"/>
+                  </a:ext>
+                </a:extLst>
+              </a:tr>
+              <a:tr h="370840">
+                <a:tc>
+                  <a:txBody>
+                    <a:bodyPr/>
+                    <a:lstStyle/>
+                    <a:p>
+                      <a:r>
+                        <a:rPr lang="en-US" dirty="0"/>
+                        <a:t>Observation2</a:t>
+                      </a:r>
+                    </a:p>
+                  </a:txBody>
+                  <a:tcPr/>
+                </a:tc>
+                <a:tc>
+                  <a:txBody>
+                    <a:bodyPr/>
+                    <a:lstStyle/>
+                    <a:p>
+                      <a:r>
+                        <a:rPr lang="en-US" dirty="0"/>
+                        <a:t>1</a:t>
+                      </a:r>
+                    </a:p>
+                  </a:txBody>
+                  <a:tcPr/>
+                </a:tc>
+                <a:tc>
+                  <a:txBody>
+                    <a:bodyPr/>
+                    <a:lstStyle/>
+                    <a:p>
+                      <a:r>
+                        <a:rPr lang="en-US" dirty="0"/>
+                        <a:t>1</a:t>
+                      </a:r>
+                    </a:p>
+                  </a:txBody>
+                  <a:tcPr/>
+                </a:tc>
+                <a:tc>
+                  <a:txBody>
+                    <a:bodyPr/>
+                    <a:lstStyle/>
+                    <a:p>
+                      <a:r>
+                        <a:rPr lang="en-US" dirty="0"/>
+                        <a:t>1</a:t>
+                      </a:r>
+                    </a:p>
+                  </a:txBody>
+                  <a:tcPr/>
+                </a:tc>
+                <a:tc>
+                  <a:txBody>
+                    <a:bodyPr/>
+                    <a:lstStyle/>
+                    <a:p>
+                      <a:r>
+                        <a:rPr lang="en-US" dirty="0"/>
+                        <a:t>1</a:t>
+                      </a:r>
+                    </a:p>
+                  </a:txBody>
+                  <a:tcPr/>
+                </a:tc>
+                <a:tc>
+                  <a:txBody>
+                    <a:bodyPr/>
+                    <a:lstStyle/>
+                    <a:p>
+                      <a:r>
+                        <a:rPr lang="en-US" dirty="0"/>
+                        <a:t>FALSE</a:t>
+                      </a:r>
+                    </a:p>
+                  </a:txBody>
+                  <a:tcPr/>
+                </a:tc>
+                <a:extLst>
+                  <a:ext uri="{0D108BD9-81ED-4DB2-BD59-A6C34878D82A}">
+                    <a16:rowId xmlns:a16="http://schemas.microsoft.com/office/drawing/2014/main" val="1984768767"/>
+                  </a:ext>
+                </a:extLst>
+              </a:tr>
+            </a:tbl>
+          </a:graphicData>
+        </a:graphic>
+      </p:graphicFrame>
+      <p:sp>
+        <p:nvSpPr>
+          <p:cNvPr id="10" name="TextBox 9">
+            <a:extLst>
+              <a:ext uri="{FF2B5EF4-FFF2-40B4-BE49-F238E27FC236}">
+                <a16:creationId xmlns:a16="http://schemas.microsoft.com/office/drawing/2014/main" id="{381561DF-F0B0-F049-BCDE-D42CAA901030}"/>
+              </a:ext>
+            </a:extLst>
+          </p:cNvPr>
+          <p:cNvSpPr txBox="1"/>
+          <p:nvPr/>
+        </p:nvSpPr>
+        <p:spPr>
+          <a:xfrm>
+            <a:off x="367748" y="1038514"/>
+            <a:ext cx="634148" cy="369332"/>
+          </a:xfrm>
+          <a:prstGeom prst="rect">
+            <a:avLst/>
+          </a:prstGeom>
+          <a:noFill/>
+        </p:spPr>
+        <p:txBody>
+          <a:bodyPr wrap="none" rtlCol="0">
+            <a:spAutoFit/>
+          </a:bodyPr>
+          <a:lstStyle/>
+          <a:p>
+            <a:r>
+              <a:rPr lang="en-US" dirty="0"/>
+              <a:t>DTM</a:t>
+            </a:r>
+          </a:p>
+        </p:txBody>
+      </p:sp>
+      <p:sp>
+        <p:nvSpPr>
+          <p:cNvPr id="12" name="Rectangle 11">
+            <a:extLst>
+              <a:ext uri="{FF2B5EF4-FFF2-40B4-BE49-F238E27FC236}">
+                <a16:creationId xmlns:a16="http://schemas.microsoft.com/office/drawing/2014/main" id="{F1599CCD-E73E-AD4A-AD58-C575ABD81A6E}"/>
+              </a:ext>
+            </a:extLst>
+          </p:cNvPr>
+          <p:cNvSpPr/>
+          <p:nvPr/>
+        </p:nvSpPr>
+        <p:spPr>
+          <a:xfrm>
+            <a:off x="367748" y="3058347"/>
+            <a:ext cx="3058767" cy="371685"/>
+          </a:xfrm>
+          <a:prstGeom prst="rect">
+            <a:avLst/>
+          </a:prstGeom>
+          <a:solidFill>
+            <a:srgbClr val="0070C0"/>
+          </a:solidFill>
+          <a:ln>
+            <a:noFill/>
+          </a:ln>
+        </p:spPr>
+        <p:style>
+          <a:lnRef idx="2">
+            <a:schemeClr val="accent1">
+              <a:shade val="50000"/>
+            </a:schemeClr>
+          </a:lnRef>
+          <a:fillRef idx="1">
+            <a:schemeClr val="accent1"/>
+          </a:fillRef>
+          <a:effectRef idx="0">
+            <a:schemeClr val="accent1"/>
+          </a:effectRef>
+          <a:fontRef idx="minor">
+            <a:schemeClr val="lt1"/>
+          </a:fontRef>
+        </p:style>
+        <p:txBody>
+          <a:bodyPr rtlCol="0" anchor="ctr"/>
+          <a:lstStyle/>
+          <a:p>
+            <a:pPr algn="ctr"/>
+            <a:r>
+              <a:rPr lang="en-US" dirty="0"/>
+              <a:t>ipsum dolor sit </a:t>
+            </a:r>
+            <a:r>
+              <a:rPr lang="en-US" u="sng" dirty="0" err="1"/>
+              <a:t>amet</a:t>
+            </a:r>
+            <a:endParaRPr lang="en-US" u="sng" dirty="0"/>
+          </a:p>
+        </p:txBody>
+      </p:sp>
+      <p:sp>
+        <p:nvSpPr>
+          <p:cNvPr id="14" name="Predefined Process 13">
+            <a:extLst>
+              <a:ext uri="{FF2B5EF4-FFF2-40B4-BE49-F238E27FC236}">
+                <a16:creationId xmlns:a16="http://schemas.microsoft.com/office/drawing/2014/main" id="{C0952677-BC84-2D46-B676-F4851627F127}"/>
+              </a:ext>
+            </a:extLst>
+          </p:cNvPr>
+          <p:cNvSpPr/>
+          <p:nvPr/>
+        </p:nvSpPr>
+        <p:spPr>
+          <a:xfrm>
+            <a:off x="367748" y="3486980"/>
+            <a:ext cx="3041374" cy="685800"/>
+          </a:xfrm>
+          <a:prstGeom prst="flowChartPredefinedProcess">
+            <a:avLst/>
+          </a:prstGeom>
+          <a:solidFill>
+            <a:srgbClr val="7030A0"/>
+          </a:solidFill>
+          <a:ln>
+            <a:solidFill>
+              <a:schemeClr val="bg1"/>
+            </a:solidFill>
+          </a:ln>
+        </p:spPr>
+        <p:style>
+          <a:lnRef idx="2">
+            <a:schemeClr val="accent1">
+              <a:shade val="50000"/>
+            </a:schemeClr>
+          </a:lnRef>
+          <a:fillRef idx="1">
+            <a:schemeClr val="accent1"/>
+          </a:fillRef>
+          <a:effectRef idx="0">
+            <a:schemeClr val="accent1"/>
+          </a:effectRef>
+          <a:fontRef idx="minor">
+            <a:schemeClr val="lt1"/>
+          </a:fontRef>
+        </p:style>
+        <p:txBody>
+          <a:bodyPr rtlCol="0" anchor="ctr"/>
+          <a:lstStyle/>
+          <a:p>
+            <a:pPr algn="ctr"/>
+            <a:r>
+              <a:rPr lang="en-US" dirty="0"/>
+              <a:t>Text Cleaning</a:t>
+            </a:r>
+          </a:p>
+        </p:txBody>
+      </p:sp>
+      <p:graphicFrame>
+        <p:nvGraphicFramePr>
+          <p:cNvPr id="15" name="Table 6">
+            <a:extLst>
+              <a:ext uri="{FF2B5EF4-FFF2-40B4-BE49-F238E27FC236}">
+                <a16:creationId xmlns:a16="http://schemas.microsoft.com/office/drawing/2014/main" id="{677A490A-CDC5-E641-89A1-41CB3B895953}"/>
+              </a:ext>
+            </a:extLst>
+          </p:cNvPr>
+          <p:cNvGraphicFramePr>
+            <a:graphicFrameLocks noGrp="1"/>
+          </p:cNvGraphicFramePr>
+          <p:nvPr/>
+        </p:nvGraphicFramePr>
+        <p:xfrm>
+          <a:off x="367748" y="4945344"/>
+          <a:ext cx="7224329" cy="873760"/>
+        </p:xfrm>
+        <a:graphic>
+          <a:graphicData uri="http://schemas.openxmlformats.org/drawingml/2006/table">
+            <a:tbl>
+              <a:tblPr firstRow="1" bandRow="1">
+                <a:tableStyleId>{5C22544A-7EE6-4342-B048-85BDC9FD1C3A}</a:tableStyleId>
+              </a:tblPr>
+              <a:tblGrid>
+                <a:gridCol w="1032047">
+                  <a:extLst>
+                    <a:ext uri="{9D8B030D-6E8A-4147-A177-3AD203B41FA5}">
+                      <a16:colId xmlns:a16="http://schemas.microsoft.com/office/drawing/2014/main" val="1763945171"/>
+                    </a:ext>
+                  </a:extLst>
+                </a:gridCol>
+                <a:gridCol w="1032047">
+                  <a:extLst>
+                    <a:ext uri="{9D8B030D-6E8A-4147-A177-3AD203B41FA5}">
+                      <a16:colId xmlns:a16="http://schemas.microsoft.com/office/drawing/2014/main" val="4139357576"/>
+                    </a:ext>
+                  </a:extLst>
+                </a:gridCol>
+                <a:gridCol w="1032047">
+                  <a:extLst>
+                    <a:ext uri="{9D8B030D-6E8A-4147-A177-3AD203B41FA5}">
+                      <a16:colId xmlns:a16="http://schemas.microsoft.com/office/drawing/2014/main" val="3672649975"/>
+                    </a:ext>
+                  </a:extLst>
+                </a:gridCol>
+                <a:gridCol w="1032047">
+                  <a:extLst>
+                    <a:ext uri="{9D8B030D-6E8A-4147-A177-3AD203B41FA5}">
+                      <a16:colId xmlns:a16="http://schemas.microsoft.com/office/drawing/2014/main" val="1700470532"/>
+                    </a:ext>
+                  </a:extLst>
+                </a:gridCol>
+                <a:gridCol w="1032047">
+                  <a:extLst>
+                    <a:ext uri="{9D8B030D-6E8A-4147-A177-3AD203B41FA5}">
+                      <a16:colId xmlns:a16="http://schemas.microsoft.com/office/drawing/2014/main" val="1814337124"/>
+                    </a:ext>
+                  </a:extLst>
+                </a:gridCol>
+                <a:gridCol w="1032047">
+                  <a:extLst>
+                    <a:ext uri="{9D8B030D-6E8A-4147-A177-3AD203B41FA5}">
+                      <a16:colId xmlns:a16="http://schemas.microsoft.com/office/drawing/2014/main" val="800509653"/>
+                    </a:ext>
+                  </a:extLst>
+                </a:gridCol>
+                <a:gridCol w="1032047">
+                  <a:extLst>
+                    <a:ext uri="{9D8B030D-6E8A-4147-A177-3AD203B41FA5}">
+                      <a16:colId xmlns:a16="http://schemas.microsoft.com/office/drawing/2014/main" val="2666081561"/>
+                    </a:ext>
+                  </a:extLst>
+                </a:gridCol>
+              </a:tblGrid>
+              <a:tr h="370840">
+                <a:tc>
+                  <a:txBody>
+                    <a:bodyPr/>
+                    <a:lstStyle/>
+                    <a:p>
+                      <a:endParaRPr lang="en-US"/>
+                    </a:p>
+                  </a:txBody>
+                  <a:tcPr/>
+                </a:tc>
+                <a:tc>
+                  <a:txBody>
+                    <a:bodyPr/>
+                    <a:lstStyle/>
+                    <a:p>
+                      <a:r>
+                        <a:rPr lang="en-US" dirty="0"/>
+                        <a:t>X-Lorem</a:t>
+                      </a:r>
+                    </a:p>
+                  </a:txBody>
+                  <a:tcPr>
+                    <a:solidFill>
+                      <a:srgbClr val="FFC000"/>
+                    </a:solidFill>
+                  </a:tcPr>
+                </a:tc>
+                <a:tc>
+                  <a:txBody>
+                    <a:bodyPr/>
+                    <a:lstStyle/>
+                    <a:p>
+                      <a:r>
+                        <a:rPr lang="en-US" dirty="0"/>
+                        <a:t>X-Ipsum</a:t>
+                      </a:r>
+                    </a:p>
+                  </a:txBody>
+                  <a:tcPr/>
+                </a:tc>
+                <a:tc>
+                  <a:txBody>
+                    <a:bodyPr/>
+                    <a:lstStyle/>
+                    <a:p>
+                      <a:r>
+                        <a:rPr lang="en-US" dirty="0"/>
+                        <a:t>X-dolor</a:t>
+                      </a:r>
+                    </a:p>
+                  </a:txBody>
+                  <a:tcPr/>
+                </a:tc>
+                <a:tc>
+                  <a:txBody>
+                    <a:bodyPr/>
+                    <a:lstStyle/>
+                    <a:p>
+                      <a:r>
+                        <a:rPr lang="en-US" dirty="0"/>
+                        <a:t>X-sit</a:t>
+                      </a:r>
+                    </a:p>
+                  </a:txBody>
+                  <a:tcPr/>
+                </a:tc>
+                <a:tc>
+                  <a:txBody>
+                    <a:bodyPr/>
+                    <a:lstStyle/>
+                    <a:p>
+                      <a:r>
+                        <a:rPr lang="en-US" b="0" strike="sngStrike" dirty="0">
+                          <a:highlight>
+                            <a:srgbClr val="C0C0C0"/>
+                          </a:highlight>
+                        </a:rPr>
+                        <a:t>X-</a:t>
+                      </a:r>
+                      <a:r>
+                        <a:rPr lang="en-US" b="0" strike="sngStrike" dirty="0" err="1">
+                          <a:highlight>
+                            <a:srgbClr val="C0C0C0"/>
+                          </a:highlight>
+                        </a:rPr>
+                        <a:t>Amet</a:t>
+                      </a:r>
+                      <a:endParaRPr lang="en-US" b="0" strike="sngStrike" dirty="0">
+                        <a:highlight>
+                          <a:srgbClr val="C0C0C0"/>
+                        </a:highlight>
+                      </a:endParaRPr>
+                    </a:p>
+                  </a:txBody>
+                  <a:tcPr>
+                    <a:solidFill>
+                      <a:schemeClr val="bg1">
+                        <a:lumMod val="75000"/>
+                      </a:schemeClr>
+                    </a:solidFill>
+                  </a:tcPr>
+                </a:tc>
+                <a:tc>
+                  <a:txBody>
+                    <a:bodyPr/>
+                    <a:lstStyle/>
+                    <a:p>
+                      <a:r>
+                        <a:rPr lang="en-US" dirty="0"/>
+                        <a:t>Y</a:t>
+                      </a:r>
+                    </a:p>
+                  </a:txBody>
+                  <a:tcPr/>
+                </a:tc>
+                <a:extLst>
+                  <a:ext uri="{0D108BD9-81ED-4DB2-BD59-A6C34878D82A}">
+                    <a16:rowId xmlns:a16="http://schemas.microsoft.com/office/drawing/2014/main" val="565650966"/>
+                  </a:ext>
+                </a:extLst>
+              </a:tr>
+              <a:tr h="370840">
+                <a:tc>
+                  <a:txBody>
+                    <a:bodyPr/>
+                    <a:lstStyle/>
+                    <a:p>
+                      <a:r>
+                        <a:rPr lang="en-US" dirty="0"/>
+                        <a:t>Observation1</a:t>
+                      </a:r>
+                    </a:p>
+                  </a:txBody>
+                  <a:tcPr/>
+                </a:tc>
+                <a:tc>
+                  <a:txBody>
+                    <a:bodyPr/>
+                    <a:lstStyle/>
+                    <a:p>
+                      <a:r>
+                        <a:rPr lang="en-US" dirty="0"/>
+                        <a:t>0</a:t>
+                      </a:r>
+                    </a:p>
+                  </a:txBody>
+                  <a:tcPr>
+                    <a:solidFill>
+                      <a:srgbClr val="FFC000"/>
+                    </a:solidFill>
+                  </a:tcPr>
+                </a:tc>
+                <a:tc>
+                  <a:txBody>
+                    <a:bodyPr/>
+                    <a:lstStyle/>
+                    <a:p>
+                      <a:r>
+                        <a:rPr lang="en-US" dirty="0"/>
+                        <a:t>1</a:t>
+                      </a:r>
+                    </a:p>
+                  </a:txBody>
+                  <a:tcPr/>
+                </a:tc>
+                <a:tc>
+                  <a:txBody>
+                    <a:bodyPr/>
+                    <a:lstStyle/>
+                    <a:p>
+                      <a:r>
+                        <a:rPr lang="en-US" dirty="0"/>
+                        <a:t>1</a:t>
+                      </a:r>
+                    </a:p>
+                  </a:txBody>
+                  <a:tcPr/>
+                </a:tc>
+                <a:tc>
+                  <a:txBody>
+                    <a:bodyPr/>
+                    <a:lstStyle/>
+                    <a:p>
+                      <a:r>
+                        <a:rPr lang="en-US" dirty="0"/>
+                        <a:t>1</a:t>
+                      </a:r>
+                    </a:p>
+                  </a:txBody>
+                  <a:tcPr/>
+                </a:tc>
+                <a:tc>
+                  <a:txBody>
+                    <a:bodyPr/>
+                    <a:lstStyle/>
+                    <a:p>
+                      <a:r>
+                        <a:rPr lang="en-US" strike="sngStrike" dirty="0">
+                          <a:highlight>
+                            <a:srgbClr val="C0C0C0"/>
+                          </a:highlight>
+                        </a:rPr>
+                        <a:t>1</a:t>
+                      </a:r>
+                    </a:p>
+                  </a:txBody>
+                  <a:tcPr>
+                    <a:solidFill>
+                      <a:schemeClr val="bg1">
+                        <a:lumMod val="75000"/>
+                      </a:schemeClr>
+                    </a:solidFill>
+                  </a:tcPr>
+                </a:tc>
+                <a:tc>
+                  <a:txBody>
+                    <a:bodyPr/>
+                    <a:lstStyle/>
+                    <a:p>
+                      <a:r>
+                        <a:rPr lang="en-US" dirty="0"/>
+                        <a:t>FALSE</a:t>
+                      </a:r>
+                    </a:p>
+                  </a:txBody>
+                  <a:tcPr/>
+                </a:tc>
+                <a:extLst>
+                  <a:ext uri="{0D108BD9-81ED-4DB2-BD59-A6C34878D82A}">
+                    <a16:rowId xmlns:a16="http://schemas.microsoft.com/office/drawing/2014/main" val="1984768767"/>
+                  </a:ext>
+                </a:extLst>
+              </a:tr>
+            </a:tbl>
+          </a:graphicData>
+        </a:graphic>
+      </p:graphicFrame>
+      <p:sp>
+        <p:nvSpPr>
+          <p:cNvPr id="16" name="TextBox 15">
+            <a:extLst>
+              <a:ext uri="{FF2B5EF4-FFF2-40B4-BE49-F238E27FC236}">
+                <a16:creationId xmlns:a16="http://schemas.microsoft.com/office/drawing/2014/main" id="{F3761C60-E447-9E41-AB94-8CC7963EE0F6}"/>
+              </a:ext>
+            </a:extLst>
+          </p:cNvPr>
+          <p:cNvSpPr txBox="1"/>
+          <p:nvPr/>
+        </p:nvSpPr>
+        <p:spPr>
+          <a:xfrm>
+            <a:off x="255106" y="2741730"/>
+            <a:ext cx="1101905" cy="369332"/>
+          </a:xfrm>
+          <a:prstGeom prst="rect">
+            <a:avLst/>
+          </a:prstGeom>
+          <a:noFill/>
+        </p:spPr>
+        <p:txBody>
+          <a:bodyPr wrap="none" rtlCol="0">
+            <a:spAutoFit/>
+          </a:bodyPr>
+          <a:lstStyle/>
+          <a:p>
+            <a:r>
+              <a:rPr lang="en-US" dirty="0"/>
+              <a:t>New Data</a:t>
+            </a:r>
+          </a:p>
+        </p:txBody>
+      </p:sp>
+      <p:sp>
+        <p:nvSpPr>
+          <p:cNvPr id="17" name="Rectangle 16">
+            <a:extLst>
+              <a:ext uri="{FF2B5EF4-FFF2-40B4-BE49-F238E27FC236}">
+                <a16:creationId xmlns:a16="http://schemas.microsoft.com/office/drawing/2014/main" id="{D1927379-3582-ED4F-8F3A-32D80EFD396B}"/>
+              </a:ext>
+            </a:extLst>
+          </p:cNvPr>
+          <p:cNvSpPr/>
+          <p:nvPr/>
+        </p:nvSpPr>
+        <p:spPr>
+          <a:xfrm>
+            <a:off x="93765" y="6127969"/>
+            <a:ext cx="9002110" cy="441434"/>
+          </a:xfrm>
+          <a:prstGeom prst="rect">
+            <a:avLst/>
+          </a:prstGeom>
+        </p:spPr>
+        <p:style>
+          <a:lnRef idx="2">
+            <a:schemeClr val="accent1">
+              <a:shade val="50000"/>
+            </a:schemeClr>
+          </a:lnRef>
+          <a:fillRef idx="1">
+            <a:schemeClr val="accent1"/>
+          </a:fillRef>
+          <a:effectRef idx="0">
+            <a:schemeClr val="accent1"/>
+          </a:effectRef>
+          <a:fontRef idx="minor">
+            <a:schemeClr val="lt1"/>
+          </a:fontRef>
+        </p:style>
+        <p:txBody>
+          <a:bodyPr rtlCol="0" anchor="ctr"/>
+          <a:lstStyle/>
+          <a:p>
+            <a:pPr algn="ctr"/>
+            <a:r>
+              <a:rPr lang="en-US" sz="1600" dirty="0"/>
+              <a:t>The new text has to be matched to the original model expectations.</a:t>
+            </a:r>
+          </a:p>
+        </p:txBody>
+      </p:sp>
+    </p:spTree>
+    <p:extLst>
+      <p:ext uri="{BB962C8B-B14F-4D97-AF65-F5344CB8AC3E}">
+        <p14:creationId xmlns:p14="http://schemas.microsoft.com/office/powerpoint/2010/main" val="4029102428"/>
+      </p:ext>
+    </p:extLst>
+  </p:cSld>
+  <p:clrMapOvr>
+    <a:masterClrMapping/>
+  </p:clrMapOvr>
+  <p:timing>
+    <p:tnLst>
+      <p:par>
+        <p:cTn id="1" dur="indefinite" restart="never" nodeType="tmRoot">
+          <p:childTnLst>
+            <p:seq concurrent="1" nextAc="seek">
+              <p:cTn id="2" dur="indefinite" nodeType="mainSeq">
+                <p:childTnLst>
+                  <p:par>
+                    <p:cTn id="3" fill="hold">
+                      <p:stCondLst>
+                        <p:cond delay="indefinite"/>
+                      </p:stCondLst>
+                      <p:childTnLst>
+                        <p:par>
+                          <p:cTn id="4" fill="hold">
+                            <p:stCondLst>
+                              <p:cond delay="0"/>
+                            </p:stCondLst>
+                            <p:childTnLst>
+                              <p:par>
+                                <p:cTn id="5" presetID="1" presetClass="entr" presetSubtype="0" fill="hold" grpId="0" nodeType="clickEffect">
+                                  <p:stCondLst>
+                                    <p:cond delay="0"/>
+                                  </p:stCondLst>
+                                  <p:childTnLst>
+                                    <p:set>
+                                      <p:cBhvr>
+                                        <p:cTn id="6" dur="1" fill="hold">
+                                          <p:stCondLst>
+                                            <p:cond delay="0"/>
+                                          </p:stCondLst>
+                                        </p:cTn>
+                                        <p:tgtEl>
+                                          <p:spTgt spid="17"/>
+                                        </p:tgtEl>
+                                        <p:attrNameLst>
+                                          <p:attrName>style.visibility</p:attrName>
+                                        </p:attrNameLst>
+                                      </p:cBhvr>
+                                      <p:to>
+                                        <p:strVal val="visible"/>
+                                      </p:to>
+                                    </p:set>
+                                  </p:childTnLst>
+                                </p:cTn>
+                              </p:par>
+                            </p:childTnLst>
+                          </p:cTn>
+                        </p:par>
+                      </p:childTnLst>
+                    </p:cTn>
+                  </p:par>
+                </p:childTnLst>
+              </p:cTn>
+              <p:prevCondLst>
+                <p:cond evt="onPrev" delay="0">
+                  <p:tgtEl>
+                    <p:sldTgt/>
+                  </p:tgtEl>
+                </p:cond>
+              </p:prevCondLst>
+              <p:nextCondLst>
+                <p:cond evt="onNext" delay="0">
+                  <p:tgtEl>
+                    <p:sldTgt/>
+                  </p:tgtEl>
+                </p:cond>
+              </p:nextCondLst>
+            </p:seq>
+          </p:childTnLst>
+        </p:cTn>
+      </p:par>
+    </p:tnLst>
+    <p:bldLst>
+      <p:bldP spid="17" grpId="0" animBg="1"/>
+    </p:bldLst>
+  </p:timing>
+</p:sld>
+</file>
+
+<file path=ppt/slides/slide26.xml><?xml version="1.0" encoding="utf-8"?>
+<p:sld xmlns:a="http://schemas.openxmlformats.org/drawingml/2006/main" xmlns:r="http://schemas.openxmlformats.org/officeDocument/2006/relationships" xmlns:p="http://schemas.openxmlformats.org/presentationml/2006/main">
+  <p:cSld>
+    <p:spTree>
+      <p:nvGrpSpPr>
+        <p:cNvPr id="1" name=""/>
+        <p:cNvGrpSpPr/>
+        <p:nvPr/>
+      </p:nvGrpSpPr>
+      <p:grpSpPr>
+        <a:xfrm>
+          <a:off x="0" y="0"/>
+          <a:ext cx="0" cy="0"/>
+          <a:chOff x="0" y="0"/>
+          <a:chExt cx="0" cy="0"/>
+        </a:xfrm>
+      </p:grpSpPr>
+      <p:sp>
+        <p:nvSpPr>
+          <p:cNvPr id="2" name="Date Placeholder 1">
+            <a:extLst>
+              <a:ext uri="{FF2B5EF4-FFF2-40B4-BE49-F238E27FC236}">
+                <a16:creationId xmlns:a16="http://schemas.microsoft.com/office/drawing/2014/main" id="{5DD074DE-D040-AC18-062F-5A2359A7D8EA}"/>
+              </a:ext>
+            </a:extLst>
+          </p:cNvPr>
+          <p:cNvSpPr>
+            <a:spLocks noGrp="1"/>
+          </p:cNvSpPr>
+          <p:nvPr>
+            <p:ph type="dt" sz="half" idx="10"/>
+          </p:nvPr>
+        </p:nvSpPr>
+        <p:spPr/>
+        <p:txBody>
+          <a:bodyPr/>
+          <a:lstStyle/>
+          <a:p>
+            <a:fld id="{6700A58B-DD98-43D0-B791-721480A02982}" type="datetime1">
+              <a:rPr lang="en-US" smtClean="0"/>
+              <a:t>1/30/23</a:t>
+            </a:fld>
+            <a:endParaRPr lang="en-US"/>
+          </a:p>
+        </p:txBody>
+      </p:sp>
+      <p:sp>
+        <p:nvSpPr>
+          <p:cNvPr id="3" name="Title 2">
+            <a:extLst>
+              <a:ext uri="{FF2B5EF4-FFF2-40B4-BE49-F238E27FC236}">
+                <a16:creationId xmlns:a16="http://schemas.microsoft.com/office/drawing/2014/main" id="{0BA85B62-E421-3E67-9FDB-CCD9E6E9751F}"/>
+              </a:ext>
+            </a:extLst>
+          </p:cNvPr>
+          <p:cNvSpPr>
+            <a:spLocks noGrp="1"/>
+          </p:cNvSpPr>
+          <p:nvPr>
+            <p:ph type="title"/>
+          </p:nvPr>
+        </p:nvSpPr>
+        <p:spPr/>
+        <p:txBody>
+          <a:bodyPr/>
+          <a:lstStyle/>
+          <a:p>
+            <a:endParaRPr lang="en-US"/>
+          </a:p>
+        </p:txBody>
+      </p:sp>
+      <p:sp>
+        <p:nvSpPr>
+          <p:cNvPr id="4" name="Footer Placeholder 3">
+            <a:extLst>
+              <a:ext uri="{FF2B5EF4-FFF2-40B4-BE49-F238E27FC236}">
+                <a16:creationId xmlns:a16="http://schemas.microsoft.com/office/drawing/2014/main" id="{3A1CA9C1-C206-2D72-70A5-3E25FCFBE75E}"/>
+              </a:ext>
+            </a:extLst>
+          </p:cNvPr>
+          <p:cNvSpPr>
+            <a:spLocks noGrp="1"/>
+          </p:cNvSpPr>
+          <p:nvPr>
+            <p:ph type="ftr" sz="quarter" idx="3"/>
+          </p:nvPr>
+        </p:nvSpPr>
+        <p:spPr/>
+        <p:txBody>
+          <a:bodyPr/>
+          <a:lstStyle/>
+          <a:p>
+            <a:r>
+              <a:rPr lang="en-US"/>
+              <a:t>Kwartler</a:t>
+            </a:r>
+            <a:endParaRPr lang="en-US" dirty="0"/>
+          </a:p>
+        </p:txBody>
+      </p:sp>
+      <p:sp>
+        <p:nvSpPr>
+          <p:cNvPr id="5" name="Slide Number Placeholder 4">
+            <a:extLst>
+              <a:ext uri="{FF2B5EF4-FFF2-40B4-BE49-F238E27FC236}">
+                <a16:creationId xmlns:a16="http://schemas.microsoft.com/office/drawing/2014/main" id="{473AB547-A0A3-1531-F08E-949E583F6ABA}"/>
+              </a:ext>
+            </a:extLst>
+          </p:cNvPr>
+          <p:cNvSpPr>
+            <a:spLocks noGrp="1"/>
+          </p:cNvSpPr>
+          <p:nvPr>
+            <p:ph type="sldNum" sz="quarter" idx="4"/>
+          </p:nvPr>
+        </p:nvSpPr>
+        <p:spPr/>
+        <p:txBody>
+          <a:bodyPr/>
+          <a:lstStyle/>
+          <a:p>
+            <a:fld id="{37290FF7-652B-4475-AEAB-8B1A5D23AE09}" type="slidenum">
+              <a:rPr lang="en-US" smtClean="0"/>
+              <a:pPr/>
+              <a:t>26</a:t>
+            </a:fld>
+            <a:endParaRPr lang="en-US" dirty="0"/>
+          </a:p>
+        </p:txBody>
+      </p:sp>
+      <p:sp>
+        <p:nvSpPr>
+          <p:cNvPr id="6" name="Rectangle 5">
+            <a:extLst>
+              <a:ext uri="{FF2B5EF4-FFF2-40B4-BE49-F238E27FC236}">
+                <a16:creationId xmlns:a16="http://schemas.microsoft.com/office/drawing/2014/main" id="{D95531B2-4848-C3D5-69FF-A94500041FC6}"/>
+              </a:ext>
+            </a:extLst>
+          </p:cNvPr>
+          <p:cNvSpPr/>
+          <p:nvPr/>
+        </p:nvSpPr>
+        <p:spPr>
+          <a:xfrm>
+            <a:off x="365258" y="5561799"/>
+            <a:ext cx="8253145" cy="588935"/>
+          </a:xfrm>
+          <a:prstGeom prst="rect">
+            <a:avLst/>
+          </a:prstGeom>
+          <a:solidFill>
+            <a:schemeClr val="accent2"/>
+          </a:solidFill>
+        </p:spPr>
+        <p:style>
+          <a:lnRef idx="2">
+            <a:schemeClr val="accent1">
+              <a:shade val="50000"/>
+            </a:schemeClr>
+          </a:lnRef>
+          <a:fillRef idx="1">
+            <a:schemeClr val="accent1"/>
+          </a:fillRef>
+          <a:effectRef idx="0">
+            <a:schemeClr val="accent1"/>
+          </a:effectRef>
+          <a:fontRef idx="minor">
+            <a:schemeClr val="lt1"/>
+          </a:fontRef>
+        </p:style>
+        <p:txBody>
+          <a:bodyPr rtlCol="0" anchor="ctr"/>
+          <a:lstStyle/>
+          <a:p>
+            <a:r>
+              <a:rPr lang="en-US" sz="1600" dirty="0"/>
+              <a:t>Open </a:t>
+            </a:r>
+            <a:r>
+              <a:rPr lang="en-US" sz="1600" dirty="0" err="1"/>
+              <a:t>D_ElasticNetExample.R</a:t>
+            </a:r>
+            <a:endParaRPr lang="en-US" sz="1600" dirty="0"/>
+          </a:p>
+        </p:txBody>
+      </p:sp>
+      <p:pic>
+        <p:nvPicPr>
+          <p:cNvPr id="1026" name="Picture 2" descr="Hospital Meme (@HospitalMeme) / Twitter">
+            <a:extLst>
+              <a:ext uri="{FF2B5EF4-FFF2-40B4-BE49-F238E27FC236}">
+                <a16:creationId xmlns:a16="http://schemas.microsoft.com/office/drawing/2014/main" id="{8BD2C461-AE6A-4D6A-9EA5-B9EFE855DB8F}"/>
+              </a:ext>
+            </a:extLst>
+          </p:cNvPr>
+          <p:cNvPicPr>
+            <a:picLocks noChangeAspect="1" noChangeArrowheads="1"/>
+          </p:cNvPicPr>
+          <p:nvPr/>
+        </p:nvPicPr>
+        <p:blipFill>
+          <a:blip r:embed="rId2">
+            <a:extLst>
+              <a:ext uri="{28A0092B-C50C-407E-A947-70E740481C1C}">
+                <a14:useLocalDpi xmlns:a14="http://schemas.microsoft.com/office/drawing/2010/main" val="0"/>
+              </a:ext>
+            </a:extLst>
+          </a:blip>
+          <a:srcRect/>
+          <a:stretch>
+            <a:fillRect/>
+          </a:stretch>
+        </p:blipFill>
+        <p:spPr bwMode="auto">
+          <a:xfrm>
+            <a:off x="2441533" y="1172244"/>
+            <a:ext cx="4100593" cy="4183938"/>
+          </a:xfrm>
+          <a:prstGeom prst="rect">
+            <a:avLst/>
+          </a:prstGeom>
+          <a:noFill/>
+          <a:extLst>
+            <a:ext uri="{909E8E84-426E-40DD-AFC4-6F175D3DCCD1}">
+              <a14:hiddenFill xmlns:a14="http://schemas.microsoft.com/office/drawing/2010/main">
+                <a:solidFill>
+                  <a:srgbClr val="FFFFFF"/>
+                </a:solidFill>
+              </a14:hiddenFill>
+            </a:ext>
+          </a:extLst>
+        </p:spPr>
+      </p:pic>
+    </p:spTree>
+    <p:extLst>
+      <p:ext uri="{BB962C8B-B14F-4D97-AF65-F5344CB8AC3E}">
+        <p14:creationId xmlns:p14="http://schemas.microsoft.com/office/powerpoint/2010/main" val="754726224"/>
+      </p:ext>
+    </p:extLst>
+  </p:cSld>
+  <p:clrMapOvr>
+    <a:masterClrMapping/>
+  </p:clrMapOvr>
 </p:sld>
 </file>
 
